--- a/Kapitel12.pptx
+++ b/Kapitel12.pptx
@@ -5,21 +5,23 @@
     <p:sldMasterId id="2147483696" r:id="rId1"/>
   </p:sldMasterIdLst>
   <p:notesMasterIdLst>
-    <p:notesMasterId r:id="rId14"/>
+    <p:notesMasterId r:id="rId16"/>
   </p:notesMasterIdLst>
   <p:sldIdLst>
     <p:sldId id="256" r:id="rId2"/>
-    <p:sldId id="258" r:id="rId3"/>
+    <p:sldId id="276" r:id="rId3"/>
     <p:sldId id="270" r:id="rId4"/>
-    <p:sldId id="261" r:id="rId5"/>
-    <p:sldId id="264" r:id="rId6"/>
-    <p:sldId id="275" r:id="rId7"/>
+    <p:sldId id="264" r:id="rId5"/>
+    <p:sldId id="275" r:id="rId6"/>
+    <p:sldId id="261" r:id="rId7"/>
     <p:sldId id="268" r:id="rId8"/>
-    <p:sldId id="271" r:id="rId9"/>
-    <p:sldId id="272" r:id="rId10"/>
-    <p:sldId id="269" r:id="rId11"/>
-    <p:sldId id="273" r:id="rId12"/>
-    <p:sldId id="274" r:id="rId13"/>
+    <p:sldId id="277" r:id="rId9"/>
+    <p:sldId id="271" r:id="rId10"/>
+    <p:sldId id="272" r:id="rId11"/>
+    <p:sldId id="278" r:id="rId12"/>
+    <p:sldId id="269" r:id="rId13"/>
+    <p:sldId id="273" r:id="rId14"/>
+    <p:sldId id="274" r:id="rId15"/>
   </p:sldIdLst>
   <p:sldSz cx="9144000" cy="6858000" type="screen4x3"/>
   <p:notesSz cx="6858000" cy="9144000"/>
@@ -137,15 +139,6 @@
 </p:presentation>
 </file>
 
-<file path=ppt/revisionInfo.xml><?xml version="1.0" encoding="utf-8"?>
-<p1510:revInfo xmlns:a="http://schemas.openxmlformats.org/drawingml/2006/main" xmlns:r="http://schemas.openxmlformats.org/officeDocument/2006/relationships" xmlns:p1510="http://schemas.microsoft.com/office/powerpoint/2015/10/main">
-  <p1510:revLst>
-    <p1510:client id="{0E6FE082-8A19-544E-A90C-A59EFF141F40}" v="37" dt="2025-06-11T17:01:13.743"/>
-    <p1510:client id="{6FA45C94-21D3-DA14-0940-5483D041EBC5}" v="1314" dt="2025-06-12T10:45:00.074"/>
-  </p1510:revLst>
-</p1510:revInfo>
-</file>
-
 <file path=ppt/notesMasters/notesMaster1.xml><?xml version="1.0" encoding="utf-8"?>
 <p:notesMaster xmlns:a="http://schemas.openxmlformats.org/drawingml/2006/main" xmlns:r="http://schemas.openxmlformats.org/officeDocument/2006/relationships" xmlns:p="http://schemas.openxmlformats.org/presentationml/2006/main">
   <p:cSld>
@@ -227,7 +220,7 @@
           </a:lstStyle>
           <a:p>
             <a:fld id="{9F25972A-1810-435F-86FA-F464B7E76ADE}" type="datetimeFigureOut">
-              <a:t>12.06.2025</a:t>
+              <a:t>27.06.2025</a:t>
             </a:fld>
             <a:endParaRPr lang="de-DE"/>
           </a:p>
@@ -384,7 +377,7 @@
           </a:lstStyle>
           <a:p>
             <a:fld id="{0E71D2D4-042A-47D5-B63E-4B65CC845CE6}" type="slidenum">
-              <a:t>‹#›</a:t>
+              <a:t>‹Nr.›</a:t>
             </a:fld>
             <a:endParaRPr lang="de-DE"/>
           </a:p>
@@ -512,7 +505,7 @@
       </p:grpSpPr>
       <p:sp>
         <p:nvSpPr>
-          <p:cNvPr id="2" name="Slide Image Placeholder 1"/>
+          <p:cNvPr id="2" name="Folienbildplatzhalter 1"/>
           <p:cNvSpPr>
             <a:spLocks noGrp="1" noRot="1" noChangeAspect="1"/>
           </p:cNvSpPr>
@@ -524,7 +517,7 @@
       </p:sp>
       <p:sp>
         <p:nvSpPr>
-          <p:cNvPr id="3" name="Notes Placeholder 2"/>
+          <p:cNvPr id="3" name="Notizenplatzhalter 2"/>
           <p:cNvSpPr>
             <a:spLocks noGrp="1"/>
           </p:cNvSpPr>
@@ -537,595 +530,187 @@
           <a:bodyPr/>
           <a:lstStyle/>
           <a:p>
-            <a:r>
-              <a:rPr lang="en-US" dirty="0">
-                <a:ea typeface="Calibri"/>
-                <a:cs typeface="Calibri"/>
-              </a:rPr>
-              <a:t>CI – der </a:t>
-            </a:r>
-            <a:r>
-              <a:rPr lang="en-US" dirty="0" err="1">
-                <a:ea typeface="Calibri"/>
-                <a:cs typeface="Calibri"/>
-              </a:rPr>
-              <a:t>entsprechende</a:t>
-            </a:r>
-            <a:r>
-              <a:rPr lang="en-US" dirty="0">
-                <a:ea typeface="Calibri"/>
-                <a:cs typeface="Calibri"/>
-              </a:rPr>
-              <a:t> Server </a:t>
-            </a:r>
-            <a:r>
-              <a:rPr lang="en-US" dirty="0" err="1">
-                <a:ea typeface="Calibri"/>
-                <a:cs typeface="Calibri"/>
-              </a:rPr>
-              <a:t>geht</a:t>
-            </a:r>
-            <a:r>
-              <a:rPr lang="en-US" dirty="0">
-                <a:ea typeface="Calibri"/>
-                <a:cs typeface="Calibri"/>
-              </a:rPr>
-              <a:t> die tests </a:t>
-            </a:r>
-            <a:r>
-              <a:rPr lang="en-US" dirty="0" err="1">
-                <a:ea typeface="Calibri"/>
-                <a:cs typeface="Calibri"/>
-              </a:rPr>
-              <a:t>durch</a:t>
-            </a:r>
-            <a:r>
-              <a:rPr lang="en-US" dirty="0">
-                <a:ea typeface="Calibri"/>
-                <a:cs typeface="Calibri"/>
-              </a:rPr>
-              <a:t> und </a:t>
-            </a:r>
-            <a:r>
-              <a:rPr lang="en-US" dirty="0" err="1">
-                <a:ea typeface="Calibri"/>
-                <a:cs typeface="Calibri"/>
-              </a:rPr>
-              <a:t>checkt</a:t>
-            </a:r>
-            <a:r>
-              <a:rPr lang="en-US" dirty="0">
-                <a:ea typeface="Calibri"/>
-                <a:cs typeface="Calibri"/>
-              </a:rPr>
-              <a:t> </a:t>
-            </a:r>
-            <a:r>
-              <a:rPr lang="en-US" dirty="0" err="1">
-                <a:ea typeface="Calibri"/>
-                <a:cs typeface="Calibri"/>
-              </a:rPr>
-              <a:t>ob</a:t>
-            </a:r>
-            <a:r>
-              <a:rPr lang="en-US" dirty="0">
-                <a:ea typeface="Calibri"/>
-                <a:cs typeface="Calibri"/>
-              </a:rPr>
-              <a:t> </a:t>
-            </a:r>
-            <a:r>
-              <a:rPr lang="en-US" dirty="0" err="1">
-                <a:ea typeface="Calibri"/>
-                <a:cs typeface="Calibri"/>
-              </a:rPr>
-              <a:t>alles</a:t>
-            </a:r>
-            <a:r>
-              <a:rPr lang="en-US" dirty="0">
-                <a:ea typeface="Calibri"/>
-                <a:cs typeface="Calibri"/>
-              </a:rPr>
-              <a:t> </a:t>
-            </a:r>
-            <a:r>
-              <a:rPr lang="en-US" dirty="0" err="1">
-                <a:ea typeface="Calibri"/>
-                <a:cs typeface="Calibri"/>
-              </a:rPr>
-              <a:t>funktioniert</a:t>
-            </a:r>
-          </a:p>
-          <a:p>
-            <a:r>
-              <a:rPr lang="en-US" dirty="0">
-                <a:ea typeface="Calibri"/>
-                <a:cs typeface="Calibri"/>
-              </a:rPr>
-              <a:t>        Falls es </a:t>
-            </a:r>
-            <a:r>
-              <a:rPr lang="en-US" dirty="0" err="1">
-                <a:ea typeface="Calibri"/>
-                <a:cs typeface="Calibri"/>
-              </a:rPr>
-              <a:t>Probleme</a:t>
-            </a:r>
-            <a:r>
-              <a:rPr lang="en-US" dirty="0">
-                <a:ea typeface="Calibri"/>
-                <a:cs typeface="Calibri"/>
-              </a:rPr>
-              <a:t> </a:t>
-            </a:r>
-            <a:r>
-              <a:rPr lang="en-US" dirty="0" err="1">
-                <a:ea typeface="Calibri"/>
-                <a:cs typeface="Calibri"/>
-              </a:rPr>
-              <a:t>oder</a:t>
-            </a:r>
-            <a:r>
-              <a:rPr lang="en-US" dirty="0">
-                <a:ea typeface="Calibri"/>
-                <a:cs typeface="Calibri"/>
-              </a:rPr>
-              <a:t> Fehler </a:t>
-            </a:r>
-            <a:r>
-              <a:rPr lang="en-US" dirty="0" err="1">
-                <a:ea typeface="Calibri"/>
-                <a:cs typeface="Calibri"/>
-              </a:rPr>
-              <a:t>gibt</a:t>
-            </a:r>
-            <a:r>
-              <a:rPr lang="en-US" dirty="0">
-                <a:ea typeface="Calibri"/>
-                <a:cs typeface="Calibri"/>
-              </a:rPr>
-              <a:t> </a:t>
-            </a:r>
-            <a:r>
-              <a:rPr lang="en-US" dirty="0" err="1">
-                <a:ea typeface="Calibri"/>
-                <a:cs typeface="Calibri"/>
-              </a:rPr>
-              <a:t>wird</a:t>
-            </a:r>
-            <a:r>
-              <a:rPr lang="en-US" dirty="0">
-                <a:ea typeface="Calibri"/>
-                <a:cs typeface="Calibri"/>
-              </a:rPr>
-              <a:t> der commit </a:t>
-            </a:r>
-            <a:r>
-              <a:rPr lang="en-US" dirty="0" err="1">
-                <a:ea typeface="Calibri"/>
-                <a:cs typeface="Calibri"/>
-              </a:rPr>
-              <a:t>abgebrochen</a:t>
-            </a:r>
-            <a:r>
-              <a:rPr lang="en-US" dirty="0">
-                <a:ea typeface="Calibri"/>
-                <a:cs typeface="Calibri"/>
-              </a:rPr>
-              <a:t> und der </a:t>
-            </a:r>
-            <a:r>
-              <a:rPr lang="en-US" dirty="0" err="1">
-                <a:ea typeface="Calibri"/>
-                <a:cs typeface="Calibri"/>
-              </a:rPr>
-              <a:t>Entwickler</a:t>
-            </a:r>
-            <a:r>
-              <a:rPr lang="en-US" dirty="0">
-                <a:ea typeface="Calibri"/>
-                <a:cs typeface="Calibri"/>
-              </a:rPr>
-              <a:t> </a:t>
-            </a:r>
-            <a:r>
-              <a:rPr lang="en-US" dirty="0" err="1">
-                <a:ea typeface="Calibri"/>
-                <a:cs typeface="Calibri"/>
-              </a:rPr>
-              <a:t>sollte</a:t>
-            </a:r>
-            <a:r>
-              <a:rPr lang="en-US" dirty="0">
-                <a:ea typeface="Calibri"/>
-                <a:cs typeface="Calibri"/>
-              </a:rPr>
-              <a:t> </a:t>
-            </a:r>
-            <a:r>
-              <a:rPr lang="en-US" dirty="0" err="1">
-                <a:ea typeface="Calibri"/>
-                <a:cs typeface="Calibri"/>
-              </a:rPr>
-              <a:t>dann</a:t>
-            </a:r>
-            <a:r>
-              <a:rPr lang="en-US" dirty="0">
-                <a:ea typeface="Calibri"/>
-                <a:cs typeface="Calibri"/>
-              </a:rPr>
-              <a:t> die </a:t>
-            </a:r>
-            <a:r>
-              <a:rPr lang="en-US" dirty="0" err="1">
-                <a:ea typeface="Calibri"/>
-                <a:cs typeface="Calibri"/>
-              </a:rPr>
-              <a:t>fehler</a:t>
-            </a:r>
-            <a:r>
-              <a:rPr lang="en-US" dirty="0">
-                <a:ea typeface="Calibri"/>
-                <a:cs typeface="Calibri"/>
-              </a:rPr>
-              <a:t> </a:t>
-            </a:r>
-            <a:r>
-              <a:rPr lang="en-US" dirty="0" err="1">
-                <a:ea typeface="Calibri"/>
-                <a:cs typeface="Calibri"/>
-              </a:rPr>
-              <a:t>beheben</a:t>
-            </a:r>
+            <a:endParaRPr lang="de-DE" dirty="0"/>
+          </a:p>
+        </p:txBody>
+      </p:sp>
+      <p:sp>
+        <p:nvSpPr>
+          <p:cNvPr id="4" name="Foliennummernplatzhalter 3"/>
+          <p:cNvSpPr>
+            <a:spLocks noGrp="1"/>
+          </p:cNvSpPr>
+          <p:nvPr>
+            <p:ph type="sldNum" sz="quarter" idx="5"/>
+          </p:nvPr>
+        </p:nvSpPr>
+        <p:spPr/>
+        <p:txBody>
+          <a:bodyPr/>
+          <a:lstStyle/>
+          <a:p>
+            <a:fld id="{0E71D2D4-042A-47D5-B63E-4B65CC845CE6}" type="slidenum">
+              <a:rPr lang="de-DE" smtClean="0"/>
+              <a:t>1</a:t>
+            </a:fld>
+            <a:endParaRPr lang="de-DE"/>
+          </a:p>
+        </p:txBody>
+      </p:sp>
+    </p:spTree>
+    <p:extLst>
+      <p:ext uri="{BB962C8B-B14F-4D97-AF65-F5344CB8AC3E}">
+        <p14:creationId xmlns:p14="http://schemas.microsoft.com/office/powerpoint/2010/main" val="1419870595"/>
+      </p:ext>
+    </p:extLst>
+  </p:cSld>
+  <p:clrMapOvr>
+    <a:masterClrMapping/>
+  </p:clrMapOvr>
+</p:notes>
+</file>
+
+<file path=ppt/notesSlides/notesSlide10.xml><?xml version="1.0" encoding="utf-8"?>
+<p:notes xmlns:a="http://schemas.openxmlformats.org/drawingml/2006/main" xmlns:r="http://schemas.openxmlformats.org/officeDocument/2006/relationships" xmlns:p="http://schemas.openxmlformats.org/presentationml/2006/main">
+  <p:cSld>
+    <p:spTree>
+      <p:nvGrpSpPr>
+        <p:cNvPr id="1" name=""/>
+        <p:cNvGrpSpPr/>
+        <p:nvPr/>
+      </p:nvGrpSpPr>
+      <p:grpSpPr>
+        <a:xfrm>
+          <a:off x="0" y="0"/>
+          <a:ext cx="0" cy="0"/>
+          <a:chOff x="0" y="0"/>
+          <a:chExt cx="0" cy="0"/>
+        </a:xfrm>
+      </p:grpSpPr>
+      <p:sp>
+        <p:nvSpPr>
+          <p:cNvPr id="2" name="Folienbildplatzhalter 1"/>
+          <p:cNvSpPr>
+            <a:spLocks noGrp="1" noRot="1" noChangeAspect="1"/>
+          </p:cNvSpPr>
+          <p:nvPr>
+            <p:ph type="sldImg"/>
+          </p:nvPr>
+        </p:nvSpPr>
+        <p:spPr/>
+      </p:sp>
+      <p:sp>
+        <p:nvSpPr>
+          <p:cNvPr id="3" name="Notizenplatzhalter 2"/>
+          <p:cNvSpPr>
+            <a:spLocks noGrp="1"/>
+          </p:cNvSpPr>
+          <p:nvPr>
+            <p:ph type="body" idx="1"/>
+          </p:nvPr>
+        </p:nvSpPr>
+        <p:spPr/>
+        <p:txBody>
+          <a:bodyPr/>
+          <a:lstStyle/>
+          <a:p>
             <a:endParaRPr lang="en-US" dirty="0">
               <a:ea typeface="Calibri"/>
               <a:cs typeface="Calibri"/>
             </a:endParaRPr>
           </a:p>
-          <a:p>
-            <a:r>
-              <a:rPr lang="en-US" dirty="0">
-                <a:ea typeface="Calibri"/>
-                <a:cs typeface="Calibri"/>
-              </a:rPr>
-              <a:t>CD (delivery) - </a:t>
-            </a:r>
-            <a:r>
-              <a:rPr lang="en-US" dirty="0" err="1">
-                <a:ea typeface="Calibri"/>
-                <a:cs typeface="Calibri"/>
-              </a:rPr>
-              <a:t>wenn</a:t>
-            </a:r>
-            <a:r>
-              <a:rPr lang="en-US" dirty="0">
-                <a:ea typeface="Calibri"/>
-                <a:cs typeface="Calibri"/>
-              </a:rPr>
-              <a:t> </a:t>
-            </a:r>
-            <a:r>
-              <a:rPr lang="en-US" dirty="0" err="1">
-                <a:ea typeface="Calibri"/>
-                <a:cs typeface="Calibri"/>
-              </a:rPr>
-              <a:t>im</a:t>
-            </a:r>
-            <a:r>
-              <a:rPr lang="en-US" dirty="0">
-                <a:ea typeface="Calibri"/>
-                <a:cs typeface="Calibri"/>
-              </a:rPr>
-              <a:t> ci </a:t>
-            </a:r>
-            <a:r>
-              <a:rPr lang="en-US" dirty="0" err="1">
-                <a:ea typeface="Calibri"/>
-                <a:cs typeface="Calibri"/>
-              </a:rPr>
-              <a:t>schritt</a:t>
-            </a:r>
-            <a:r>
-              <a:rPr lang="en-US" dirty="0">
-                <a:ea typeface="Calibri"/>
-                <a:cs typeface="Calibri"/>
-              </a:rPr>
-              <a:t> </a:t>
-            </a:r>
-            <a:r>
-              <a:rPr lang="en-US" dirty="0" err="1">
-                <a:ea typeface="Calibri"/>
-                <a:cs typeface="Calibri"/>
-              </a:rPr>
-              <a:t>alles</a:t>
-            </a:r>
-            <a:r>
-              <a:rPr lang="en-US" dirty="0">
-                <a:ea typeface="Calibri"/>
-                <a:cs typeface="Calibri"/>
-              </a:rPr>
-              <a:t> </a:t>
-            </a:r>
-            <a:r>
-              <a:rPr lang="en-US" dirty="0" err="1">
-                <a:ea typeface="Calibri"/>
-                <a:cs typeface="Calibri"/>
-              </a:rPr>
-              <a:t>passt</a:t>
-            </a:r>
-            <a:r>
-              <a:rPr lang="en-US" dirty="0">
-                <a:ea typeface="Calibri"/>
-                <a:cs typeface="Calibri"/>
-              </a:rPr>
-              <a:t> </a:t>
-            </a:r>
-            <a:r>
-              <a:rPr lang="en-US" dirty="0" err="1">
-                <a:ea typeface="Calibri"/>
-                <a:cs typeface="Calibri"/>
-              </a:rPr>
-              <a:t>wird</a:t>
-            </a:r>
-            <a:r>
-              <a:rPr lang="en-US" dirty="0">
-                <a:ea typeface="Calibri"/>
-                <a:cs typeface="Calibri"/>
-              </a:rPr>
-              <a:t> nun der code </a:t>
-            </a:r>
-            <a:r>
-              <a:rPr lang="en-US" dirty="0" err="1">
-                <a:ea typeface="Calibri"/>
-                <a:cs typeface="Calibri"/>
-              </a:rPr>
-              <a:t>nochmal</a:t>
-            </a:r>
-            <a:r>
-              <a:rPr lang="en-US" dirty="0">
-                <a:ea typeface="Calibri"/>
-                <a:cs typeface="Calibri"/>
-              </a:rPr>
-              <a:t> </a:t>
-            </a:r>
-            <a:r>
-              <a:rPr lang="en-US" dirty="0" err="1">
-                <a:ea typeface="Calibri"/>
-                <a:cs typeface="Calibri"/>
-              </a:rPr>
-              <a:t>manuell</a:t>
-            </a:r>
-            <a:r>
-              <a:rPr lang="en-US" dirty="0">
-                <a:ea typeface="Calibri"/>
-                <a:cs typeface="Calibri"/>
-              </a:rPr>
-              <a:t> </a:t>
-            </a:r>
-            <a:r>
-              <a:rPr lang="en-US" dirty="0" err="1">
-                <a:ea typeface="Calibri"/>
-                <a:cs typeface="Calibri"/>
-              </a:rPr>
-              <a:t>überprüft</a:t>
-            </a:r>
-            <a:r>
-              <a:rPr lang="en-US" dirty="0">
-                <a:ea typeface="Calibri"/>
-                <a:cs typeface="Calibri"/>
-              </a:rPr>
-              <a:t> bevor er </a:t>
-            </a:r>
-            <a:r>
-              <a:rPr lang="en-US" dirty="0" err="1">
-                <a:ea typeface="Calibri"/>
-                <a:cs typeface="Calibri"/>
-              </a:rPr>
-              <a:t>tatsächlich</a:t>
-            </a:r>
-            <a:r>
-              <a:rPr lang="en-US" dirty="0">
-                <a:ea typeface="Calibri"/>
-                <a:cs typeface="Calibri"/>
-              </a:rPr>
-              <a:t> ins Repo </a:t>
-            </a:r>
-            <a:r>
-              <a:rPr lang="en-US" dirty="0" err="1">
-                <a:ea typeface="Calibri"/>
-                <a:cs typeface="Calibri"/>
-              </a:rPr>
-              <a:t>eingefügt</a:t>
-            </a:r>
-            <a:r>
-              <a:rPr lang="en-US" dirty="0">
-                <a:ea typeface="Calibri"/>
-                <a:cs typeface="Calibri"/>
-              </a:rPr>
-              <a:t> </a:t>
-            </a:r>
-            <a:r>
-              <a:rPr lang="en-US" dirty="0" err="1">
-                <a:ea typeface="Calibri"/>
-                <a:cs typeface="Calibri"/>
-              </a:rPr>
-              <a:t>wird</a:t>
-            </a:r>
-            <a:r>
-              <a:rPr lang="en-US" dirty="0">
-                <a:ea typeface="Calibri"/>
-                <a:cs typeface="Calibri"/>
-              </a:rPr>
-              <a:t>. Auch </a:t>
-            </a:r>
-            <a:r>
-              <a:rPr lang="en-US" dirty="0" err="1">
-                <a:ea typeface="Calibri"/>
-                <a:cs typeface="Calibri"/>
-              </a:rPr>
-              <a:t>hier:bei</a:t>
-            </a:r>
-            <a:r>
-              <a:rPr lang="en-US" dirty="0">
-                <a:ea typeface="Calibri"/>
-                <a:cs typeface="Calibri"/>
-              </a:rPr>
-              <a:t> error </a:t>
-            </a:r>
-            <a:r>
-              <a:rPr lang="en-US" dirty="0" err="1">
-                <a:ea typeface="Calibri"/>
-                <a:cs typeface="Calibri"/>
-              </a:rPr>
-              <a:t>wird</a:t>
-            </a:r>
-            <a:r>
-              <a:rPr lang="en-US" dirty="0">
-                <a:ea typeface="Calibri"/>
-                <a:cs typeface="Calibri"/>
-              </a:rPr>
-              <a:t> der commit </a:t>
-            </a:r>
-            <a:r>
-              <a:rPr lang="en-US" dirty="0" err="1">
-                <a:ea typeface="Calibri"/>
-                <a:cs typeface="Calibri"/>
-              </a:rPr>
-              <a:t>abgelehnt</a:t>
-            </a:r>
-            <a:r>
-              <a:rPr lang="en-US" dirty="0">
-                <a:ea typeface="Calibri"/>
-                <a:cs typeface="Calibri"/>
-              </a:rPr>
-              <a:t> und der </a:t>
-            </a:r>
-            <a:r>
-              <a:rPr lang="en-US" dirty="0" err="1">
-                <a:ea typeface="Calibri"/>
-                <a:cs typeface="Calibri"/>
-              </a:rPr>
-              <a:t>Entwickler</a:t>
-            </a:r>
-            <a:r>
-              <a:rPr lang="en-US" dirty="0">
-                <a:ea typeface="Calibri"/>
-                <a:cs typeface="Calibri"/>
-              </a:rPr>
-              <a:t> muss seinen code </a:t>
-            </a:r>
-            <a:r>
-              <a:rPr lang="en-US" dirty="0" err="1">
-                <a:ea typeface="Calibri"/>
-                <a:cs typeface="Calibri"/>
-              </a:rPr>
-              <a:t>anpassen</a:t>
-            </a:r>
+        </p:txBody>
+      </p:sp>
+      <p:sp>
+        <p:nvSpPr>
+          <p:cNvPr id="4" name="Foliennummernplatzhalter 3"/>
+          <p:cNvSpPr>
+            <a:spLocks noGrp="1"/>
+          </p:cNvSpPr>
+          <p:nvPr>
+            <p:ph type="sldNum" sz="quarter" idx="5"/>
+          </p:nvPr>
+        </p:nvSpPr>
+        <p:spPr/>
+        <p:txBody>
+          <a:bodyPr/>
+          <a:lstStyle/>
+          <a:p>
+            <a:fld id="{0E71D2D4-042A-47D5-B63E-4B65CC845CE6}" type="slidenum">
+              <a:rPr lang="de-DE"/>
+              <a:t>10</a:t>
+            </a:fld>
+            <a:endParaRPr lang="de-DE"/>
+          </a:p>
+        </p:txBody>
+      </p:sp>
+    </p:spTree>
+    <p:extLst>
+      <p:ext uri="{BB962C8B-B14F-4D97-AF65-F5344CB8AC3E}">
+        <p14:creationId xmlns:p14="http://schemas.microsoft.com/office/powerpoint/2010/main" val="311953301"/>
+      </p:ext>
+    </p:extLst>
+  </p:cSld>
+  <p:clrMapOvr>
+    <a:masterClrMapping/>
+  </p:clrMapOvr>
+</p:notes>
+</file>
+
+<file path=ppt/notesSlides/notesSlide11.xml><?xml version="1.0" encoding="utf-8"?>
+<p:notes xmlns:a="http://schemas.openxmlformats.org/drawingml/2006/main" xmlns:r="http://schemas.openxmlformats.org/officeDocument/2006/relationships" xmlns:p="http://schemas.openxmlformats.org/presentationml/2006/main">
+  <p:cSld>
+    <p:spTree>
+      <p:nvGrpSpPr>
+        <p:cNvPr id="1" name=""/>
+        <p:cNvGrpSpPr/>
+        <p:nvPr/>
+      </p:nvGrpSpPr>
+      <p:grpSpPr>
+        <a:xfrm>
+          <a:off x="0" y="0"/>
+          <a:ext cx="0" cy="0"/>
+          <a:chOff x="0" y="0"/>
+          <a:chExt cx="0" cy="0"/>
+        </a:xfrm>
+      </p:grpSpPr>
+      <p:sp>
+        <p:nvSpPr>
+          <p:cNvPr id="2" name="Folienbildplatzhalter 1"/>
+          <p:cNvSpPr>
+            <a:spLocks noGrp="1" noRot="1" noChangeAspect="1"/>
+          </p:cNvSpPr>
+          <p:nvPr>
+            <p:ph type="sldImg"/>
+          </p:nvPr>
+        </p:nvSpPr>
+        <p:spPr/>
+      </p:sp>
+      <p:sp>
+        <p:nvSpPr>
+          <p:cNvPr id="3" name="Notizenplatzhalter 2"/>
+          <p:cNvSpPr>
+            <a:spLocks noGrp="1"/>
+          </p:cNvSpPr>
+          <p:nvPr>
+            <p:ph type="body" idx="1"/>
+          </p:nvPr>
+        </p:nvSpPr>
+        <p:spPr/>
+        <p:txBody>
+          <a:bodyPr/>
+          <a:lstStyle/>
+          <a:p>
             <a:endParaRPr lang="en-US" dirty="0">
               <a:ea typeface="Calibri"/>
               <a:cs typeface="Calibri"/>
             </a:endParaRPr>
           </a:p>
-          <a:p>
-            <a:r>
-              <a:rPr lang="en-US" dirty="0">
-                <a:ea typeface="Calibri"/>
-                <a:cs typeface="Calibri"/>
-              </a:rPr>
-              <a:t>CD (deployment) - CI lief </a:t>
-            </a:r>
-            <a:r>
-              <a:rPr lang="en-US" dirty="0" err="1">
-                <a:ea typeface="Calibri"/>
-                <a:cs typeface="Calibri"/>
-              </a:rPr>
-              <a:t>erfolgreich</a:t>
-            </a:r>
-            <a:r>
-              <a:rPr lang="en-US" dirty="0">
-                <a:ea typeface="Calibri"/>
-                <a:cs typeface="Calibri"/>
-              </a:rPr>
-              <a:t>. Code </a:t>
-            </a:r>
-            <a:r>
-              <a:rPr lang="en-US" dirty="0" err="1">
-                <a:ea typeface="Calibri"/>
-                <a:cs typeface="Calibri"/>
-              </a:rPr>
-              <a:t>wird</a:t>
-            </a:r>
-            <a:r>
-              <a:rPr lang="en-US" dirty="0">
-                <a:ea typeface="Calibri"/>
-                <a:cs typeface="Calibri"/>
-              </a:rPr>
-              <a:t> nun </a:t>
-            </a:r>
-            <a:r>
-              <a:rPr lang="en-US" dirty="0" err="1">
-                <a:ea typeface="Calibri"/>
-                <a:cs typeface="Calibri"/>
-              </a:rPr>
-              <a:t>erfolgreich</a:t>
-            </a:r>
-            <a:r>
-              <a:rPr lang="en-US" dirty="0">
-                <a:ea typeface="Calibri"/>
-                <a:cs typeface="Calibri"/>
-              </a:rPr>
-              <a:t> ins </a:t>
-            </a:r>
-            <a:r>
-              <a:rPr lang="en-US" dirty="0" err="1">
-                <a:ea typeface="Calibri"/>
-                <a:cs typeface="Calibri"/>
-              </a:rPr>
-              <a:t>fertige</a:t>
-            </a:r>
-            <a:r>
-              <a:rPr lang="en-US" dirty="0">
-                <a:ea typeface="Calibri"/>
-                <a:cs typeface="Calibri"/>
-              </a:rPr>
-              <a:t> </a:t>
-            </a:r>
-            <a:r>
-              <a:rPr lang="en-US" dirty="0" err="1">
-                <a:ea typeface="Calibri"/>
-                <a:cs typeface="Calibri"/>
-              </a:rPr>
-              <a:t>produkt</a:t>
-            </a:r>
-            <a:r>
-              <a:rPr lang="en-US" dirty="0">
-                <a:ea typeface="Calibri"/>
-                <a:cs typeface="Calibri"/>
-              </a:rPr>
-              <a:t> </a:t>
-            </a:r>
-            <a:r>
-              <a:rPr lang="en-US" dirty="0" err="1">
-                <a:ea typeface="Calibri"/>
-                <a:cs typeface="Calibri"/>
-              </a:rPr>
-              <a:t>eingegliedert</a:t>
-            </a:r>
-          </a:p>
-          <a:p>
-            <a:r>
-              <a:rPr lang="en-US" dirty="0">
-                <a:ea typeface="Calibri"/>
-                <a:cs typeface="Calibri"/>
-              </a:rPr>
-              <a:t> </a:t>
-            </a:r>
-          </a:p>
-        </p:txBody>
-      </p:sp>
-      <p:sp>
-        <p:nvSpPr>
-          <p:cNvPr id="4" name="Slide Number Placeholder 3"/>
+        </p:txBody>
+      </p:sp>
+      <p:sp>
+        <p:nvSpPr>
+          <p:cNvPr id="4" name="Foliennummernplatzhalter 3"/>
           <p:cNvSpPr>
             <a:spLocks noGrp="1"/>
           </p:cNvSpPr>
@@ -1139,7 +724,8 @@
           <a:lstStyle/>
           <a:p>
             <a:fld id="{0E71D2D4-042A-47D5-B63E-4B65CC845CE6}" type="slidenum">
-              <a:t>4</a:t>
+              <a:rPr lang="de-DE"/>
+              <a:t>11</a:t>
             </a:fld>
             <a:endParaRPr lang="de-DE"/>
           </a:p>
@@ -1148,7 +734,268 @@
     </p:spTree>
     <p:extLst>
       <p:ext uri="{BB962C8B-B14F-4D97-AF65-F5344CB8AC3E}">
-        <p14:creationId xmlns:p14="http://schemas.microsoft.com/office/powerpoint/2010/main" val="2122580322"/>
+        <p14:creationId xmlns:p14="http://schemas.microsoft.com/office/powerpoint/2010/main" val="4051394587"/>
+      </p:ext>
+    </p:extLst>
+  </p:cSld>
+  <p:clrMapOvr>
+    <a:masterClrMapping/>
+  </p:clrMapOvr>
+</p:notes>
+</file>
+
+<file path=ppt/notesSlides/notesSlide12.xml><?xml version="1.0" encoding="utf-8"?>
+<p:notes xmlns:a="http://schemas.openxmlformats.org/drawingml/2006/main" xmlns:r="http://schemas.openxmlformats.org/officeDocument/2006/relationships" xmlns:p="http://schemas.openxmlformats.org/presentationml/2006/main">
+  <p:cSld>
+    <p:spTree>
+      <p:nvGrpSpPr>
+        <p:cNvPr id="1" name=""/>
+        <p:cNvGrpSpPr/>
+        <p:nvPr/>
+      </p:nvGrpSpPr>
+      <p:grpSpPr>
+        <a:xfrm>
+          <a:off x="0" y="0"/>
+          <a:ext cx="0" cy="0"/>
+          <a:chOff x="0" y="0"/>
+          <a:chExt cx="0" cy="0"/>
+        </a:xfrm>
+      </p:grpSpPr>
+      <p:sp>
+        <p:nvSpPr>
+          <p:cNvPr id="2" name="Folienbildplatzhalter 1"/>
+          <p:cNvSpPr>
+            <a:spLocks noGrp="1" noRot="1" noChangeAspect="1"/>
+          </p:cNvSpPr>
+          <p:nvPr>
+            <p:ph type="sldImg"/>
+          </p:nvPr>
+        </p:nvSpPr>
+        <p:spPr/>
+      </p:sp>
+      <p:sp>
+        <p:nvSpPr>
+          <p:cNvPr id="3" name="Notizenplatzhalter 2"/>
+          <p:cNvSpPr>
+            <a:spLocks noGrp="1"/>
+          </p:cNvSpPr>
+          <p:nvPr>
+            <p:ph type="body" idx="1"/>
+          </p:nvPr>
+        </p:nvSpPr>
+        <p:spPr/>
+        <p:txBody>
+          <a:bodyPr/>
+          <a:lstStyle/>
+          <a:p>
+            <a:endParaRPr lang="en-US" dirty="0">
+              <a:ea typeface="Calibri"/>
+              <a:cs typeface="Calibri"/>
+            </a:endParaRPr>
+          </a:p>
+        </p:txBody>
+      </p:sp>
+      <p:sp>
+        <p:nvSpPr>
+          <p:cNvPr id="4" name="Foliennummernplatzhalter 3"/>
+          <p:cNvSpPr>
+            <a:spLocks noGrp="1"/>
+          </p:cNvSpPr>
+          <p:nvPr>
+            <p:ph type="sldNum" sz="quarter" idx="5"/>
+          </p:nvPr>
+        </p:nvSpPr>
+        <p:spPr/>
+        <p:txBody>
+          <a:bodyPr/>
+          <a:lstStyle/>
+          <a:p>
+            <a:fld id="{0E71D2D4-042A-47D5-B63E-4B65CC845CE6}" type="slidenum">
+              <a:rPr lang="de-DE"/>
+              <a:t>12</a:t>
+            </a:fld>
+            <a:endParaRPr lang="de-DE"/>
+          </a:p>
+        </p:txBody>
+      </p:sp>
+    </p:spTree>
+    <p:extLst>
+      <p:ext uri="{BB962C8B-B14F-4D97-AF65-F5344CB8AC3E}">
+        <p14:creationId xmlns:p14="http://schemas.microsoft.com/office/powerpoint/2010/main" val="2254947369"/>
+      </p:ext>
+    </p:extLst>
+  </p:cSld>
+  <p:clrMapOvr>
+    <a:masterClrMapping/>
+  </p:clrMapOvr>
+</p:notes>
+</file>
+
+<file path=ppt/notesSlides/notesSlide13.xml><?xml version="1.0" encoding="utf-8"?>
+<p:notes xmlns:a="http://schemas.openxmlformats.org/drawingml/2006/main" xmlns:r="http://schemas.openxmlformats.org/officeDocument/2006/relationships" xmlns:p="http://schemas.openxmlformats.org/presentationml/2006/main">
+  <p:cSld>
+    <p:spTree>
+      <p:nvGrpSpPr>
+        <p:cNvPr id="1" name=""/>
+        <p:cNvGrpSpPr/>
+        <p:nvPr/>
+      </p:nvGrpSpPr>
+      <p:grpSpPr>
+        <a:xfrm>
+          <a:off x="0" y="0"/>
+          <a:ext cx="0" cy="0"/>
+          <a:chOff x="0" y="0"/>
+          <a:chExt cx="0" cy="0"/>
+        </a:xfrm>
+      </p:grpSpPr>
+      <p:sp>
+        <p:nvSpPr>
+          <p:cNvPr id="2" name="Folienbildplatzhalter 1"/>
+          <p:cNvSpPr>
+            <a:spLocks noGrp="1" noRot="1" noChangeAspect="1"/>
+          </p:cNvSpPr>
+          <p:nvPr>
+            <p:ph type="sldImg"/>
+          </p:nvPr>
+        </p:nvSpPr>
+        <p:spPr/>
+      </p:sp>
+      <p:sp>
+        <p:nvSpPr>
+          <p:cNvPr id="3" name="Notizenplatzhalter 2"/>
+          <p:cNvSpPr>
+            <a:spLocks noGrp="1"/>
+          </p:cNvSpPr>
+          <p:nvPr>
+            <p:ph type="body" idx="1"/>
+          </p:nvPr>
+        </p:nvSpPr>
+        <p:spPr/>
+        <p:txBody>
+          <a:bodyPr/>
+          <a:lstStyle/>
+          <a:p>
+            <a:endParaRPr lang="en-US" dirty="0">
+              <a:ea typeface="Calibri"/>
+              <a:cs typeface="Calibri"/>
+            </a:endParaRPr>
+          </a:p>
+        </p:txBody>
+      </p:sp>
+      <p:sp>
+        <p:nvSpPr>
+          <p:cNvPr id="4" name="Foliennummernplatzhalter 3"/>
+          <p:cNvSpPr>
+            <a:spLocks noGrp="1"/>
+          </p:cNvSpPr>
+          <p:nvPr>
+            <p:ph type="sldNum" sz="quarter" idx="5"/>
+          </p:nvPr>
+        </p:nvSpPr>
+        <p:spPr/>
+        <p:txBody>
+          <a:bodyPr/>
+          <a:lstStyle/>
+          <a:p>
+            <a:fld id="{0E71D2D4-042A-47D5-B63E-4B65CC845CE6}" type="slidenum">
+              <a:rPr lang="de-DE"/>
+              <a:t>13</a:t>
+            </a:fld>
+            <a:endParaRPr lang="de-DE"/>
+          </a:p>
+        </p:txBody>
+      </p:sp>
+    </p:spTree>
+    <p:extLst>
+      <p:ext uri="{BB962C8B-B14F-4D97-AF65-F5344CB8AC3E}">
+        <p14:creationId xmlns:p14="http://schemas.microsoft.com/office/powerpoint/2010/main" val="95060659"/>
+      </p:ext>
+    </p:extLst>
+  </p:cSld>
+  <p:clrMapOvr>
+    <a:masterClrMapping/>
+  </p:clrMapOvr>
+</p:notes>
+</file>
+
+<file path=ppt/notesSlides/notesSlide14.xml><?xml version="1.0" encoding="utf-8"?>
+<p:notes xmlns:a="http://schemas.openxmlformats.org/drawingml/2006/main" xmlns:r="http://schemas.openxmlformats.org/officeDocument/2006/relationships" xmlns:p="http://schemas.openxmlformats.org/presentationml/2006/main">
+  <p:cSld>
+    <p:spTree>
+      <p:nvGrpSpPr>
+        <p:cNvPr id="1" name=""/>
+        <p:cNvGrpSpPr/>
+        <p:nvPr/>
+      </p:nvGrpSpPr>
+      <p:grpSpPr>
+        <a:xfrm>
+          <a:off x="0" y="0"/>
+          <a:ext cx="0" cy="0"/>
+          <a:chOff x="0" y="0"/>
+          <a:chExt cx="0" cy="0"/>
+        </a:xfrm>
+      </p:grpSpPr>
+      <p:sp>
+        <p:nvSpPr>
+          <p:cNvPr id="2" name="Folienbildplatzhalter 1"/>
+          <p:cNvSpPr>
+            <a:spLocks noGrp="1" noRot="1" noChangeAspect="1"/>
+          </p:cNvSpPr>
+          <p:nvPr>
+            <p:ph type="sldImg"/>
+          </p:nvPr>
+        </p:nvSpPr>
+        <p:spPr/>
+      </p:sp>
+      <p:sp>
+        <p:nvSpPr>
+          <p:cNvPr id="3" name="Notizenplatzhalter 2"/>
+          <p:cNvSpPr>
+            <a:spLocks noGrp="1"/>
+          </p:cNvSpPr>
+          <p:nvPr>
+            <p:ph type="body" idx="1"/>
+          </p:nvPr>
+        </p:nvSpPr>
+        <p:spPr/>
+        <p:txBody>
+          <a:bodyPr/>
+          <a:lstStyle/>
+          <a:p>
+            <a:endParaRPr lang="en-US" dirty="0">
+              <a:ea typeface="Calibri"/>
+              <a:cs typeface="Calibri"/>
+            </a:endParaRPr>
+          </a:p>
+        </p:txBody>
+      </p:sp>
+      <p:sp>
+        <p:nvSpPr>
+          <p:cNvPr id="4" name="Foliennummernplatzhalter 3"/>
+          <p:cNvSpPr>
+            <a:spLocks noGrp="1"/>
+          </p:cNvSpPr>
+          <p:nvPr>
+            <p:ph type="sldNum" sz="quarter" idx="5"/>
+          </p:nvPr>
+        </p:nvSpPr>
+        <p:spPr/>
+        <p:txBody>
+          <a:bodyPr/>
+          <a:lstStyle/>
+          <a:p>
+            <a:fld id="{0E71D2D4-042A-47D5-B63E-4B65CC845CE6}" type="slidenum">
+              <a:rPr lang="de-DE"/>
+              <a:t>14</a:t>
+            </a:fld>
+            <a:endParaRPr lang="de-DE"/>
+          </a:p>
+        </p:txBody>
+      </p:sp>
+    </p:spTree>
+    <p:extLst>
+      <p:ext uri="{BB962C8B-B14F-4D97-AF65-F5344CB8AC3E}">
+        <p14:creationId xmlns:p14="http://schemas.microsoft.com/office/powerpoint/2010/main" val="3930024798"/>
       </p:ext>
     </p:extLst>
   </p:cSld>
@@ -1177,7 +1024,7 @@
       </p:grpSpPr>
       <p:sp>
         <p:nvSpPr>
-          <p:cNvPr id="2" name="Slide Image Placeholder 1"/>
+          <p:cNvPr id="2" name="Folienbildplatzhalter 1"/>
           <p:cNvSpPr>
             <a:spLocks noGrp="1" noRot="1" noChangeAspect="1"/>
           </p:cNvSpPr>
@@ -1189,7 +1036,7 @@
       </p:sp>
       <p:sp>
         <p:nvSpPr>
-          <p:cNvPr id="3" name="Notes Placeholder 2"/>
+          <p:cNvPr id="3" name="Notizenplatzhalter 2"/>
           <p:cNvSpPr>
             <a:spLocks noGrp="1"/>
           </p:cNvSpPr>
@@ -1202,40 +1049,16 @@
           <a:bodyPr/>
           <a:lstStyle/>
           <a:p>
-            <a:r>
-              <a:rPr lang="en-US" dirty="0" err="1">
-                <a:ea typeface="Calibri"/>
-                <a:cs typeface="Calibri"/>
-              </a:rPr>
-              <a:t>Aktionen</a:t>
-            </a:r>
-            <a:r>
-              <a:rPr lang="en-US" dirty="0">
-                <a:ea typeface="Calibri"/>
-                <a:cs typeface="Calibri"/>
-              </a:rPr>
-              <a:t> </a:t>
-            </a:r>
-            <a:r>
-              <a:rPr lang="en-US" dirty="0" err="1">
-                <a:ea typeface="Calibri"/>
-                <a:cs typeface="Calibri"/>
-              </a:rPr>
-              <a:t>z.b.</a:t>
-            </a:r>
-            <a:r>
-              <a:rPr lang="en-US" dirty="0">
-                <a:ea typeface="Calibri"/>
-                <a:cs typeface="Calibri"/>
-              </a:rPr>
-              <a:t> push, pull, etc.</a:t>
-            </a:r>
-          </a:p>
-        </p:txBody>
-      </p:sp>
-      <p:sp>
-        <p:nvSpPr>
-          <p:cNvPr id="4" name="Slide Number Placeholder 3"/>
+            <a:endParaRPr lang="en-US" dirty="0">
+              <a:ea typeface="Calibri"/>
+              <a:cs typeface="Calibri"/>
+            </a:endParaRPr>
+          </a:p>
+        </p:txBody>
+      </p:sp>
+      <p:sp>
+        <p:nvSpPr>
+          <p:cNvPr id="4" name="Foliennummernplatzhalter 3"/>
           <p:cNvSpPr>
             <a:spLocks noGrp="1"/>
           </p:cNvSpPr>
@@ -1249,7 +1072,8 @@
           <a:lstStyle/>
           <a:p>
             <a:fld id="{0E71D2D4-042A-47D5-B63E-4B65CC845CE6}" type="slidenum">
-              <a:t>7</a:t>
+              <a:rPr lang="de-DE"/>
+              <a:t>2</a:t>
             </a:fld>
             <a:endParaRPr lang="de-DE"/>
           </a:p>
@@ -1258,7 +1082,7 @@
     </p:spTree>
     <p:extLst>
       <p:ext uri="{BB962C8B-B14F-4D97-AF65-F5344CB8AC3E}">
-        <p14:creationId xmlns:p14="http://schemas.microsoft.com/office/powerpoint/2010/main" val="2358897072"/>
+        <p14:creationId xmlns:p14="http://schemas.microsoft.com/office/powerpoint/2010/main" val="1624042482"/>
       </p:ext>
     </p:extLst>
   </p:cSld>
@@ -1287,6 +1111,271 @@
       </p:grpSpPr>
       <p:sp>
         <p:nvSpPr>
+          <p:cNvPr id="2" name="Folienbildplatzhalter 1"/>
+          <p:cNvSpPr>
+            <a:spLocks noGrp="1" noRot="1" noChangeAspect="1"/>
+          </p:cNvSpPr>
+          <p:nvPr>
+            <p:ph type="sldImg"/>
+          </p:nvPr>
+        </p:nvSpPr>
+        <p:spPr/>
+      </p:sp>
+      <p:sp>
+        <p:nvSpPr>
+          <p:cNvPr id="3" name="Notizenplatzhalter 2"/>
+          <p:cNvSpPr>
+            <a:spLocks noGrp="1"/>
+          </p:cNvSpPr>
+          <p:nvPr>
+            <p:ph type="body" idx="1"/>
+          </p:nvPr>
+        </p:nvSpPr>
+        <p:spPr/>
+        <p:txBody>
+          <a:bodyPr/>
+          <a:lstStyle/>
+          <a:p>
+            <a:pPr marL="628650" lvl="1" indent="-171450">
+              <a:buFont typeface="Courier New"/>
+              <a:buChar char="o"/>
+            </a:pPr>
+            <a:endParaRPr lang="de-DE" dirty="0">
+              <a:ea typeface="Calibri"/>
+              <a:cs typeface="Calibri"/>
+            </a:endParaRPr>
+          </a:p>
+        </p:txBody>
+      </p:sp>
+      <p:sp>
+        <p:nvSpPr>
+          <p:cNvPr id="4" name="Foliennummernplatzhalter 3"/>
+          <p:cNvSpPr>
+            <a:spLocks noGrp="1"/>
+          </p:cNvSpPr>
+          <p:nvPr>
+            <p:ph type="sldNum" sz="quarter" idx="5"/>
+          </p:nvPr>
+        </p:nvSpPr>
+        <p:spPr/>
+        <p:txBody>
+          <a:bodyPr/>
+          <a:lstStyle/>
+          <a:p>
+            <a:fld id="{0E71D2D4-042A-47D5-B63E-4B65CC845CE6}" type="slidenum">
+              <a:rPr lang="de-DE"/>
+              <a:t>3</a:t>
+            </a:fld>
+            <a:endParaRPr lang="de-DE"/>
+          </a:p>
+        </p:txBody>
+      </p:sp>
+    </p:spTree>
+    <p:extLst>
+      <p:ext uri="{BB962C8B-B14F-4D97-AF65-F5344CB8AC3E}">
+        <p14:creationId xmlns:p14="http://schemas.microsoft.com/office/powerpoint/2010/main" val="890686372"/>
+      </p:ext>
+    </p:extLst>
+  </p:cSld>
+  <p:clrMapOvr>
+    <a:masterClrMapping/>
+  </p:clrMapOvr>
+</p:notes>
+</file>
+
+<file path=ppt/notesSlides/notesSlide4.xml><?xml version="1.0" encoding="utf-8"?>
+<p:notes xmlns:a="http://schemas.openxmlformats.org/drawingml/2006/main" xmlns:r="http://schemas.openxmlformats.org/officeDocument/2006/relationships" xmlns:p="http://schemas.openxmlformats.org/presentationml/2006/main">
+  <p:cSld>
+    <p:spTree>
+      <p:nvGrpSpPr>
+        <p:cNvPr id="1" name=""/>
+        <p:cNvGrpSpPr/>
+        <p:nvPr/>
+      </p:nvGrpSpPr>
+      <p:grpSpPr>
+        <a:xfrm>
+          <a:off x="0" y="0"/>
+          <a:ext cx="0" cy="0"/>
+          <a:chOff x="0" y="0"/>
+          <a:chExt cx="0" cy="0"/>
+        </a:xfrm>
+      </p:grpSpPr>
+      <p:sp>
+        <p:nvSpPr>
+          <p:cNvPr id="2" name="Folienbildplatzhalter 1"/>
+          <p:cNvSpPr>
+            <a:spLocks noGrp="1" noRot="1" noChangeAspect="1"/>
+          </p:cNvSpPr>
+          <p:nvPr>
+            <p:ph type="sldImg"/>
+          </p:nvPr>
+        </p:nvSpPr>
+        <p:spPr/>
+      </p:sp>
+      <p:sp>
+        <p:nvSpPr>
+          <p:cNvPr id="3" name="Notizenplatzhalter 2"/>
+          <p:cNvSpPr>
+            <a:spLocks noGrp="1"/>
+          </p:cNvSpPr>
+          <p:nvPr>
+            <p:ph type="body" idx="1"/>
+          </p:nvPr>
+        </p:nvSpPr>
+        <p:spPr/>
+        <p:txBody>
+          <a:bodyPr/>
+          <a:lstStyle/>
+          <a:p>
+            <a:endParaRPr lang="en-US" dirty="0">
+              <a:ea typeface="Calibri"/>
+              <a:cs typeface="Calibri"/>
+            </a:endParaRPr>
+          </a:p>
+        </p:txBody>
+      </p:sp>
+      <p:sp>
+        <p:nvSpPr>
+          <p:cNvPr id="4" name="Foliennummernplatzhalter 3"/>
+          <p:cNvSpPr>
+            <a:spLocks noGrp="1"/>
+          </p:cNvSpPr>
+          <p:nvPr>
+            <p:ph type="sldNum" sz="quarter" idx="5"/>
+          </p:nvPr>
+        </p:nvSpPr>
+        <p:spPr/>
+        <p:txBody>
+          <a:bodyPr/>
+          <a:lstStyle/>
+          <a:p>
+            <a:fld id="{0E71D2D4-042A-47D5-B63E-4B65CC845CE6}" type="slidenum">
+              <a:rPr lang="de-DE"/>
+              <a:t>4</a:t>
+            </a:fld>
+            <a:endParaRPr lang="de-DE"/>
+          </a:p>
+        </p:txBody>
+      </p:sp>
+    </p:spTree>
+    <p:extLst>
+      <p:ext uri="{BB962C8B-B14F-4D97-AF65-F5344CB8AC3E}">
+        <p14:creationId xmlns:p14="http://schemas.microsoft.com/office/powerpoint/2010/main" val="2608982382"/>
+      </p:ext>
+    </p:extLst>
+  </p:cSld>
+  <p:clrMapOvr>
+    <a:masterClrMapping/>
+  </p:clrMapOvr>
+</p:notes>
+</file>
+
+<file path=ppt/notesSlides/notesSlide5.xml><?xml version="1.0" encoding="utf-8"?>
+<p:notes xmlns:a="http://schemas.openxmlformats.org/drawingml/2006/main" xmlns:r="http://schemas.openxmlformats.org/officeDocument/2006/relationships" xmlns:p="http://schemas.openxmlformats.org/presentationml/2006/main">
+  <p:cSld>
+    <p:spTree>
+      <p:nvGrpSpPr>
+        <p:cNvPr id="1" name=""/>
+        <p:cNvGrpSpPr/>
+        <p:nvPr/>
+      </p:nvGrpSpPr>
+      <p:grpSpPr>
+        <a:xfrm>
+          <a:off x="0" y="0"/>
+          <a:ext cx="0" cy="0"/>
+          <a:chOff x="0" y="0"/>
+          <a:chExt cx="0" cy="0"/>
+        </a:xfrm>
+      </p:grpSpPr>
+      <p:sp>
+        <p:nvSpPr>
+          <p:cNvPr id="2" name="Folienbildplatzhalter 1"/>
+          <p:cNvSpPr>
+            <a:spLocks noGrp="1" noRot="1" noChangeAspect="1"/>
+          </p:cNvSpPr>
+          <p:nvPr>
+            <p:ph type="sldImg"/>
+          </p:nvPr>
+        </p:nvSpPr>
+        <p:spPr/>
+      </p:sp>
+      <p:sp>
+        <p:nvSpPr>
+          <p:cNvPr id="3" name="Notizenplatzhalter 2"/>
+          <p:cNvSpPr>
+            <a:spLocks noGrp="1"/>
+          </p:cNvSpPr>
+          <p:nvPr>
+            <p:ph type="body" idx="1"/>
+          </p:nvPr>
+        </p:nvSpPr>
+        <p:spPr/>
+        <p:txBody>
+          <a:bodyPr/>
+          <a:lstStyle/>
+          <a:p>
+            <a:endParaRPr lang="en-US" dirty="0">
+              <a:ea typeface="Calibri"/>
+              <a:cs typeface="Calibri"/>
+            </a:endParaRPr>
+          </a:p>
+        </p:txBody>
+      </p:sp>
+      <p:sp>
+        <p:nvSpPr>
+          <p:cNvPr id="4" name="Foliennummernplatzhalter 3"/>
+          <p:cNvSpPr>
+            <a:spLocks noGrp="1"/>
+          </p:cNvSpPr>
+          <p:nvPr>
+            <p:ph type="sldNum" sz="quarter" idx="5"/>
+          </p:nvPr>
+        </p:nvSpPr>
+        <p:spPr/>
+        <p:txBody>
+          <a:bodyPr/>
+          <a:lstStyle/>
+          <a:p>
+            <a:fld id="{0E71D2D4-042A-47D5-B63E-4B65CC845CE6}" type="slidenum">
+              <a:rPr lang="de-DE"/>
+              <a:t>5</a:t>
+            </a:fld>
+            <a:endParaRPr lang="de-DE"/>
+          </a:p>
+        </p:txBody>
+      </p:sp>
+    </p:spTree>
+    <p:extLst>
+      <p:ext uri="{BB962C8B-B14F-4D97-AF65-F5344CB8AC3E}">
+        <p14:creationId xmlns:p14="http://schemas.microsoft.com/office/powerpoint/2010/main" val="3789673793"/>
+      </p:ext>
+    </p:extLst>
+  </p:cSld>
+  <p:clrMapOvr>
+    <a:masterClrMapping/>
+  </p:clrMapOvr>
+</p:notes>
+</file>
+
+<file path=ppt/notesSlides/notesSlide6.xml><?xml version="1.0" encoding="utf-8"?>
+<p:notes xmlns:a="http://schemas.openxmlformats.org/drawingml/2006/main" xmlns:r="http://schemas.openxmlformats.org/officeDocument/2006/relationships" xmlns:p="http://schemas.openxmlformats.org/presentationml/2006/main">
+  <p:cSld>
+    <p:spTree>
+      <p:nvGrpSpPr>
+        <p:cNvPr id="1" name=""/>
+        <p:cNvGrpSpPr/>
+        <p:nvPr/>
+      </p:nvGrpSpPr>
+      <p:grpSpPr>
+        <a:xfrm>
+          <a:off x="0" y="0"/>
+          <a:ext cx="0" cy="0"/>
+          <a:chOff x="0" y="0"/>
+          <a:chExt cx="0" cy="0"/>
+        </a:xfrm>
+      </p:grpSpPr>
+      <p:sp>
+        <p:nvSpPr>
           <p:cNvPr id="2" name="Slide Image Placeholder 1"/>
           <p:cNvSpPr>
             <a:spLocks noGrp="1" noRot="1" noChangeAspect="1"/>
@@ -1312,127 +1401,10 @@
           <a:bodyPr/>
           <a:lstStyle/>
           <a:p>
-            <a:r>
-              <a:rPr lang="en-US" dirty="0">
-                <a:ea typeface="Calibri"/>
-                <a:cs typeface="Calibri"/>
-              </a:rPr>
-              <a:t>Images: </a:t>
-            </a:r>
-            <a:r>
-              <a:rPr lang="en-US" dirty="0" err="1">
-                <a:ea typeface="Calibri"/>
-                <a:cs typeface="Calibri"/>
-              </a:rPr>
-              <a:t>beeinhalten</a:t>
-            </a:r>
-            <a:r>
-              <a:rPr lang="en-US" dirty="0">
-                <a:ea typeface="Calibri"/>
-                <a:cs typeface="Calibri"/>
-              </a:rPr>
-              <a:t> </a:t>
-            </a:r>
-            <a:r>
-              <a:rPr lang="en-US" dirty="0" err="1">
-                <a:ea typeface="Calibri"/>
-                <a:cs typeface="Calibri"/>
-              </a:rPr>
-              <a:t>anweisungen</a:t>
-            </a:r>
-            <a:r>
-              <a:rPr lang="en-US" dirty="0">
-                <a:ea typeface="Calibri"/>
-                <a:cs typeface="Calibri"/>
-              </a:rPr>
-              <a:t> für den Container</a:t>
-            </a:r>
-          </a:p>
-          <a:p>
-            <a:r>
-              <a:rPr lang="en-US" dirty="0">
-                <a:ea typeface="Calibri"/>
-                <a:cs typeface="Calibri"/>
-              </a:rPr>
-              <a:t>    </a:t>
-            </a:r>
-            <a:r>
-              <a:rPr lang="en-US" dirty="0" err="1">
-                <a:ea typeface="Calibri"/>
-                <a:cs typeface="Calibri"/>
-              </a:rPr>
-              <a:t>z.b.</a:t>
-            </a:r>
-            <a:r>
-              <a:rPr lang="en-US" dirty="0">
-                <a:ea typeface="Calibri"/>
-                <a:cs typeface="Calibri"/>
-              </a:rPr>
-              <a:t> installation von </a:t>
-            </a:r>
-            <a:r>
-              <a:rPr lang="en-US" dirty="0" err="1">
-                <a:ea typeface="Calibri"/>
-                <a:cs typeface="Calibri"/>
-              </a:rPr>
-              <a:t>dateien</a:t>
-            </a:r>
-            <a:r>
-              <a:rPr lang="en-US" dirty="0">
-                <a:ea typeface="Calibri"/>
-                <a:cs typeface="Calibri"/>
-              </a:rPr>
-              <a:t>, files </a:t>
-            </a:r>
-            <a:r>
-              <a:rPr lang="en-US" dirty="0" err="1">
-                <a:ea typeface="Calibri"/>
-                <a:cs typeface="Calibri"/>
-              </a:rPr>
-              <a:t>oder</a:t>
-            </a:r>
-            <a:r>
-              <a:rPr lang="en-US" dirty="0">
-                <a:ea typeface="Calibri"/>
-                <a:cs typeface="Calibri"/>
-              </a:rPr>
-              <a:t> </a:t>
-            </a:r>
-            <a:r>
-              <a:rPr lang="en-US" dirty="0" err="1">
-                <a:ea typeface="Calibri"/>
-                <a:cs typeface="Calibri"/>
-              </a:rPr>
-              <a:t>führt</a:t>
-            </a:r>
-            <a:r>
-              <a:rPr lang="en-US" dirty="0">
-                <a:ea typeface="Calibri"/>
-                <a:cs typeface="Calibri"/>
-              </a:rPr>
-              <a:t> </a:t>
-            </a:r>
-            <a:r>
-              <a:rPr lang="en-US" dirty="0" err="1">
-                <a:ea typeface="Calibri"/>
-                <a:cs typeface="Calibri"/>
-              </a:rPr>
-              <a:t>scripte</a:t>
-            </a:r>
-            <a:r>
-              <a:rPr lang="en-US" dirty="0">
-                <a:ea typeface="Calibri"/>
-                <a:cs typeface="Calibri"/>
-              </a:rPr>
-              <a:t> </a:t>
-            </a:r>
-            <a:r>
-              <a:rPr lang="en-US" dirty="0" err="1">
-                <a:ea typeface="Calibri"/>
-                <a:cs typeface="Calibri"/>
-              </a:rPr>
-              <a:t>aus</a:t>
-            </a:r>
+            <a:endParaRPr lang="en-US" dirty="0">
+              <a:ea typeface="Calibri"/>
+              <a:cs typeface="Calibri"/>
+            </a:endParaRPr>
           </a:p>
         </p:txBody>
       </p:sp>
@@ -1452,7 +1424,266 @@
           <a:lstStyle/>
           <a:p>
             <a:fld id="{0E71D2D4-042A-47D5-B63E-4B65CC845CE6}" type="slidenum">
+              <a:t>6</a:t>
+            </a:fld>
+            <a:endParaRPr lang="de-DE"/>
+          </a:p>
+        </p:txBody>
+      </p:sp>
+    </p:spTree>
+    <p:extLst>
+      <p:ext uri="{BB962C8B-B14F-4D97-AF65-F5344CB8AC3E}">
+        <p14:creationId xmlns:p14="http://schemas.microsoft.com/office/powerpoint/2010/main" val="2122580322"/>
+      </p:ext>
+    </p:extLst>
+  </p:cSld>
+  <p:clrMapOvr>
+    <a:masterClrMapping/>
+  </p:clrMapOvr>
+</p:notes>
+</file>
+
+<file path=ppt/notesSlides/notesSlide7.xml><?xml version="1.0" encoding="utf-8"?>
+<p:notes xmlns:a="http://schemas.openxmlformats.org/drawingml/2006/main" xmlns:r="http://schemas.openxmlformats.org/officeDocument/2006/relationships" xmlns:p="http://schemas.openxmlformats.org/presentationml/2006/main">
+  <p:cSld>
+    <p:spTree>
+      <p:nvGrpSpPr>
+        <p:cNvPr id="1" name=""/>
+        <p:cNvGrpSpPr/>
+        <p:nvPr/>
+      </p:nvGrpSpPr>
+      <p:grpSpPr>
+        <a:xfrm>
+          <a:off x="0" y="0"/>
+          <a:ext cx="0" cy="0"/>
+          <a:chOff x="0" y="0"/>
+          <a:chExt cx="0" cy="0"/>
+        </a:xfrm>
+      </p:grpSpPr>
+      <p:sp>
+        <p:nvSpPr>
+          <p:cNvPr id="2" name="Slide Image Placeholder 1"/>
+          <p:cNvSpPr>
+            <a:spLocks noGrp="1" noRot="1" noChangeAspect="1"/>
+          </p:cNvSpPr>
+          <p:nvPr>
+            <p:ph type="sldImg"/>
+          </p:nvPr>
+        </p:nvSpPr>
+        <p:spPr/>
+      </p:sp>
+      <p:sp>
+        <p:nvSpPr>
+          <p:cNvPr id="3" name="Notes Placeholder 2"/>
+          <p:cNvSpPr>
+            <a:spLocks noGrp="1"/>
+          </p:cNvSpPr>
+          <p:nvPr>
+            <p:ph type="body" idx="1"/>
+          </p:nvPr>
+        </p:nvSpPr>
+        <p:spPr/>
+        <p:txBody>
+          <a:bodyPr/>
+          <a:lstStyle/>
+          <a:p>
+            <a:endParaRPr lang="en-US" dirty="0">
+              <a:ea typeface="Calibri"/>
+              <a:cs typeface="Calibri"/>
+            </a:endParaRPr>
+          </a:p>
+        </p:txBody>
+      </p:sp>
+      <p:sp>
+        <p:nvSpPr>
+          <p:cNvPr id="4" name="Slide Number Placeholder 3"/>
+          <p:cNvSpPr>
+            <a:spLocks noGrp="1"/>
+          </p:cNvSpPr>
+          <p:nvPr>
+            <p:ph type="sldNum" sz="quarter" idx="5"/>
+          </p:nvPr>
+        </p:nvSpPr>
+        <p:spPr/>
+        <p:txBody>
+          <a:bodyPr/>
+          <a:lstStyle/>
+          <a:p>
+            <a:fld id="{0E71D2D4-042A-47D5-B63E-4B65CC845CE6}" type="slidenum">
+              <a:t>7</a:t>
+            </a:fld>
+            <a:endParaRPr lang="de-DE"/>
+          </a:p>
+        </p:txBody>
+      </p:sp>
+    </p:spTree>
+    <p:extLst>
+      <p:ext uri="{BB962C8B-B14F-4D97-AF65-F5344CB8AC3E}">
+        <p14:creationId xmlns:p14="http://schemas.microsoft.com/office/powerpoint/2010/main" val="2358897072"/>
+      </p:ext>
+    </p:extLst>
+  </p:cSld>
+  <p:clrMapOvr>
+    <a:masterClrMapping/>
+  </p:clrMapOvr>
+</p:notes>
+</file>
+
+<file path=ppt/notesSlides/notesSlide8.xml><?xml version="1.0" encoding="utf-8"?>
+<p:notes xmlns:a="http://schemas.openxmlformats.org/drawingml/2006/main" xmlns:r="http://schemas.openxmlformats.org/officeDocument/2006/relationships" xmlns:p="http://schemas.openxmlformats.org/presentationml/2006/main">
+  <p:cSld>
+    <p:spTree>
+      <p:nvGrpSpPr>
+        <p:cNvPr id="1" name=""/>
+        <p:cNvGrpSpPr/>
+        <p:nvPr/>
+      </p:nvGrpSpPr>
+      <p:grpSpPr>
+        <a:xfrm>
+          <a:off x="0" y="0"/>
+          <a:ext cx="0" cy="0"/>
+          <a:chOff x="0" y="0"/>
+          <a:chExt cx="0" cy="0"/>
+        </a:xfrm>
+      </p:grpSpPr>
+      <p:sp>
+        <p:nvSpPr>
+          <p:cNvPr id="2" name="Folienbildplatzhalter 1"/>
+          <p:cNvSpPr>
+            <a:spLocks noGrp="1" noRot="1" noChangeAspect="1"/>
+          </p:cNvSpPr>
+          <p:nvPr>
+            <p:ph type="sldImg"/>
+          </p:nvPr>
+        </p:nvSpPr>
+        <p:spPr/>
+      </p:sp>
+      <p:sp>
+        <p:nvSpPr>
+          <p:cNvPr id="3" name="Notizenplatzhalter 2"/>
+          <p:cNvSpPr>
+            <a:spLocks noGrp="1"/>
+          </p:cNvSpPr>
+          <p:nvPr>
+            <p:ph type="body" idx="1"/>
+          </p:nvPr>
+        </p:nvSpPr>
+        <p:spPr/>
+        <p:txBody>
+          <a:bodyPr/>
+          <a:lstStyle/>
+          <a:p>
+            <a:endParaRPr lang="en-US" dirty="0">
+              <a:ea typeface="Calibri"/>
+              <a:cs typeface="Calibri"/>
+            </a:endParaRPr>
+          </a:p>
+        </p:txBody>
+      </p:sp>
+      <p:sp>
+        <p:nvSpPr>
+          <p:cNvPr id="4" name="Foliennummernplatzhalter 3"/>
+          <p:cNvSpPr>
+            <a:spLocks noGrp="1"/>
+          </p:cNvSpPr>
+          <p:nvPr>
+            <p:ph type="sldNum" sz="quarter" idx="5"/>
+          </p:nvPr>
+        </p:nvSpPr>
+        <p:spPr/>
+        <p:txBody>
+          <a:bodyPr/>
+          <a:lstStyle/>
+          <a:p>
+            <a:fld id="{0E71D2D4-042A-47D5-B63E-4B65CC845CE6}" type="slidenum">
+              <a:rPr lang="de-DE"/>
               <a:t>8</a:t>
+            </a:fld>
+            <a:endParaRPr lang="de-DE"/>
+          </a:p>
+        </p:txBody>
+      </p:sp>
+    </p:spTree>
+    <p:extLst>
+      <p:ext uri="{BB962C8B-B14F-4D97-AF65-F5344CB8AC3E}">
+        <p14:creationId xmlns:p14="http://schemas.microsoft.com/office/powerpoint/2010/main" val="337647775"/>
+      </p:ext>
+    </p:extLst>
+  </p:cSld>
+  <p:clrMapOvr>
+    <a:masterClrMapping/>
+  </p:clrMapOvr>
+</p:notes>
+</file>
+
+<file path=ppt/notesSlides/notesSlide9.xml><?xml version="1.0" encoding="utf-8"?>
+<p:notes xmlns:a="http://schemas.openxmlformats.org/drawingml/2006/main" xmlns:r="http://schemas.openxmlformats.org/officeDocument/2006/relationships" xmlns:p="http://schemas.openxmlformats.org/presentationml/2006/main">
+  <p:cSld>
+    <p:spTree>
+      <p:nvGrpSpPr>
+        <p:cNvPr id="1" name=""/>
+        <p:cNvGrpSpPr/>
+        <p:nvPr/>
+      </p:nvGrpSpPr>
+      <p:grpSpPr>
+        <a:xfrm>
+          <a:off x="0" y="0"/>
+          <a:ext cx="0" cy="0"/>
+          <a:chOff x="0" y="0"/>
+          <a:chExt cx="0" cy="0"/>
+        </a:xfrm>
+      </p:grpSpPr>
+      <p:sp>
+        <p:nvSpPr>
+          <p:cNvPr id="2" name="Slide Image Placeholder 1"/>
+          <p:cNvSpPr>
+            <a:spLocks noGrp="1" noRot="1" noChangeAspect="1"/>
+          </p:cNvSpPr>
+          <p:nvPr>
+            <p:ph type="sldImg"/>
+          </p:nvPr>
+        </p:nvSpPr>
+        <p:spPr/>
+      </p:sp>
+      <p:sp>
+        <p:nvSpPr>
+          <p:cNvPr id="3" name="Notes Placeholder 2"/>
+          <p:cNvSpPr>
+            <a:spLocks noGrp="1"/>
+          </p:cNvSpPr>
+          <p:nvPr>
+            <p:ph type="body" idx="1"/>
+          </p:nvPr>
+        </p:nvSpPr>
+        <p:spPr/>
+        <p:txBody>
+          <a:bodyPr/>
+          <a:lstStyle/>
+          <a:p>
+            <a:endParaRPr lang="en-US" dirty="0">
+              <a:ea typeface="Calibri"/>
+              <a:cs typeface="Calibri"/>
+            </a:endParaRPr>
+          </a:p>
+        </p:txBody>
+      </p:sp>
+      <p:sp>
+        <p:nvSpPr>
+          <p:cNvPr id="4" name="Slide Number Placeholder 3"/>
+          <p:cNvSpPr>
+            <a:spLocks noGrp="1"/>
+          </p:cNvSpPr>
+          <p:nvPr>
+            <p:ph type="sldNum" sz="quarter" idx="5"/>
+          </p:nvPr>
+        </p:nvSpPr>
+        <p:spPr/>
+        <p:txBody>
+          <a:bodyPr/>
+          <a:lstStyle/>
+          <a:p>
+            <a:fld id="{0E71D2D4-042A-47D5-B63E-4B65CC845CE6}" type="slidenum">
+              <a:t>9</a:t>
             </a:fld>
             <a:endParaRPr lang="de-DE"/>
           </a:p>
@@ -1513,7 +1744,7 @@
           </a:lstStyle>
           <a:p>
             <a:r>
-              <a:rPr lang="en-US" dirty="0"/>
+              <a:rPr lang="en-US"/>
               <a:t>Click to edit Master title style</a:t>
             </a:r>
           </a:p>
@@ -1577,7 +1808,7 @@
           </a:lstStyle>
           <a:p>
             <a:r>
-              <a:rPr lang="en-US" dirty="0"/>
+              <a:rPr lang="en-US"/>
               <a:t>Click to edit Master subtitle style</a:t>
             </a:r>
           </a:p>
@@ -1600,9 +1831,9 @@
           <a:p>
             <a:fld id="{C764DE79-268F-4C1A-8933-263129D2AF90}" type="datetimeFigureOut">
               <a:rPr lang="en-US" dirty="0"/>
-              <a:t>6/12/2025</a:t>
+              <a:t>6/27/2025</a:t>
             </a:fld>
-            <a:endParaRPr lang="en-US" dirty="0"/>
+            <a:endParaRPr lang="en-US"/>
           </a:p>
         </p:txBody>
       </p:sp>
@@ -1621,7 +1852,7 @@
           <a:bodyPr/>
           <a:lstStyle/>
           <a:p>
-            <a:endParaRPr lang="en-US" dirty="0"/>
+            <a:endParaRPr lang="en-US"/>
           </a:p>
         </p:txBody>
       </p:sp>
@@ -1642,9 +1873,9 @@
           <a:p>
             <a:fld id="{48F63A3B-78C7-47BE-AE5E-E10140E04643}" type="slidenum">
               <a:rPr lang="en-US" dirty="0"/>
-              <a:t>‹#›</a:t>
+              <a:t>‹Nr.›</a:t>
             </a:fld>
-            <a:endParaRPr lang="en-US" dirty="0"/>
+            <a:endParaRPr lang="en-US"/>
           </a:p>
         </p:txBody>
       </p:sp>
@@ -1694,7 +1925,7 @@
           <a:lstStyle/>
           <a:p>
             <a:r>
-              <a:rPr lang="en-US" dirty="0"/>
+              <a:rPr lang="en-US"/>
               <a:t>Click to edit Master title style</a:t>
             </a:r>
           </a:p>
@@ -1717,35 +1948,35 @@
           <a:p>
             <a:pPr lvl="0"/>
             <a:r>
-              <a:rPr lang="en-US" dirty="0"/>
+              <a:rPr lang="en-US"/>
               <a:t>Click to edit Master text styles</a:t>
             </a:r>
           </a:p>
           <a:p>
             <a:pPr lvl="1"/>
             <a:r>
-              <a:rPr lang="en-US" dirty="0"/>
+              <a:rPr lang="en-US"/>
               <a:t>Second level</a:t>
             </a:r>
           </a:p>
           <a:p>
             <a:pPr lvl="2"/>
             <a:r>
-              <a:rPr lang="en-US" dirty="0"/>
+              <a:rPr lang="en-US"/>
               <a:t>Third level</a:t>
             </a:r>
           </a:p>
           <a:p>
             <a:pPr lvl="3"/>
             <a:r>
-              <a:rPr lang="en-US" dirty="0"/>
+              <a:rPr lang="en-US"/>
               <a:t>Fourth level</a:t>
             </a:r>
           </a:p>
           <a:p>
             <a:pPr lvl="4"/>
             <a:r>
-              <a:rPr lang="en-US" dirty="0"/>
+              <a:rPr lang="en-US"/>
               <a:t>Fifth level</a:t>
             </a:r>
           </a:p>
@@ -1768,9 +1999,9 @@
           <a:p>
             <a:fld id="{C764DE79-268F-4C1A-8933-263129D2AF90}" type="datetimeFigureOut">
               <a:rPr lang="en-US" dirty="0"/>
-              <a:t>6/12/2025</a:t>
+              <a:t>6/27/2025</a:t>
             </a:fld>
-            <a:endParaRPr lang="en-US" dirty="0"/>
+            <a:endParaRPr lang="en-US"/>
           </a:p>
         </p:txBody>
       </p:sp>
@@ -1789,7 +2020,7 @@
           <a:bodyPr/>
           <a:lstStyle/>
           <a:p>
-            <a:endParaRPr lang="en-US" dirty="0"/>
+            <a:endParaRPr lang="en-US"/>
           </a:p>
         </p:txBody>
       </p:sp>
@@ -1810,9 +2041,9 @@
           <a:p>
             <a:fld id="{48F63A3B-78C7-47BE-AE5E-E10140E04643}" type="slidenum">
               <a:rPr lang="en-US" dirty="0"/>
-              <a:t>‹#›</a:t>
+              <a:t>‹Nr.›</a:t>
             </a:fld>
-            <a:endParaRPr lang="en-US" dirty="0"/>
+            <a:endParaRPr lang="en-US"/>
           </a:p>
         </p:txBody>
       </p:sp>
@@ -1867,7 +2098,7 @@
           <a:lstStyle/>
           <a:p>
             <a:r>
-              <a:rPr lang="en-US" dirty="0"/>
+              <a:rPr lang="en-US"/>
               <a:t>Click to edit Master title style</a:t>
             </a:r>
           </a:p>
@@ -1895,35 +2126,35 @@
           <a:p>
             <a:pPr lvl="0"/>
             <a:r>
-              <a:rPr lang="en-US" dirty="0"/>
+              <a:rPr lang="en-US"/>
               <a:t>Click to edit Master text styles</a:t>
             </a:r>
           </a:p>
           <a:p>
             <a:pPr lvl="1"/>
             <a:r>
-              <a:rPr lang="en-US" dirty="0"/>
+              <a:rPr lang="en-US"/>
               <a:t>Second level</a:t>
             </a:r>
           </a:p>
           <a:p>
             <a:pPr lvl="2"/>
             <a:r>
-              <a:rPr lang="en-US" dirty="0"/>
+              <a:rPr lang="en-US"/>
               <a:t>Third level</a:t>
             </a:r>
           </a:p>
           <a:p>
             <a:pPr lvl="3"/>
             <a:r>
-              <a:rPr lang="en-US" dirty="0"/>
+              <a:rPr lang="en-US"/>
               <a:t>Fourth level</a:t>
             </a:r>
           </a:p>
           <a:p>
             <a:pPr lvl="4"/>
             <a:r>
-              <a:rPr lang="en-US" dirty="0"/>
+              <a:rPr lang="en-US"/>
               <a:t>Fifth level</a:t>
             </a:r>
           </a:p>
@@ -1946,9 +2177,9 @@
           <a:p>
             <a:fld id="{C764DE79-268F-4C1A-8933-263129D2AF90}" type="datetimeFigureOut">
               <a:rPr lang="en-US" dirty="0"/>
-              <a:t>6/12/2025</a:t>
+              <a:t>6/27/2025</a:t>
             </a:fld>
-            <a:endParaRPr lang="en-US" dirty="0"/>
+            <a:endParaRPr lang="en-US"/>
           </a:p>
         </p:txBody>
       </p:sp>
@@ -1967,7 +2198,7 @@
           <a:bodyPr/>
           <a:lstStyle/>
           <a:p>
-            <a:endParaRPr lang="en-US" dirty="0"/>
+            <a:endParaRPr lang="en-US"/>
           </a:p>
         </p:txBody>
       </p:sp>
@@ -1988,9 +2219,9 @@
           <a:p>
             <a:fld id="{48F63A3B-78C7-47BE-AE5E-E10140E04643}" type="slidenum">
               <a:rPr lang="en-US" dirty="0"/>
-              <a:t>‹#›</a:t>
+              <a:t>‹Nr.›</a:t>
             </a:fld>
-            <a:endParaRPr lang="en-US" dirty="0"/>
+            <a:endParaRPr lang="en-US"/>
           </a:p>
         </p:txBody>
       </p:sp>
@@ -2040,7 +2271,7 @@
           <a:lstStyle/>
           <a:p>
             <a:r>
-              <a:rPr lang="en-US" dirty="0"/>
+              <a:rPr lang="en-US"/>
               <a:t>Click to edit Master title style</a:t>
             </a:r>
           </a:p>
@@ -2063,35 +2294,35 @@
           <a:p>
             <a:pPr lvl="0"/>
             <a:r>
-              <a:rPr lang="en-US" dirty="0"/>
+              <a:rPr lang="en-US"/>
               <a:t>Click to edit Master text styles</a:t>
             </a:r>
           </a:p>
           <a:p>
             <a:pPr lvl="1"/>
             <a:r>
-              <a:rPr lang="en-US" dirty="0"/>
+              <a:rPr lang="en-US"/>
               <a:t>Second level</a:t>
             </a:r>
           </a:p>
           <a:p>
             <a:pPr lvl="2"/>
             <a:r>
-              <a:rPr lang="en-US" dirty="0"/>
+              <a:rPr lang="en-US"/>
               <a:t>Third level</a:t>
             </a:r>
           </a:p>
           <a:p>
             <a:pPr lvl="3"/>
             <a:r>
-              <a:rPr lang="en-US" dirty="0"/>
+              <a:rPr lang="en-US"/>
               <a:t>Fourth level</a:t>
             </a:r>
           </a:p>
           <a:p>
             <a:pPr lvl="4"/>
             <a:r>
-              <a:rPr lang="en-US" dirty="0"/>
+              <a:rPr lang="en-US"/>
               <a:t>Fifth level</a:t>
             </a:r>
           </a:p>
@@ -2114,9 +2345,9 @@
           <a:p>
             <a:fld id="{C764DE79-268F-4C1A-8933-263129D2AF90}" type="datetimeFigureOut">
               <a:rPr lang="en-US" dirty="0"/>
-              <a:t>6/12/2025</a:t>
+              <a:t>6/27/2025</a:t>
             </a:fld>
-            <a:endParaRPr lang="en-US" dirty="0"/>
+            <a:endParaRPr lang="en-US"/>
           </a:p>
         </p:txBody>
       </p:sp>
@@ -2135,7 +2366,7 @@
           <a:bodyPr/>
           <a:lstStyle/>
           <a:p>
-            <a:endParaRPr lang="en-US" dirty="0"/>
+            <a:endParaRPr lang="en-US"/>
           </a:p>
         </p:txBody>
       </p:sp>
@@ -2156,9 +2387,9 @@
           <a:p>
             <a:fld id="{48F63A3B-78C7-47BE-AE5E-E10140E04643}" type="slidenum">
               <a:rPr lang="en-US" dirty="0"/>
-              <a:t>‹#›</a:t>
+              <a:t>‹Nr.›</a:t>
             </a:fld>
-            <a:endParaRPr lang="en-US" dirty="0"/>
+            <a:endParaRPr lang="en-US"/>
           </a:p>
         </p:txBody>
       </p:sp>
@@ -2217,7 +2448,7 @@
           </a:lstStyle>
           <a:p>
             <a:r>
-              <a:rPr lang="en-US" dirty="0"/>
+              <a:rPr lang="en-US"/>
               <a:t>Click to edit Master title style</a:t>
             </a:r>
           </a:p>
@@ -2336,7 +2567,7 @@
           <a:p>
             <a:pPr lvl="0"/>
             <a:r>
-              <a:rPr lang="en-US" dirty="0"/>
+              <a:rPr lang="en-US"/>
               <a:t>Click to edit Master text styles</a:t>
             </a:r>
           </a:p>
@@ -2359,9 +2590,9 @@
           <a:p>
             <a:fld id="{C764DE79-268F-4C1A-8933-263129D2AF90}" type="datetimeFigureOut">
               <a:rPr lang="en-US" dirty="0"/>
-              <a:t>6/12/2025</a:t>
+              <a:t>6/27/2025</a:t>
             </a:fld>
-            <a:endParaRPr lang="en-US" dirty="0"/>
+            <a:endParaRPr lang="en-US"/>
           </a:p>
         </p:txBody>
       </p:sp>
@@ -2380,7 +2611,7 @@
           <a:bodyPr/>
           <a:lstStyle/>
           <a:p>
-            <a:endParaRPr lang="en-US" dirty="0"/>
+            <a:endParaRPr lang="en-US"/>
           </a:p>
         </p:txBody>
       </p:sp>
@@ -2401,9 +2632,9 @@
           <a:p>
             <a:fld id="{48F63A3B-78C7-47BE-AE5E-E10140E04643}" type="slidenum">
               <a:rPr lang="en-US" dirty="0"/>
-              <a:t>‹#›</a:t>
+              <a:t>‹Nr.›</a:t>
             </a:fld>
-            <a:endParaRPr lang="en-US" dirty="0"/>
+            <a:endParaRPr lang="en-US"/>
           </a:p>
         </p:txBody>
       </p:sp>
@@ -2453,7 +2684,7 @@
           <a:lstStyle/>
           <a:p>
             <a:r>
-              <a:rPr lang="en-US" dirty="0"/>
+              <a:rPr lang="en-US"/>
               <a:t>Click to edit Master title style</a:t>
             </a:r>
           </a:p>
@@ -2481,35 +2712,35 @@
           <a:p>
             <a:pPr lvl="0"/>
             <a:r>
-              <a:rPr lang="en-US" dirty="0"/>
+              <a:rPr lang="en-US"/>
               <a:t>Click to edit Master text styles</a:t>
             </a:r>
           </a:p>
           <a:p>
             <a:pPr lvl="1"/>
             <a:r>
-              <a:rPr lang="en-US" dirty="0"/>
+              <a:rPr lang="en-US"/>
               <a:t>Second level</a:t>
             </a:r>
           </a:p>
           <a:p>
             <a:pPr lvl="2"/>
             <a:r>
-              <a:rPr lang="en-US" dirty="0"/>
+              <a:rPr lang="en-US"/>
               <a:t>Third level</a:t>
             </a:r>
           </a:p>
           <a:p>
             <a:pPr lvl="3"/>
             <a:r>
-              <a:rPr lang="en-US" dirty="0"/>
+              <a:rPr lang="en-US"/>
               <a:t>Fourth level</a:t>
             </a:r>
           </a:p>
           <a:p>
             <a:pPr lvl="4"/>
             <a:r>
-              <a:rPr lang="en-US" dirty="0"/>
+              <a:rPr lang="en-US"/>
               <a:t>Fifth level</a:t>
             </a:r>
           </a:p>
@@ -2537,35 +2768,35 @@
           <a:p>
             <a:pPr lvl="0"/>
             <a:r>
-              <a:rPr lang="en-US" dirty="0"/>
+              <a:rPr lang="en-US"/>
               <a:t>Click to edit Master text styles</a:t>
             </a:r>
           </a:p>
           <a:p>
             <a:pPr lvl="1"/>
             <a:r>
-              <a:rPr lang="en-US" dirty="0"/>
+              <a:rPr lang="en-US"/>
               <a:t>Second level</a:t>
             </a:r>
           </a:p>
           <a:p>
             <a:pPr lvl="2"/>
             <a:r>
-              <a:rPr lang="en-US" dirty="0"/>
+              <a:rPr lang="en-US"/>
               <a:t>Third level</a:t>
             </a:r>
           </a:p>
           <a:p>
             <a:pPr lvl="3"/>
             <a:r>
-              <a:rPr lang="en-US" dirty="0"/>
+              <a:rPr lang="en-US"/>
               <a:t>Fourth level</a:t>
             </a:r>
           </a:p>
           <a:p>
             <a:pPr lvl="4"/>
             <a:r>
-              <a:rPr lang="en-US" dirty="0"/>
+              <a:rPr lang="en-US"/>
               <a:t>Fifth level</a:t>
             </a:r>
           </a:p>
@@ -2588,9 +2819,9 @@
           <a:p>
             <a:fld id="{C764DE79-268F-4C1A-8933-263129D2AF90}" type="datetimeFigureOut">
               <a:rPr lang="en-US" dirty="0"/>
-              <a:t>6/12/2025</a:t>
+              <a:t>6/27/2025</a:t>
             </a:fld>
-            <a:endParaRPr lang="en-US" dirty="0"/>
+            <a:endParaRPr lang="en-US"/>
           </a:p>
         </p:txBody>
       </p:sp>
@@ -2609,7 +2840,7 @@
           <a:bodyPr/>
           <a:lstStyle/>
           <a:p>
-            <a:endParaRPr lang="en-US" dirty="0"/>
+            <a:endParaRPr lang="en-US"/>
           </a:p>
         </p:txBody>
       </p:sp>
@@ -2630,9 +2861,9 @@
           <a:p>
             <a:fld id="{48F63A3B-78C7-47BE-AE5E-E10140E04643}" type="slidenum">
               <a:rPr lang="en-US" dirty="0"/>
-              <a:t>‹#›</a:t>
+              <a:t>‹Nr.›</a:t>
             </a:fld>
-            <a:endParaRPr lang="en-US" dirty="0"/>
+            <a:endParaRPr lang="en-US"/>
           </a:p>
         </p:txBody>
       </p:sp>
@@ -2687,7 +2918,7 @@
           <a:lstStyle/>
           <a:p>
             <a:r>
-              <a:rPr lang="en-US" dirty="0"/>
+              <a:rPr lang="en-US"/>
               <a:t>Click to edit Master title style</a:t>
             </a:r>
           </a:p>
@@ -2752,7 +2983,7 @@
           <a:p>
             <a:pPr lvl="0"/>
             <a:r>
-              <a:rPr lang="en-US" dirty="0"/>
+              <a:rPr lang="en-US"/>
               <a:t>Click to edit Master text styles</a:t>
             </a:r>
           </a:p>
@@ -2780,35 +3011,35 @@
           <a:p>
             <a:pPr lvl="0"/>
             <a:r>
-              <a:rPr lang="en-US" dirty="0"/>
+              <a:rPr lang="en-US"/>
               <a:t>Click to edit Master text styles</a:t>
             </a:r>
           </a:p>
           <a:p>
             <a:pPr lvl="1"/>
             <a:r>
-              <a:rPr lang="en-US" dirty="0"/>
+              <a:rPr lang="en-US"/>
               <a:t>Second level</a:t>
             </a:r>
           </a:p>
           <a:p>
             <a:pPr lvl="2"/>
             <a:r>
-              <a:rPr lang="en-US" dirty="0"/>
+              <a:rPr lang="en-US"/>
               <a:t>Third level</a:t>
             </a:r>
           </a:p>
           <a:p>
             <a:pPr lvl="3"/>
             <a:r>
-              <a:rPr lang="en-US" dirty="0"/>
+              <a:rPr lang="en-US"/>
               <a:t>Fourth level</a:t>
             </a:r>
           </a:p>
           <a:p>
             <a:pPr lvl="4"/>
             <a:r>
-              <a:rPr lang="en-US" dirty="0"/>
+              <a:rPr lang="en-US"/>
               <a:t>Fifth level</a:t>
             </a:r>
           </a:p>
@@ -2873,7 +3104,7 @@
           <a:p>
             <a:pPr lvl="0"/>
             <a:r>
-              <a:rPr lang="en-US" dirty="0"/>
+              <a:rPr lang="en-US"/>
               <a:t>Click to edit Master text styles</a:t>
             </a:r>
           </a:p>
@@ -2901,35 +3132,35 @@
           <a:p>
             <a:pPr lvl="0"/>
             <a:r>
-              <a:rPr lang="en-US" dirty="0"/>
+              <a:rPr lang="en-US"/>
               <a:t>Click to edit Master text styles</a:t>
             </a:r>
           </a:p>
           <a:p>
             <a:pPr lvl="1"/>
             <a:r>
-              <a:rPr lang="en-US" dirty="0"/>
+              <a:rPr lang="en-US"/>
               <a:t>Second level</a:t>
             </a:r>
           </a:p>
           <a:p>
             <a:pPr lvl="2"/>
             <a:r>
-              <a:rPr lang="en-US" dirty="0"/>
+              <a:rPr lang="en-US"/>
               <a:t>Third level</a:t>
             </a:r>
           </a:p>
           <a:p>
             <a:pPr lvl="3"/>
             <a:r>
-              <a:rPr lang="en-US" dirty="0"/>
+              <a:rPr lang="en-US"/>
               <a:t>Fourth level</a:t>
             </a:r>
           </a:p>
           <a:p>
             <a:pPr lvl="4"/>
             <a:r>
-              <a:rPr lang="en-US" dirty="0"/>
+              <a:rPr lang="en-US"/>
               <a:t>Fifth level</a:t>
             </a:r>
           </a:p>
@@ -2952,9 +3183,9 @@
           <a:p>
             <a:fld id="{C764DE79-268F-4C1A-8933-263129D2AF90}" type="datetimeFigureOut">
               <a:rPr lang="en-US" dirty="0"/>
-              <a:t>6/12/2025</a:t>
+              <a:t>6/27/2025</a:t>
             </a:fld>
-            <a:endParaRPr lang="en-US" dirty="0"/>
+            <a:endParaRPr lang="en-US"/>
           </a:p>
         </p:txBody>
       </p:sp>
@@ -2973,7 +3204,7 @@
           <a:bodyPr/>
           <a:lstStyle/>
           <a:p>
-            <a:endParaRPr lang="en-US" dirty="0"/>
+            <a:endParaRPr lang="en-US"/>
           </a:p>
         </p:txBody>
       </p:sp>
@@ -2994,9 +3225,9 @@
           <a:p>
             <a:fld id="{48F63A3B-78C7-47BE-AE5E-E10140E04643}" type="slidenum">
               <a:rPr lang="en-US" dirty="0"/>
-              <a:t>‹#›</a:t>
+              <a:t>‹Nr.›</a:t>
             </a:fld>
-            <a:endParaRPr lang="en-US" dirty="0"/>
+            <a:endParaRPr lang="en-US"/>
           </a:p>
         </p:txBody>
       </p:sp>
@@ -3046,7 +3277,7 @@
           <a:lstStyle/>
           <a:p>
             <a:r>
-              <a:rPr lang="en-US" dirty="0"/>
+              <a:rPr lang="en-US"/>
               <a:t>Click to edit Master title style</a:t>
             </a:r>
           </a:p>
@@ -3069,9 +3300,9 @@
           <a:p>
             <a:fld id="{C764DE79-268F-4C1A-8933-263129D2AF90}" type="datetimeFigureOut">
               <a:rPr lang="en-US" dirty="0"/>
-              <a:t>6/12/2025</a:t>
+              <a:t>6/27/2025</a:t>
             </a:fld>
-            <a:endParaRPr lang="en-US" dirty="0"/>
+            <a:endParaRPr lang="en-US"/>
           </a:p>
         </p:txBody>
       </p:sp>
@@ -3090,7 +3321,7 @@
           <a:bodyPr/>
           <a:lstStyle/>
           <a:p>
-            <a:endParaRPr lang="en-US" dirty="0"/>
+            <a:endParaRPr lang="en-US"/>
           </a:p>
         </p:txBody>
       </p:sp>
@@ -3111,9 +3342,9 @@
           <a:p>
             <a:fld id="{48F63A3B-78C7-47BE-AE5E-E10140E04643}" type="slidenum">
               <a:rPr lang="en-US" dirty="0"/>
-              <a:t>‹#›</a:t>
+              <a:t>‹Nr.›</a:t>
             </a:fld>
-            <a:endParaRPr lang="en-US" dirty="0"/>
+            <a:endParaRPr lang="en-US"/>
           </a:p>
         </p:txBody>
       </p:sp>
@@ -3164,9 +3395,9 @@
           <a:p>
             <a:fld id="{C764DE79-268F-4C1A-8933-263129D2AF90}" type="datetimeFigureOut">
               <a:rPr lang="en-US" dirty="0"/>
-              <a:t>6/12/2025</a:t>
+              <a:t>6/27/2025</a:t>
             </a:fld>
-            <a:endParaRPr lang="en-US" dirty="0"/>
+            <a:endParaRPr lang="en-US"/>
           </a:p>
         </p:txBody>
       </p:sp>
@@ -3185,7 +3416,7 @@
           <a:bodyPr/>
           <a:lstStyle/>
           <a:p>
-            <a:endParaRPr lang="en-US" dirty="0"/>
+            <a:endParaRPr lang="en-US"/>
           </a:p>
         </p:txBody>
       </p:sp>
@@ -3206,9 +3437,9 @@
           <a:p>
             <a:fld id="{48F63A3B-78C7-47BE-AE5E-E10140E04643}" type="slidenum">
               <a:rPr lang="en-US" dirty="0"/>
-              <a:t>‹#›</a:t>
+              <a:t>‹Nr.›</a:t>
             </a:fld>
-            <a:endParaRPr lang="en-US" dirty="0"/>
+            <a:endParaRPr lang="en-US"/>
           </a:p>
         </p:txBody>
       </p:sp>
@@ -3267,7 +3498,7 @@
           </a:lstStyle>
           <a:p>
             <a:r>
-              <a:rPr lang="en-US" dirty="0"/>
+              <a:rPr lang="en-US"/>
               <a:t>Click to edit Master title style</a:t>
             </a:r>
           </a:p>
@@ -3323,35 +3554,35 @@
           <a:p>
             <a:pPr lvl="0"/>
             <a:r>
-              <a:rPr lang="en-US" dirty="0"/>
+              <a:rPr lang="en-US"/>
               <a:t>Click to edit Master text styles</a:t>
             </a:r>
           </a:p>
           <a:p>
             <a:pPr lvl="1"/>
             <a:r>
-              <a:rPr lang="en-US" dirty="0"/>
+              <a:rPr lang="en-US"/>
               <a:t>Second level</a:t>
             </a:r>
           </a:p>
           <a:p>
             <a:pPr lvl="2"/>
             <a:r>
-              <a:rPr lang="en-US" dirty="0"/>
+              <a:rPr lang="en-US"/>
               <a:t>Third level</a:t>
             </a:r>
           </a:p>
           <a:p>
             <a:pPr lvl="3"/>
             <a:r>
-              <a:rPr lang="en-US" dirty="0"/>
+              <a:rPr lang="en-US"/>
               <a:t>Fourth level</a:t>
             </a:r>
           </a:p>
           <a:p>
             <a:pPr lvl="4"/>
             <a:r>
-              <a:rPr lang="en-US" dirty="0"/>
+              <a:rPr lang="en-US"/>
               <a:t>Fifth level</a:t>
             </a:r>
           </a:p>
@@ -3416,7 +3647,7 @@
           <a:p>
             <a:pPr lvl="0"/>
             <a:r>
-              <a:rPr lang="en-US" dirty="0"/>
+              <a:rPr lang="en-US"/>
               <a:t>Click to edit Master text styles</a:t>
             </a:r>
           </a:p>
@@ -3439,9 +3670,9 @@
           <a:p>
             <a:fld id="{C764DE79-268F-4C1A-8933-263129D2AF90}" type="datetimeFigureOut">
               <a:rPr lang="en-US" dirty="0"/>
-              <a:t>6/12/2025</a:t>
+              <a:t>6/27/2025</a:t>
             </a:fld>
-            <a:endParaRPr lang="en-US" dirty="0"/>
+            <a:endParaRPr lang="en-US"/>
           </a:p>
         </p:txBody>
       </p:sp>
@@ -3460,7 +3691,7 @@
           <a:bodyPr/>
           <a:lstStyle/>
           <a:p>
-            <a:endParaRPr lang="en-US" dirty="0"/>
+            <a:endParaRPr lang="en-US"/>
           </a:p>
         </p:txBody>
       </p:sp>
@@ -3481,9 +3712,9 @@
           <a:p>
             <a:fld id="{48F63A3B-78C7-47BE-AE5E-E10140E04643}" type="slidenum">
               <a:rPr lang="en-US" dirty="0"/>
-              <a:t>‹#›</a:t>
+              <a:t>‹Nr.›</a:t>
             </a:fld>
-            <a:endParaRPr lang="en-US" dirty="0"/>
+            <a:endParaRPr lang="en-US"/>
           </a:p>
         </p:txBody>
       </p:sp>
@@ -3542,7 +3773,7 @@
           </a:lstStyle>
           <a:p>
             <a:r>
-              <a:rPr lang="en-US" dirty="0"/>
+              <a:rPr lang="en-US"/>
               <a:t>Click to edit Master title style</a:t>
             </a:r>
           </a:p>
@@ -3605,7 +3836,7 @@
             </a:lvl9pPr>
           </a:lstStyle>
           <a:p>
-            <a:endParaRPr lang="en-US" dirty="0"/>
+            <a:endParaRPr lang="en-US"/>
           </a:p>
         </p:txBody>
       </p:sp>
@@ -3668,7 +3899,7 @@
           <a:p>
             <a:pPr lvl="0"/>
             <a:r>
-              <a:rPr lang="en-US" dirty="0"/>
+              <a:rPr lang="en-US"/>
               <a:t>Click to edit Master text styles</a:t>
             </a:r>
           </a:p>
@@ -3691,9 +3922,9 @@
           <a:p>
             <a:fld id="{C764DE79-268F-4C1A-8933-263129D2AF90}" type="datetimeFigureOut">
               <a:rPr lang="en-US" dirty="0"/>
-              <a:t>6/12/2025</a:t>
+              <a:t>6/27/2025</a:t>
             </a:fld>
-            <a:endParaRPr lang="en-US" dirty="0"/>
+            <a:endParaRPr lang="en-US"/>
           </a:p>
         </p:txBody>
       </p:sp>
@@ -3712,7 +3943,7 @@
           <a:bodyPr/>
           <a:lstStyle/>
           <a:p>
-            <a:endParaRPr lang="en-US" dirty="0"/>
+            <a:endParaRPr lang="en-US"/>
           </a:p>
         </p:txBody>
       </p:sp>
@@ -3733,9 +3964,9 @@
           <a:p>
             <a:fld id="{48F63A3B-78C7-47BE-AE5E-E10140E04643}" type="slidenum">
               <a:rPr lang="en-US" dirty="0"/>
-              <a:t>‹#›</a:t>
+              <a:t>‹Nr.›</a:t>
             </a:fld>
-            <a:endParaRPr lang="en-US" dirty="0"/>
+            <a:endParaRPr lang="en-US"/>
           </a:p>
         </p:txBody>
       </p:sp>
@@ -3800,7 +4031,7 @@
           <a:lstStyle/>
           <a:p>
             <a:r>
-              <a:rPr lang="en-US" dirty="0"/>
+              <a:rPr lang="en-US"/>
               <a:t>Click to edit Master title style</a:t>
             </a:r>
           </a:p>
@@ -3833,35 +4064,35 @@
           <a:p>
             <a:pPr lvl="0"/>
             <a:r>
-              <a:rPr lang="en-US" dirty="0"/>
+              <a:rPr lang="en-US"/>
               <a:t>Click to edit Master text styles</a:t>
             </a:r>
           </a:p>
           <a:p>
             <a:pPr lvl="1"/>
             <a:r>
-              <a:rPr lang="en-US" dirty="0"/>
+              <a:rPr lang="en-US"/>
               <a:t>Second level</a:t>
             </a:r>
           </a:p>
           <a:p>
             <a:pPr lvl="2"/>
             <a:r>
-              <a:rPr lang="en-US" dirty="0"/>
+              <a:rPr lang="en-US"/>
               <a:t>Third level</a:t>
             </a:r>
           </a:p>
           <a:p>
             <a:pPr lvl="3"/>
             <a:r>
-              <a:rPr lang="en-US" dirty="0"/>
+              <a:rPr lang="en-US"/>
               <a:t>Fourth level</a:t>
             </a:r>
           </a:p>
           <a:p>
             <a:pPr lvl="4"/>
             <a:r>
-              <a:rPr lang="en-US" dirty="0"/>
+              <a:rPr lang="en-US"/>
               <a:t>Fifth level</a:t>
             </a:r>
           </a:p>
@@ -3902,9 +4133,9 @@
           <a:p>
             <a:fld id="{C764DE79-268F-4C1A-8933-263129D2AF90}" type="datetimeFigureOut">
               <a:rPr lang="en-US" dirty="0"/>
-              <a:t>6/12/2025</a:t>
+              <a:t>6/27/2025</a:t>
             </a:fld>
-            <a:endParaRPr lang="en-US" dirty="0"/>
+            <a:endParaRPr lang="en-US"/>
           </a:p>
         </p:txBody>
       </p:sp>
@@ -3941,7 +4172,7 @@
             </a:lvl1pPr>
           </a:lstStyle>
           <a:p>
-            <a:endParaRPr lang="en-US" dirty="0"/>
+            <a:endParaRPr lang="en-US"/>
           </a:p>
         </p:txBody>
       </p:sp>
@@ -3980,9 +4211,9 @@
           <a:p>
             <a:fld id="{48F63A3B-78C7-47BE-AE5E-E10140E04643}" type="slidenum">
               <a:rPr lang="en-US" dirty="0"/>
-              <a:t>‹#›</a:t>
+              <a:t>‹Nr.›</a:t>
             </a:fld>
-            <a:endParaRPr lang="en-US" dirty="0"/>
+            <a:endParaRPr lang="en-US"/>
           </a:p>
         </p:txBody>
       </p:sp>
@@ -4327,8 +4558,8 @@
         </p:nvSpPr>
         <p:spPr>
           <a:xfrm>
-            <a:off x="782723" y="809898"/>
-            <a:ext cx="7457037" cy="1554480"/>
+            <a:off x="844005" y="2421837"/>
+            <a:ext cx="7455989" cy="2014325"/>
           </a:xfrm>
         </p:spPr>
         <p:txBody>
@@ -4337,12 +4568,23 @@
           </a:bodyPr>
           <a:lstStyle/>
           <a:p>
-            <a:r>
-              <a:rPr lang="de-DE" sz="4200" dirty="0"/>
-              <a:t>Kapitel 12: Automation und </a:t>
-            </a:r>
-            <a:r>
-              <a:rPr lang="de-DE" sz="4200" dirty="0" err="1"/>
+            <a:pPr algn="ctr"/>
+            <a:r>
+              <a:rPr lang="de-DE" sz="4200"/>
+              <a:t>Kapitel 12 </a:t>
+            </a:r>
+            <a:br>
+              <a:rPr lang="de-DE" sz="4200"/>
+            </a:br>
+            <a:br>
+              <a:rPr lang="de-DE" sz="4200"/>
+            </a:br>
+            <a:r>
+              <a:rPr lang="de-DE" sz="4200"/>
+              <a:t>Automation und </a:t>
+            </a:r>
+            <a:r>
+              <a:rPr lang="de-DE" sz="4200" err="1"/>
               <a:t>Deployment</a:t>
             </a:r>
             <a:endParaRPr lang="de-DE" sz="4200"/>
@@ -4351,30 +4593,36 @@
       </p:sp>
       <p:sp>
         <p:nvSpPr>
-          <p:cNvPr id="3" name="Content Placeholder 2"/>
-          <p:cNvSpPr>
-            <a:spLocks noGrp="1"/>
-          </p:cNvSpPr>
-          <p:nvPr>
-            <p:ph idx="1"/>
-          </p:nvPr>
+          <p:cNvPr id="4" name="Textfeld 3">
+            <a:extLst>
+              <a:ext uri="{FF2B5EF4-FFF2-40B4-BE49-F238E27FC236}">
+                <a16:creationId xmlns:a16="http://schemas.microsoft.com/office/drawing/2014/main" id="{7C8161F9-923D-9EE5-5402-73A9AC60C576}"/>
+              </a:ext>
+            </a:extLst>
+          </p:cNvPr>
+          <p:cNvSpPr txBox="1"/>
+          <p:nvPr/>
         </p:nvSpPr>
         <p:spPr>
           <a:xfrm>
-            <a:off x="783771" y="3017522"/>
-            <a:ext cx="7455989" cy="3124658"/>
+            <a:off x="2176272" y="6222230"/>
+            <a:ext cx="4572000" cy="369332"/>
           </a:xfrm>
+          <a:prstGeom prst="rect">
+            <a:avLst/>
+          </a:prstGeom>
+          <a:noFill/>
         </p:spPr>
         <p:txBody>
-          <a:bodyPr anchor="ctr">
-            <a:normAutofit/>
+          <a:bodyPr wrap="square">
+            <a:spAutoFit/>
           </a:bodyPr>
           <a:lstStyle/>
           <a:p>
-            <a:pPr marL="0" indent="0">
-              <a:buNone/>
-            </a:pPr>
-            <a:endParaRPr lang="de-DE" sz="2100"/>
+            <a:r>
+              <a:rPr lang="en-GB" dirty="0"/>
+              <a:t>https://github.com/luw6256/Kapitel-12</a:t>
+            </a:r>
           </a:p>
         </p:txBody>
       </p:sp>
@@ -4389,6 +4637,14 @@
 <file path=ppt/slides/slide10.xml><?xml version="1.0" encoding="utf-8"?>
 <p:sld xmlns:a="http://schemas.openxmlformats.org/drawingml/2006/main" xmlns:r="http://schemas.openxmlformats.org/officeDocument/2006/relationships" xmlns:p="http://schemas.openxmlformats.org/presentationml/2006/main">
   <p:cSld>
+    <p:bg>
+      <p:bgPr>
+        <a:solidFill>
+          <a:schemeClr val="bg1"/>
+        </a:solidFill>
+        <a:effectLst/>
+      </p:bgPr>
+    </p:bg>
     <p:spTree>
       <p:nvGrpSpPr>
         <p:cNvPr id="1" name=""/>
@@ -4405,225 +4661,163 @@
       </p:grpSpPr>
       <p:sp>
         <p:nvSpPr>
-          <p:cNvPr id="2" name="Title 1"/>
+          <p:cNvPr id="2" name="Titel 1">
+            <a:extLst>
+              <a:ext uri="{FF2B5EF4-FFF2-40B4-BE49-F238E27FC236}">
+                <a16:creationId xmlns:a16="http://schemas.microsoft.com/office/drawing/2014/main" id="{5B146968-16B8-5AF8-64E3-4E29FAFEF910}"/>
+              </a:ext>
+            </a:extLst>
+          </p:cNvPr>
           <p:cNvSpPr>
             <a:spLocks noGrp="1"/>
           </p:cNvSpPr>
           <p:nvPr>
             <p:ph type="title"/>
-          </p:nvPr>
-        </p:nvSpPr>
-        <p:spPr/>
-        <p:txBody>
-          <a:bodyPr/>
-          <a:lstStyle/>
-          <a:p>
-            <a:r>
-              <a:rPr lang="de-DE" dirty="0"/>
-              <a:t>Cloud </a:t>
-            </a:r>
-            <a:r>
-              <a:rPr dirty="0"/>
-              <a:t>Deployment</a:t>
-            </a:r>
-          </a:p>
-        </p:txBody>
-      </p:sp>
-      <p:sp>
-        <p:nvSpPr>
-          <p:cNvPr id="3" name="Content Placeholder 2"/>
-          <p:cNvSpPr>
-            <a:spLocks noGrp="1"/>
-          </p:cNvSpPr>
-          <p:nvPr>
-            <p:ph idx="1"/>
           </p:nvPr>
         </p:nvSpPr>
         <p:spPr>
           <a:xfrm>
-            <a:off x="457200" y="1045029"/>
-            <a:ext cx="8229600" cy="4813510"/>
+            <a:off x="1250731" y="378414"/>
+            <a:ext cx="6642538" cy="1401183"/>
           </a:xfrm>
         </p:spPr>
         <p:txBody>
+          <a:bodyPr anchor="t">
+            <a:noAutofit/>
+          </a:bodyPr>
+          <a:lstStyle/>
+          <a:p>
+            <a:pPr algn="ctr"/>
+            <a:r>
+              <a:rPr lang="de-DE"/>
+              <a:t>Building a Docker Container</a:t>
+            </a:r>
+          </a:p>
+        </p:txBody>
+      </p:sp>
+      <p:sp>
+        <p:nvSpPr>
+          <p:cNvPr id="3" name="Inhaltsplatzhalter 2">
+            <a:extLst>
+              <a:ext uri="{FF2B5EF4-FFF2-40B4-BE49-F238E27FC236}">
+                <a16:creationId xmlns:a16="http://schemas.microsoft.com/office/drawing/2014/main" id="{918E9068-EAF9-06E8-09CD-643697956EC9}"/>
+              </a:ext>
+            </a:extLst>
+          </p:cNvPr>
+          <p:cNvSpPr>
+            <a:spLocks noGrp="1"/>
+          </p:cNvSpPr>
+          <p:nvPr>
+            <p:ph idx="1"/>
+          </p:nvPr>
+        </p:nvSpPr>
+        <p:spPr>
+          <a:xfrm>
+            <a:off x="602911" y="1984149"/>
+            <a:ext cx="4421034" cy="3602935"/>
+          </a:xfrm>
+        </p:spPr>
+        <p:txBody>
           <a:bodyPr vert="horz" lIns="91440" tIns="45720" rIns="91440" bIns="45720" rtlCol="0" anchor="t">
-            <a:normAutofit lnSpcReduction="10000"/>
+            <a:normAutofit/>
           </a:bodyPr>
           <a:lstStyle/>
           <a:p>
-            <a:pPr marL="0" indent="0">
-              <a:buNone/>
-            </a:pPr>
-            <a:endParaRPr lang="de-DE"/>
-          </a:p>
-          <a:p>
-            <a:pPr>
-              <a:defRPr sz="1800"/>
-            </a:pPr>
-            <a:r>
-              <a:rPr lang="de-DE" dirty="0"/>
-              <a:t>Ziel: API dauerhaft &amp; zuverlässig online verfügbar machen</a:t>
-            </a:r>
-            <a:endParaRPr lang="de-DE" dirty="0">
+            <a:r>
+              <a:rPr lang="de-DE" sz="2400"/>
+              <a:t>Docker installieren &amp; starten (Docker Desktop)</a:t>
+            </a:r>
+            <a:endParaRPr lang="de-DE" sz="2400">
               <a:ea typeface="Calibri"/>
               <a:cs typeface="Calibri"/>
             </a:endParaRPr>
           </a:p>
           <a:p>
-            <a:pPr marL="0" indent="0">
-              <a:buNone/>
-              <a:defRPr sz="1800"/>
-            </a:pPr>
-            <a:r>
-              <a:rPr lang="de-DE" dirty="0"/>
-              <a:t>       Anforderungen:</a:t>
-            </a:r>
-            <a:endParaRPr lang="de-DE" dirty="0">
+            <a:r>
+              <a:rPr lang="de-DE" sz="2400"/>
+              <a:t>Image erstellen &amp; Container starten:</a:t>
+            </a:r>
+            <a:endParaRPr lang="de-DE" sz="2400">
               <a:ea typeface="Calibri"/>
               <a:cs typeface="Calibri"/>
             </a:endParaRPr>
           </a:p>
           <a:p>
-            <a:pPr marL="0" indent="0">
-              <a:buNone/>
-              <a:defRPr sz="1800"/>
-            </a:pPr>
-            <a:r>
-              <a:rPr lang="de-DE" dirty="0"/>
-              <a:t>	– Automatischer Start &amp; Neustart der API</a:t>
-            </a:r>
-            <a:endParaRPr lang="de-DE" dirty="0">
-              <a:ea typeface="Calibri"/>
-              <a:cs typeface="Calibri"/>
-            </a:endParaRPr>
-          </a:p>
-          <a:p>
-            <a:pPr marL="0" indent="0">
-              <a:buNone/>
-              <a:defRPr sz="1800"/>
-            </a:pPr>
-            <a:r>
-              <a:rPr lang="de-DE" dirty="0"/>
-              <a:t>	– Keine manuellen Befehle notwendig</a:t>
-            </a:r>
-            <a:endParaRPr lang="de-DE" dirty="0">
-              <a:ea typeface="Calibri"/>
-              <a:cs typeface="Calibri"/>
-            </a:endParaRPr>
-          </a:p>
-          <a:p>
-            <a:pPr>
-              <a:defRPr sz="1800"/>
-            </a:pPr>
-            <a:endParaRPr lang="de-DE"/>
-          </a:p>
-          <a:p>
-            <a:pPr>
-              <a:defRPr sz="1800"/>
-            </a:pPr>
-            <a:r>
-              <a:rPr lang="de-DE" dirty="0"/>
-              <a:t>Cloud-Hosting statt eigene Server:</a:t>
-            </a:r>
-            <a:endParaRPr lang="de-DE" dirty="0">
-              <a:ea typeface="Calibri"/>
-              <a:cs typeface="Calibri"/>
-            </a:endParaRPr>
-          </a:p>
-          <a:p>
-            <a:pPr marL="0" indent="0">
-              <a:buNone/>
-              <a:defRPr sz="1800"/>
-            </a:pPr>
-            <a:r>
-              <a:rPr lang="de-DE" dirty="0"/>
-              <a:t>	– Beliebte Anbieter: AWS, Azure, Google Cloud</a:t>
-            </a:r>
-            <a:endParaRPr lang="de-DE" dirty="0">
-              <a:ea typeface="Calibri"/>
-              <a:cs typeface="Calibri"/>
-            </a:endParaRPr>
-          </a:p>
-          <a:p>
-            <a:pPr marL="0" indent="0">
-              <a:buNone/>
-              <a:defRPr sz="1800"/>
-            </a:pPr>
-            <a:r>
-              <a:rPr lang="de-DE" dirty="0"/>
-              <a:t>	– On-Demand Ressourcen, skalierbar je nach Nutzung</a:t>
-            </a:r>
-            <a:endParaRPr lang="de-DE" dirty="0">
-              <a:ea typeface="Calibri"/>
-              <a:cs typeface="Calibri"/>
-            </a:endParaRPr>
-          </a:p>
-          <a:p>
-            <a:pPr>
-              <a:defRPr sz="1800"/>
-            </a:pPr>
-            <a:endParaRPr lang="de-DE"/>
-          </a:p>
-          <a:p>
-            <a:pPr>
-              <a:defRPr sz="1800"/>
-            </a:pPr>
-            <a:r>
-              <a:rPr lang="de-DE" dirty="0"/>
-              <a:t>  Ablauf Beispiel:</a:t>
-            </a:r>
-            <a:endParaRPr lang="de-DE" dirty="0">
-              <a:ea typeface="Calibri"/>
-              <a:cs typeface="Calibri"/>
-            </a:endParaRPr>
-          </a:p>
-          <a:p>
-            <a:pPr marL="0" indent="0">
-              <a:buNone/>
-              <a:defRPr sz="1800"/>
-            </a:pPr>
-            <a:r>
-              <a:rPr lang="de-DE" dirty="0"/>
-              <a:t>	1. Docker-Container lokal erstellen (inkl. API &amp; Bibliotheken)</a:t>
-            </a:r>
-            <a:endParaRPr lang="de-DE" dirty="0">
-              <a:ea typeface="Calibri"/>
-              <a:cs typeface="Calibri"/>
-            </a:endParaRPr>
-          </a:p>
-          <a:p>
-            <a:pPr marL="0" indent="0">
-              <a:buNone/>
-              <a:defRPr sz="1800"/>
-            </a:pPr>
-            <a:r>
-              <a:rPr lang="de-DE" dirty="0"/>
-              <a:t>	2. Container in Cloud-Registry hochladen</a:t>
-            </a:r>
-            <a:endParaRPr lang="de-DE" dirty="0">
-              <a:ea typeface="Calibri"/>
-              <a:cs typeface="Calibri"/>
-            </a:endParaRPr>
-          </a:p>
-          <a:p>
-            <a:pPr marL="0" indent="0">
-              <a:buNone/>
-              <a:defRPr sz="1800"/>
-            </a:pPr>
-            <a:r>
-              <a:rPr lang="de-DE" dirty="0"/>
-              <a:t>	3. Cloud-Provider startet Container &amp; API kann nun von überall abgerufen       werden</a:t>
-            </a:r>
-          </a:p>
-          <a:p>
-            <a:pPr marL="0" indent="0">
-              <a:buNone/>
-            </a:pPr>
-            <a:endParaRPr/>
+            <a:endParaRPr lang="de-DE" sz="1700"/>
+          </a:p>
+        </p:txBody>
+      </p:sp>
+      <p:pic>
+        <p:nvPicPr>
+          <p:cNvPr id="4" name="Grafik 3" descr="Ein Bild, das Text, Screenshot, Software, Betriebssystem enthält.&#10;&#10;KI-generierte Inhalte können fehlerhaft sein.">
+            <a:extLst>
+              <a:ext uri="{FF2B5EF4-FFF2-40B4-BE49-F238E27FC236}">
+                <a16:creationId xmlns:a16="http://schemas.microsoft.com/office/drawing/2014/main" id="{9B8CDE0E-69A7-B460-C1AD-62E16D63C41B}"/>
+              </a:ext>
+            </a:extLst>
+          </p:cNvPr>
+          <p:cNvPicPr>
+            <a:picLocks noChangeAspect="1"/>
+          </p:cNvPicPr>
+          <p:nvPr/>
+        </p:nvPicPr>
+        <p:blipFill>
+          <a:blip r:embed="rId3"/>
+          <a:stretch>
+            <a:fillRect/>
+          </a:stretch>
+        </p:blipFill>
+        <p:spPr>
+          <a:xfrm>
+            <a:off x="5132520" y="1779597"/>
+            <a:ext cx="4000620" cy="4253586"/>
+          </a:xfrm>
+          <a:prstGeom prst="rect">
+            <a:avLst/>
+          </a:prstGeom>
+        </p:spPr>
+      </p:pic>
+      <p:sp>
+        <p:nvSpPr>
+          <p:cNvPr id="5" name="Textfeld 4">
+            <a:extLst>
+              <a:ext uri="{FF2B5EF4-FFF2-40B4-BE49-F238E27FC236}">
+                <a16:creationId xmlns:a16="http://schemas.microsoft.com/office/drawing/2014/main" id="{17C0A701-F838-CE5C-50BF-A52138ECA7D0}"/>
+              </a:ext>
+            </a:extLst>
+          </p:cNvPr>
+          <p:cNvSpPr txBox="1"/>
+          <p:nvPr/>
+        </p:nvSpPr>
+        <p:spPr>
+          <a:xfrm>
+            <a:off x="2176272" y="6222230"/>
+            <a:ext cx="4572000" cy="369332"/>
+          </a:xfrm>
+          <a:prstGeom prst="rect">
+            <a:avLst/>
+          </a:prstGeom>
+          <a:noFill/>
+        </p:spPr>
+        <p:txBody>
+          <a:bodyPr wrap="square">
+            <a:spAutoFit/>
+          </a:bodyPr>
+          <a:lstStyle/>
+          <a:p>
+            <a:r>
+              <a:rPr lang="en-GB" dirty="0"/>
+              <a:t>https://github.com/luw6256/Kapitel-12</a:t>
+            </a:r>
           </a:p>
         </p:txBody>
       </p:sp>
     </p:spTree>
+    <p:extLst>
+      <p:ext uri="{BB962C8B-B14F-4D97-AF65-F5344CB8AC3E}">
+        <p14:creationId xmlns:p14="http://schemas.microsoft.com/office/powerpoint/2010/main" val="4185668292"/>
+      </p:ext>
+    </p:extLst>
   </p:cSld>
   <p:clrMapOvr>
     <a:masterClrMapping/>
@@ -4653,7 +4847,7 @@
           <p:cNvPr id="2" name="Titel 1">
             <a:extLst>
               <a:ext uri="{FF2B5EF4-FFF2-40B4-BE49-F238E27FC236}">
-                <a16:creationId xmlns:a16="http://schemas.microsoft.com/office/drawing/2014/main" id="{121FF0C6-CB58-1E91-EADA-A5F8F24208FB}"/>
+                <a16:creationId xmlns:a16="http://schemas.microsoft.com/office/drawing/2014/main" id="{D2B12CB7-7F1B-17EF-123A-301C24583F25}"/>
               </a:ext>
             </a:extLst>
           </p:cNvPr>
@@ -4664,198 +4858,63 @@
             <p:ph type="title"/>
           </p:nvPr>
         </p:nvSpPr>
-        <p:spPr/>
-        <p:txBody>
-          <a:bodyPr/>
-          <a:lstStyle/>
-          <a:p>
+        <p:spPr>
+          <a:xfrm>
+            <a:off x="628650" y="2766218"/>
+            <a:ext cx="7886700" cy="1325563"/>
+          </a:xfrm>
+        </p:spPr>
+        <p:txBody>
+          <a:bodyPr/>
+          <a:lstStyle/>
+          <a:p>
+            <a:pPr algn="ctr"/>
             <a:r>
               <a:rPr lang="de-DE"/>
-              <a:t>Cloud </a:t>
-            </a:r>
-            <a:r>
-              <a:rPr lang="de-DE" err="1"/>
-              <a:t>Deployment</a:t>
-            </a:r>
-            <a:endParaRPr lang="de-DE"/>
-          </a:p>
-        </p:txBody>
-      </p:sp>
-      <p:sp>
-        <p:nvSpPr>
-          <p:cNvPr id="3" name="Inhaltsplatzhalter 2">
+              <a:t>Aufgabe 3</a:t>
+            </a:r>
+          </a:p>
+        </p:txBody>
+      </p:sp>
+      <p:sp>
+        <p:nvSpPr>
+          <p:cNvPr id="3" name="Textfeld 2">
             <a:extLst>
               <a:ext uri="{FF2B5EF4-FFF2-40B4-BE49-F238E27FC236}">
-                <a16:creationId xmlns:a16="http://schemas.microsoft.com/office/drawing/2014/main" id="{98DFD065-B131-6B35-2388-BDA4B4BFFC3E}"/>
+                <a16:creationId xmlns:a16="http://schemas.microsoft.com/office/drawing/2014/main" id="{4E4A29DB-855B-65AB-A55D-96C83C718B3E}"/>
               </a:ext>
             </a:extLst>
           </p:cNvPr>
-          <p:cNvSpPr>
-            <a:spLocks noGrp="1"/>
-          </p:cNvSpPr>
-          <p:nvPr>
-            <p:ph idx="1"/>
-          </p:nvPr>
-        </p:nvSpPr>
-        <p:spPr/>
-        <p:txBody>
-          <a:bodyPr>
-            <a:normAutofit fontScale="70000" lnSpcReduction="20000"/>
+          <p:cNvSpPr txBox="1"/>
+          <p:nvPr/>
+        </p:nvSpPr>
+        <p:spPr>
+          <a:xfrm>
+            <a:off x="2176272" y="6222230"/>
+            <a:ext cx="4572000" cy="369332"/>
+          </a:xfrm>
+          <a:prstGeom prst="rect">
+            <a:avLst/>
+          </a:prstGeom>
+          <a:noFill/>
+        </p:spPr>
+        <p:txBody>
+          <a:bodyPr wrap="square">
+            <a:spAutoFit/>
           </a:bodyPr>
           <a:lstStyle/>
           <a:p>
             <a:r>
-              <a:rPr lang="de-DE" b="1"/>
-              <a:t>Kosten &amp; Ressourcenverwaltung</a:t>
-            </a:r>
-            <a:endParaRPr lang="de-DE"/>
-          </a:p>
-          <a:p>
-            <a:pPr marL="0" indent="0">
-              <a:buNone/>
-            </a:pPr>
-            <a:r>
-              <a:rPr lang="de-DE"/>
-              <a:t>	- Cloud-Nutzung verursacht Kosten</a:t>
-            </a:r>
-            <a:br>
-              <a:rPr lang="de-DE"/>
-            </a:br>
-            <a:r>
-              <a:rPr lang="de-DE"/>
-              <a:t>	- Oft Gratis-</a:t>
-            </a:r>
-            <a:r>
-              <a:rPr lang="de-DE" err="1"/>
-              <a:t>Credits</a:t>
-            </a:r>
-            <a:r>
-              <a:rPr lang="de-DE"/>
-              <a:t> oder Free Tier</a:t>
-            </a:r>
-          </a:p>
-          <a:p>
-            <a:pPr marL="0" indent="0">
-              <a:buNone/>
-            </a:pPr>
-            <a:r>
-              <a:rPr lang="de-DE"/>
-              <a:t>	- Budgetwarnungen einrichten</a:t>
-            </a:r>
-          </a:p>
-          <a:p>
-            <a:pPr marL="0" indent="0">
-              <a:buNone/>
-            </a:pPr>
-            <a:r>
-              <a:rPr lang="de-DE"/>
-              <a:t>	- Nicht genutzte Ressourcen stoppen oder löschen</a:t>
-            </a:r>
-          </a:p>
-          <a:p>
-            <a:r>
-              <a:rPr lang="de-DE" b="1"/>
-              <a:t>Andere Cloud-Anbieter (AWS &amp; Azure)</a:t>
-            </a:r>
-            <a:endParaRPr lang="de-DE"/>
-          </a:p>
-          <a:p>
-            <a:pPr marL="0" indent="0">
-              <a:buNone/>
-            </a:pPr>
-            <a:r>
-              <a:rPr lang="de-DE"/>
-              <a:t>	- Prozess ähnlich wie bei Google Cloud</a:t>
-            </a:r>
-          </a:p>
-          <a:p>
-            <a:pPr marL="457200" lvl="1" indent="0">
-              <a:buNone/>
-            </a:pPr>
-            <a:r>
-              <a:rPr lang="de-DE"/>
-              <a:t>- Konto anlegen &amp; CLI installieren</a:t>
-            </a:r>
-          </a:p>
-          <a:p>
-            <a:pPr marL="457200" lvl="1" indent="0">
-              <a:buNone/>
-            </a:pPr>
-            <a:r>
-              <a:rPr lang="de-DE"/>
-              <a:t>- Docker-Image in Registry hochladen</a:t>
-            </a:r>
-            <a:br>
-              <a:rPr lang="de-DE"/>
-            </a:br>
-            <a:r>
-              <a:rPr lang="de-DE"/>
-              <a:t>	• AWS: </a:t>
-            </a:r>
-            <a:r>
-              <a:rPr lang="de-DE" err="1"/>
-              <a:t>Elastic</a:t>
-            </a:r>
-            <a:r>
-              <a:rPr lang="de-DE"/>
-              <a:t> Container Registry (ECR)</a:t>
-            </a:r>
-            <a:br>
-              <a:rPr lang="de-DE"/>
-            </a:br>
-            <a:r>
-              <a:rPr lang="de-DE"/>
-              <a:t>	• Azure: Azure Container Registry (ACR)</a:t>
-            </a:r>
-          </a:p>
-          <a:p>
-            <a:pPr marL="457200" lvl="1" indent="0">
-              <a:buNone/>
-            </a:pPr>
-            <a:r>
-              <a:rPr lang="de-DE"/>
-              <a:t>- </a:t>
-            </a:r>
-            <a:r>
-              <a:rPr lang="de-DE" err="1"/>
-              <a:t>Deployment</a:t>
-            </a:r>
-            <a:r>
-              <a:rPr lang="de-DE"/>
-              <a:t> aus Registry starten</a:t>
-            </a:r>
-            <a:br>
-              <a:rPr lang="de-DE"/>
-            </a:br>
-            <a:r>
-              <a:rPr lang="de-DE"/>
-              <a:t>	• AWS: </a:t>
-            </a:r>
-            <a:r>
-              <a:rPr lang="de-DE" err="1"/>
-              <a:t>Elastic</a:t>
-            </a:r>
-            <a:r>
-              <a:rPr lang="de-DE"/>
-              <a:t> Container Service (ECS)</a:t>
-            </a:r>
-            <a:br>
-              <a:rPr lang="de-DE"/>
-            </a:br>
-            <a:r>
-              <a:rPr lang="de-DE"/>
-              <a:t>	• Azure: App Service</a:t>
-            </a:r>
-          </a:p>
-          <a:p>
-            <a:endParaRPr lang="de-DE"/>
+              <a:rPr lang="en-GB" dirty="0"/>
+              <a:t>https://github.com/luw6256/Kapitel-12</a:t>
+            </a:r>
           </a:p>
         </p:txBody>
       </p:sp>
     </p:spTree>
     <p:extLst>
       <p:ext uri="{BB962C8B-B14F-4D97-AF65-F5344CB8AC3E}">
-        <p14:creationId xmlns:p14="http://schemas.microsoft.com/office/powerpoint/2010/main" val="691754289"/>
+        <p14:creationId xmlns:p14="http://schemas.microsoft.com/office/powerpoint/2010/main" val="3736776345"/>
       </p:ext>
     </p:extLst>
   </p:cSld>
@@ -4884,6 +4943,562 @@
       </p:grpSpPr>
       <p:sp>
         <p:nvSpPr>
+          <p:cNvPr id="2" name="Title 1"/>
+          <p:cNvSpPr>
+            <a:spLocks noGrp="1"/>
+          </p:cNvSpPr>
+          <p:nvPr>
+            <p:ph type="title"/>
+          </p:nvPr>
+        </p:nvSpPr>
+        <p:spPr>
+          <a:xfrm>
+            <a:off x="628650" y="154919"/>
+            <a:ext cx="7886700" cy="1325563"/>
+          </a:xfrm>
+        </p:spPr>
+        <p:txBody>
+          <a:bodyPr/>
+          <a:lstStyle/>
+          <a:p>
+            <a:pPr algn="ctr"/>
+            <a:r>
+              <a:rPr lang="de-DE"/>
+              <a:t>Cloud </a:t>
+            </a:r>
+            <a:r>
+              <a:t>Deployment</a:t>
+            </a:r>
+          </a:p>
+        </p:txBody>
+      </p:sp>
+      <p:sp>
+        <p:nvSpPr>
+          <p:cNvPr id="3" name="Content Placeholder 2"/>
+          <p:cNvSpPr>
+            <a:spLocks noGrp="1"/>
+          </p:cNvSpPr>
+          <p:nvPr>
+            <p:ph idx="1"/>
+          </p:nvPr>
+        </p:nvSpPr>
+        <p:spPr>
+          <a:xfrm>
+            <a:off x="231229" y="1045029"/>
+            <a:ext cx="8818178" cy="4813510"/>
+          </a:xfrm>
+        </p:spPr>
+        <p:txBody>
+          <a:bodyPr vert="horz" lIns="91440" tIns="45720" rIns="91440" bIns="45720" rtlCol="0" anchor="t">
+            <a:normAutofit fontScale="85000" lnSpcReduction="20000"/>
+          </a:bodyPr>
+          <a:lstStyle/>
+          <a:p>
+            <a:pPr marL="0" indent="0">
+              <a:buNone/>
+            </a:pPr>
+            <a:endParaRPr lang="de-DE"/>
+          </a:p>
+          <a:p>
+            <a:pPr>
+              <a:defRPr sz="1800"/>
+            </a:pPr>
+            <a:r>
+              <a:rPr lang="de-DE" sz="2200"/>
+              <a:t>Ziel: PI dauerhaft &amp; zuverlässig online verfügbar machen Anforderungen:</a:t>
+            </a:r>
+            <a:endParaRPr lang="de-DE" sz="2200">
+              <a:ea typeface="Calibri"/>
+              <a:cs typeface="Calibri"/>
+            </a:endParaRPr>
+          </a:p>
+          <a:p>
+            <a:pPr marL="0" indent="0">
+              <a:buNone/>
+              <a:defRPr sz="1800"/>
+            </a:pPr>
+            <a:r>
+              <a:rPr lang="de-DE" sz="2200"/>
+              <a:t>	– Automatischer Start &amp; Neustart der API</a:t>
+            </a:r>
+            <a:endParaRPr lang="de-DE" sz="2200">
+              <a:ea typeface="Calibri"/>
+              <a:cs typeface="Calibri"/>
+            </a:endParaRPr>
+          </a:p>
+          <a:p>
+            <a:pPr marL="0" indent="0">
+              <a:buNone/>
+              <a:defRPr sz="1800"/>
+            </a:pPr>
+            <a:r>
+              <a:rPr lang="de-DE" sz="2200"/>
+              <a:t>	– Keine manuellen Befehle notwendig</a:t>
+            </a:r>
+            <a:endParaRPr lang="de-DE" sz="2200">
+              <a:ea typeface="Calibri"/>
+              <a:cs typeface="Calibri"/>
+            </a:endParaRPr>
+          </a:p>
+          <a:p>
+            <a:pPr>
+              <a:defRPr sz="1800"/>
+            </a:pPr>
+            <a:endParaRPr lang="de-DE" sz="2200"/>
+          </a:p>
+          <a:p>
+            <a:pPr>
+              <a:defRPr sz="1800"/>
+            </a:pPr>
+            <a:r>
+              <a:rPr lang="de-DE" sz="2200"/>
+              <a:t>Cloud-Hosting statt eigene Server:</a:t>
+            </a:r>
+            <a:endParaRPr lang="de-DE" sz="2200">
+              <a:ea typeface="Calibri"/>
+              <a:cs typeface="Calibri"/>
+            </a:endParaRPr>
+          </a:p>
+          <a:p>
+            <a:pPr marL="0" indent="0">
+              <a:buNone/>
+              <a:defRPr sz="1800"/>
+            </a:pPr>
+            <a:r>
+              <a:rPr lang="de-DE" sz="2200"/>
+              <a:t>	– Beliebte Anbieter: AWS, Azure, Google Cloud</a:t>
+            </a:r>
+            <a:endParaRPr lang="de-DE" sz="2200">
+              <a:ea typeface="Calibri"/>
+              <a:cs typeface="Calibri"/>
+            </a:endParaRPr>
+          </a:p>
+          <a:p>
+            <a:pPr marL="0" indent="0">
+              <a:buNone/>
+              <a:defRPr sz="1800"/>
+            </a:pPr>
+            <a:r>
+              <a:rPr lang="de-DE" sz="2200"/>
+              <a:t>	– On-Demand Ressourcen, skalierbar je nach Nutzung</a:t>
+            </a:r>
+            <a:endParaRPr lang="de-DE" sz="2200">
+              <a:ea typeface="Calibri"/>
+              <a:cs typeface="Calibri"/>
+            </a:endParaRPr>
+          </a:p>
+          <a:p>
+            <a:pPr>
+              <a:defRPr sz="1800"/>
+            </a:pPr>
+            <a:endParaRPr lang="de-DE" sz="2200"/>
+          </a:p>
+          <a:p>
+            <a:pPr>
+              <a:defRPr sz="1800"/>
+            </a:pPr>
+            <a:r>
+              <a:rPr lang="de-DE" sz="2200"/>
+              <a:t>  Ablauf Beispiel:</a:t>
+            </a:r>
+            <a:endParaRPr lang="de-DE" sz="2200">
+              <a:ea typeface="Calibri"/>
+              <a:cs typeface="Calibri"/>
+            </a:endParaRPr>
+          </a:p>
+          <a:p>
+            <a:pPr marL="0" indent="0">
+              <a:buNone/>
+              <a:defRPr sz="1800"/>
+            </a:pPr>
+            <a:r>
+              <a:rPr lang="de-DE" sz="2200"/>
+              <a:t>	1. Docker-Container lokal erstellen (inkl. API &amp; Bibliotheken)</a:t>
+            </a:r>
+            <a:endParaRPr lang="de-DE" sz="2200">
+              <a:ea typeface="Calibri"/>
+              <a:cs typeface="Calibri"/>
+            </a:endParaRPr>
+          </a:p>
+          <a:p>
+            <a:pPr marL="0" indent="0">
+              <a:buNone/>
+              <a:defRPr sz="1800"/>
+            </a:pPr>
+            <a:r>
+              <a:rPr lang="de-DE" sz="2200"/>
+              <a:t>	2. Container in Cloud-Registry hochladen</a:t>
+            </a:r>
+            <a:endParaRPr lang="de-DE" sz="2200">
+              <a:ea typeface="Calibri"/>
+              <a:cs typeface="Calibri"/>
+            </a:endParaRPr>
+          </a:p>
+          <a:p>
+            <a:pPr marL="0" indent="0">
+              <a:buNone/>
+              <a:defRPr sz="1800"/>
+            </a:pPr>
+            <a:r>
+              <a:rPr lang="de-DE" sz="2200"/>
+              <a:t>	3. Cloud-Provider startet Container &amp; API kann nun von überall abgerufen       	     werden</a:t>
+            </a:r>
+          </a:p>
+          <a:p>
+            <a:pPr marL="0" indent="0">
+              <a:buNone/>
+            </a:pPr>
+            <a:endParaRPr/>
+          </a:p>
+        </p:txBody>
+      </p:sp>
+      <p:sp>
+        <p:nvSpPr>
+          <p:cNvPr id="4" name="Textfeld 3">
+            <a:extLst>
+              <a:ext uri="{FF2B5EF4-FFF2-40B4-BE49-F238E27FC236}">
+                <a16:creationId xmlns:a16="http://schemas.microsoft.com/office/drawing/2014/main" id="{FF006D83-335E-EE7D-4F80-59B66FB3757A}"/>
+              </a:ext>
+            </a:extLst>
+          </p:cNvPr>
+          <p:cNvSpPr txBox="1"/>
+          <p:nvPr/>
+        </p:nvSpPr>
+        <p:spPr>
+          <a:xfrm>
+            <a:off x="2176272" y="6222230"/>
+            <a:ext cx="4572000" cy="369332"/>
+          </a:xfrm>
+          <a:prstGeom prst="rect">
+            <a:avLst/>
+          </a:prstGeom>
+          <a:noFill/>
+        </p:spPr>
+        <p:txBody>
+          <a:bodyPr wrap="square">
+            <a:spAutoFit/>
+          </a:bodyPr>
+          <a:lstStyle/>
+          <a:p>
+            <a:r>
+              <a:rPr lang="en-GB" dirty="0"/>
+              <a:t>https://github.com/luw6256/Kapitel-12</a:t>
+            </a:r>
+          </a:p>
+        </p:txBody>
+      </p:sp>
+    </p:spTree>
+  </p:cSld>
+  <p:clrMapOvr>
+    <a:masterClrMapping/>
+  </p:clrMapOvr>
+</p:sld>
+</file>
+
+<file path=ppt/slides/slide13.xml><?xml version="1.0" encoding="utf-8"?>
+<p:sld xmlns:a="http://schemas.openxmlformats.org/drawingml/2006/main" xmlns:r="http://schemas.openxmlformats.org/officeDocument/2006/relationships" xmlns:p="http://schemas.openxmlformats.org/presentationml/2006/main">
+  <p:cSld>
+    <p:spTree>
+      <p:nvGrpSpPr>
+        <p:cNvPr id="1" name=""/>
+        <p:cNvGrpSpPr/>
+        <p:nvPr/>
+      </p:nvGrpSpPr>
+      <p:grpSpPr>
+        <a:xfrm>
+          <a:off x="0" y="0"/>
+          <a:ext cx="0" cy="0"/>
+          <a:chOff x="0" y="0"/>
+          <a:chExt cx="0" cy="0"/>
+        </a:xfrm>
+      </p:grpSpPr>
+      <p:sp>
+        <p:nvSpPr>
+          <p:cNvPr id="2" name="Titel 1">
+            <a:extLst>
+              <a:ext uri="{FF2B5EF4-FFF2-40B4-BE49-F238E27FC236}">
+                <a16:creationId xmlns:a16="http://schemas.microsoft.com/office/drawing/2014/main" id="{121FF0C6-CB58-1E91-EADA-A5F8F24208FB}"/>
+              </a:ext>
+            </a:extLst>
+          </p:cNvPr>
+          <p:cNvSpPr>
+            <a:spLocks noGrp="1"/>
+          </p:cNvSpPr>
+          <p:nvPr>
+            <p:ph type="title"/>
+          </p:nvPr>
+        </p:nvSpPr>
+        <p:spPr/>
+        <p:txBody>
+          <a:bodyPr/>
+          <a:lstStyle/>
+          <a:p>
+            <a:pPr algn="ctr"/>
+            <a:r>
+              <a:rPr lang="de-DE"/>
+              <a:t>Cloud </a:t>
+            </a:r>
+            <a:r>
+              <a:rPr lang="de-DE" err="1"/>
+              <a:t>Deployment</a:t>
+            </a:r>
+            <a:endParaRPr lang="de-DE"/>
+          </a:p>
+        </p:txBody>
+      </p:sp>
+      <p:sp>
+        <p:nvSpPr>
+          <p:cNvPr id="3" name="Inhaltsplatzhalter 2">
+            <a:extLst>
+              <a:ext uri="{FF2B5EF4-FFF2-40B4-BE49-F238E27FC236}">
+                <a16:creationId xmlns:a16="http://schemas.microsoft.com/office/drawing/2014/main" id="{98DFD065-B131-6B35-2388-BDA4B4BFFC3E}"/>
+              </a:ext>
+            </a:extLst>
+          </p:cNvPr>
+          <p:cNvSpPr>
+            <a:spLocks noGrp="1"/>
+          </p:cNvSpPr>
+          <p:nvPr>
+            <p:ph idx="1"/>
+          </p:nvPr>
+        </p:nvSpPr>
+        <p:spPr>
+          <a:xfrm>
+            <a:off x="628650" y="1825624"/>
+            <a:ext cx="7886700" cy="4827423"/>
+          </a:xfrm>
+        </p:spPr>
+        <p:txBody>
+          <a:bodyPr vert="horz" lIns="91440" tIns="45720" rIns="91440" bIns="45720" rtlCol="0" anchor="t">
+            <a:normAutofit fontScale="92500" lnSpcReduction="10000"/>
+          </a:bodyPr>
+          <a:lstStyle/>
+          <a:p>
+            <a:r>
+              <a:rPr lang="de-DE" sz="2200" dirty="0"/>
+              <a:t>Kosten &amp; Ressourcenverwaltung:</a:t>
+            </a:r>
+          </a:p>
+          <a:p>
+            <a:pPr marL="0" indent="0">
+              <a:buNone/>
+            </a:pPr>
+            <a:r>
+              <a:rPr lang="de-DE" sz="2200" dirty="0"/>
+              <a:t>	- Cloud-Nutzung verursacht Kosten</a:t>
+            </a:r>
+          </a:p>
+          <a:p>
+            <a:pPr marL="0" indent="0">
+              <a:buNone/>
+            </a:pPr>
+            <a:r>
+              <a:rPr lang="de-DE" sz="2200" dirty="0"/>
+              <a:t>	- Oft Gratis-</a:t>
+            </a:r>
+            <a:r>
+              <a:rPr lang="de-DE" sz="2200" dirty="0" err="1"/>
+              <a:t>Credits</a:t>
+            </a:r>
+            <a:r>
+              <a:rPr lang="de-DE" sz="2200" dirty="0"/>
+              <a:t> oder Free Tier</a:t>
+            </a:r>
+          </a:p>
+          <a:p>
+            <a:pPr marL="0" indent="0">
+              <a:buNone/>
+            </a:pPr>
+            <a:r>
+              <a:rPr lang="de-DE" sz="2200" dirty="0"/>
+              <a:t>	- Budgetwarnungen einrichten</a:t>
+            </a:r>
+          </a:p>
+          <a:p>
+            <a:pPr marL="0" indent="0">
+              <a:buNone/>
+            </a:pPr>
+            <a:r>
+              <a:rPr lang="de-DE" sz="2200" dirty="0"/>
+              <a:t>	- Nicht genutzte Ressourcen stoppen oder löschen</a:t>
+            </a:r>
+          </a:p>
+          <a:p>
+            <a:r>
+              <a:rPr lang="de-DE" sz="2200" dirty="0"/>
+              <a:t>Andere Cloud-Anbieter (AWS &amp; Azure)</a:t>
+            </a:r>
+          </a:p>
+          <a:p>
+            <a:pPr marL="0" indent="0">
+              <a:buNone/>
+            </a:pPr>
+            <a:r>
+              <a:rPr lang="de-DE" sz="2200" dirty="0"/>
+              <a:t>	- Prozess ähnlich wie bei Google Cloud</a:t>
+            </a:r>
+          </a:p>
+          <a:p>
+            <a:pPr marL="457200" lvl="1" indent="0">
+              <a:buNone/>
+            </a:pPr>
+            <a:r>
+              <a:rPr lang="de-DE" sz="2200" dirty="0"/>
+              <a:t>	- Konto anlegen &amp; CLI </a:t>
+            </a:r>
+            <a:r>
+              <a:rPr lang="de-DE" sz="2200" dirty="0" err="1"/>
+              <a:t>tools</a:t>
+            </a:r>
+            <a:r>
+              <a:rPr lang="de-DE" sz="2200" dirty="0"/>
+              <a:t> installieren</a:t>
+            </a:r>
+          </a:p>
+          <a:p>
+            <a:pPr marL="457200" lvl="1" indent="0">
+              <a:buNone/>
+            </a:pPr>
+            <a:r>
+              <a:rPr lang="de-DE" sz="2200" dirty="0"/>
+              <a:t>	- Docker-Image in Registry hochladen</a:t>
+            </a:r>
+          </a:p>
+          <a:p>
+            <a:pPr marL="457200" lvl="1" indent="0">
+              <a:buNone/>
+            </a:pPr>
+            <a:r>
+              <a:rPr lang="de-DE" sz="2200" dirty="0"/>
+              <a:t>		• AWS: </a:t>
+            </a:r>
+            <a:r>
+              <a:rPr lang="de-DE" sz="2200" dirty="0" err="1"/>
+              <a:t>Elastic</a:t>
+            </a:r>
+            <a:r>
+              <a:rPr lang="de-DE" sz="2200" dirty="0"/>
+              <a:t> Container Registry (ECR)</a:t>
+            </a:r>
+            <a:br>
+              <a:rPr lang="de-DE" sz="2200" dirty="0"/>
+            </a:br>
+            <a:r>
+              <a:rPr lang="de-DE" sz="2200" dirty="0"/>
+              <a:t>		• Azure: Azure Container Registry (ACR)</a:t>
+            </a:r>
+          </a:p>
+          <a:p>
+            <a:pPr marL="457200" lvl="1" indent="0">
+              <a:buNone/>
+            </a:pPr>
+            <a:r>
+              <a:rPr lang="de-DE" sz="2200" dirty="0"/>
+              <a:t>	- </a:t>
+            </a:r>
+            <a:r>
+              <a:rPr lang="de-DE" sz="2200" dirty="0" err="1"/>
+              <a:t>Deployment</a:t>
+            </a:r>
+            <a:r>
+              <a:rPr lang="de-DE" sz="2200" dirty="0"/>
+              <a:t> aus Registry starten</a:t>
+            </a:r>
+            <a:br>
+              <a:rPr lang="de-DE" sz="2200" dirty="0"/>
+            </a:br>
+            <a:r>
+              <a:rPr lang="de-DE" sz="2200" dirty="0"/>
+              <a:t>		• AWS: </a:t>
+            </a:r>
+            <a:r>
+              <a:rPr lang="de-DE" sz="2200" dirty="0" err="1"/>
+              <a:t>Elastic</a:t>
+            </a:r>
+            <a:r>
+              <a:rPr lang="de-DE" sz="2200" dirty="0"/>
+              <a:t> Container Service (ECS)</a:t>
+            </a:r>
+            <a:br>
+              <a:rPr lang="de-DE" sz="2200" dirty="0"/>
+            </a:br>
+            <a:r>
+              <a:rPr lang="de-DE" sz="2200" dirty="0"/>
+              <a:t>		• Azure: App Service</a:t>
+            </a:r>
+          </a:p>
+          <a:p>
+            <a:endParaRPr lang="de-DE" dirty="0"/>
+          </a:p>
+        </p:txBody>
+      </p:sp>
+      <p:sp>
+        <p:nvSpPr>
+          <p:cNvPr id="4" name="Textfeld 3">
+            <a:extLst>
+              <a:ext uri="{FF2B5EF4-FFF2-40B4-BE49-F238E27FC236}">
+                <a16:creationId xmlns:a16="http://schemas.microsoft.com/office/drawing/2014/main" id="{E95DB973-D916-FF38-BC14-D88ECE4174B5}"/>
+              </a:ext>
+            </a:extLst>
+          </p:cNvPr>
+          <p:cNvSpPr txBox="1"/>
+          <p:nvPr/>
+        </p:nvSpPr>
+        <p:spPr>
+          <a:xfrm>
+            <a:off x="2188464" y="6468381"/>
+            <a:ext cx="4572000" cy="369332"/>
+          </a:xfrm>
+          <a:prstGeom prst="rect">
+            <a:avLst/>
+          </a:prstGeom>
+          <a:noFill/>
+        </p:spPr>
+        <p:txBody>
+          <a:bodyPr wrap="square">
+            <a:spAutoFit/>
+          </a:bodyPr>
+          <a:lstStyle/>
+          <a:p>
+            <a:r>
+              <a:rPr lang="en-GB" dirty="0"/>
+              <a:t>https://github.com/luw6256/Kapitel-12</a:t>
+            </a:r>
+          </a:p>
+        </p:txBody>
+      </p:sp>
+    </p:spTree>
+    <p:extLst>
+      <p:ext uri="{BB962C8B-B14F-4D97-AF65-F5344CB8AC3E}">
+        <p14:creationId xmlns:p14="http://schemas.microsoft.com/office/powerpoint/2010/main" val="691754289"/>
+      </p:ext>
+    </p:extLst>
+  </p:cSld>
+  <p:clrMapOvr>
+    <a:masterClrMapping/>
+  </p:clrMapOvr>
+</p:sld>
+</file>
+
+<file path=ppt/slides/slide14.xml><?xml version="1.0" encoding="utf-8"?>
+<p:sld xmlns:a="http://schemas.openxmlformats.org/drawingml/2006/main" xmlns:r="http://schemas.openxmlformats.org/officeDocument/2006/relationships" xmlns:p="http://schemas.openxmlformats.org/presentationml/2006/main">
+  <p:cSld>
+    <p:spTree>
+      <p:nvGrpSpPr>
+        <p:cNvPr id="1" name=""/>
+        <p:cNvGrpSpPr/>
+        <p:nvPr/>
+      </p:nvGrpSpPr>
+      <p:grpSpPr>
+        <a:xfrm>
+          <a:off x="0" y="0"/>
+          <a:ext cx="0" cy="0"/>
+          <a:chOff x="0" y="0"/>
+          <a:chExt cx="0" cy="0"/>
+        </a:xfrm>
+      </p:grpSpPr>
+      <p:sp>
+        <p:nvSpPr>
           <p:cNvPr id="2" name="Titel 1">
             <a:extLst>
               <a:ext uri="{FF2B5EF4-FFF2-40B4-BE49-F238E27FC236}">
@@ -4903,6 +5518,7 @@
           <a:bodyPr/>
           <a:lstStyle/>
           <a:p>
+            <a:pPr algn="ctr"/>
             <a:r>
               <a:rPr lang="de-DE"/>
               <a:t>Zusammenfassung</a:t>
@@ -4934,71 +5550,71 @@
           <a:lstStyle/>
           <a:p>
             <a:r>
-              <a:rPr lang="de-DE" dirty="0"/>
+              <a:rPr lang="de-DE"/>
               <a:t>Automatisierung spart Zeit &amp; reduziert Fehler</a:t>
             </a:r>
           </a:p>
           <a:p>
             <a:r>
-              <a:rPr lang="de-DE" dirty="0"/>
+              <a:rPr lang="de-DE"/>
               <a:t>CI/CD hilft beim Übergang von Entwicklung zur </a:t>
             </a:r>
             <a:r>
-              <a:rPr lang="de-DE" dirty="0" err="1"/>
+              <a:rPr lang="de-DE" err="1"/>
               <a:t>integration</a:t>
             </a:r>
             <a:r>
-              <a:rPr lang="de-DE" dirty="0"/>
+              <a:rPr lang="de-DE"/>
               <a:t> ins fertige Produkt</a:t>
             </a:r>
-            <a:endParaRPr lang="de-DE" dirty="0">
+            <a:endParaRPr lang="de-DE">
               <a:ea typeface="Calibri"/>
               <a:cs typeface="Calibri"/>
             </a:endParaRPr>
           </a:p>
           <a:p>
             <a:r>
-              <a:rPr lang="de-DE" dirty="0"/>
+              <a:rPr lang="de-DE"/>
               <a:t>Tools wie GitHub Actions &amp; </a:t>
             </a:r>
             <a:r>
-              <a:rPr lang="de-DE" dirty="0" err="1"/>
+              <a:rPr lang="de-DE" err="1"/>
               <a:t>Pre-commit</a:t>
             </a:r>
             <a:r>
-              <a:rPr lang="de-DE" dirty="0"/>
+              <a:rPr lang="de-DE"/>
               <a:t> Hooks erleichtern die </a:t>
             </a:r>
             <a:r>
-              <a:rPr lang="de-DE" dirty="0" err="1"/>
+              <a:rPr lang="de-DE" err="1"/>
               <a:t>automatisierung</a:t>
             </a:r>
-            <a:endParaRPr lang="de-DE" dirty="0" err="1">
+            <a:endParaRPr lang="de-DE" err="1">
               <a:ea typeface="Calibri"/>
               <a:cs typeface="Calibri"/>
             </a:endParaRPr>
           </a:p>
           <a:p>
             <a:r>
-              <a:rPr lang="de-DE" dirty="0"/>
+              <a:rPr lang="de-DE"/>
               <a:t>Code per API über einen </a:t>
             </a:r>
             <a:r>
-              <a:rPr lang="de-DE" dirty="0" err="1"/>
+              <a:rPr lang="de-DE" err="1"/>
               <a:t>cloud</a:t>
             </a:r>
             <a:r>
-              <a:rPr lang="de-DE" dirty="0"/>
+              <a:rPr lang="de-DE"/>
               <a:t> Dienst laufen zu lassen spart lokale Ressourcen</a:t>
             </a:r>
-            <a:endParaRPr lang="de-DE" dirty="0">
+            <a:endParaRPr lang="de-DE">
               <a:ea typeface="Calibri"/>
               <a:cs typeface="Calibri"/>
             </a:endParaRPr>
           </a:p>
           <a:p>
             <a:r>
-              <a:rPr lang="de-DE" dirty="0">
+              <a:rPr lang="de-DE">
                 <a:ea typeface="Calibri"/>
                 <a:cs typeface="Calibri"/>
               </a:rPr>
@@ -5006,7 +5622,7 @@
             </a:r>
           </a:p>
           <a:p>
-            <a:endParaRPr lang="de-DE" dirty="0">
+            <a:endParaRPr lang="de-DE">
               <a:ea typeface="Calibri"/>
               <a:cs typeface="Calibri"/>
             </a:endParaRPr>
@@ -5019,6 +5635,41 @@
               <a:ea typeface="Calibri"/>
               <a:cs typeface="Calibri"/>
             </a:endParaRPr>
+          </a:p>
+        </p:txBody>
+      </p:sp>
+      <p:sp>
+        <p:nvSpPr>
+          <p:cNvPr id="4" name="Textfeld 3">
+            <a:extLst>
+              <a:ext uri="{FF2B5EF4-FFF2-40B4-BE49-F238E27FC236}">
+                <a16:creationId xmlns:a16="http://schemas.microsoft.com/office/drawing/2014/main" id="{B151F360-3DEC-5CD5-F654-23814F9788D4}"/>
+              </a:ext>
+            </a:extLst>
+          </p:cNvPr>
+          <p:cNvSpPr txBox="1"/>
+          <p:nvPr/>
+        </p:nvSpPr>
+        <p:spPr>
+          <a:xfrm>
+            <a:off x="2200656" y="6447711"/>
+            <a:ext cx="4572000" cy="369332"/>
+          </a:xfrm>
+          <a:prstGeom prst="rect">
+            <a:avLst/>
+          </a:prstGeom>
+          <a:noFill/>
+        </p:spPr>
+        <p:txBody>
+          <a:bodyPr wrap="square">
+            <a:spAutoFit/>
+          </a:bodyPr>
+          <a:lstStyle/>
+          <a:p>
+            <a:r>
+              <a:rPr lang="en-GB" dirty="0"/>
+              <a:t>https://github.com/luw6256/Kapitel-12</a:t>
+            </a:r>
           </a:p>
         </p:txBody>
       </p:sp>
@@ -5054,7 +5705,13 @@
       </p:grpSpPr>
       <p:sp>
         <p:nvSpPr>
-          <p:cNvPr id="2" name="Title 1"/>
+          <p:cNvPr id="2" name="Titel 1">
+            <a:extLst>
+              <a:ext uri="{FF2B5EF4-FFF2-40B4-BE49-F238E27FC236}">
+                <a16:creationId xmlns:a16="http://schemas.microsoft.com/office/drawing/2014/main" id="{8BC97B54-EC84-A056-3912-5C4549817C7F}"/>
+              </a:ext>
+            </a:extLst>
+          </p:cNvPr>
           <p:cNvSpPr>
             <a:spLocks noGrp="1"/>
           </p:cNvSpPr>
@@ -5067,17 +5724,23 @@
           <a:bodyPr/>
           <a:lstStyle/>
           <a:p>
-            <a:r>
-              <a:rPr lang="de-DE" dirty="0"/>
+            <a:pPr algn="ctr"/>
+            <a:r>
+              <a:rPr lang="de-DE"/>
               <a:t>Automatisierung</a:t>
             </a:r>
-            <a:endParaRPr dirty="0"/>
-          </a:p>
-        </p:txBody>
-      </p:sp>
-      <p:sp>
-        <p:nvSpPr>
-          <p:cNvPr id="3" name="Content Placeholder 2"/>
+          </a:p>
+        </p:txBody>
+      </p:sp>
+      <p:sp>
+        <p:nvSpPr>
+          <p:cNvPr id="3" name="Inhaltsplatzhalter 2">
+            <a:extLst>
+              <a:ext uri="{FF2B5EF4-FFF2-40B4-BE49-F238E27FC236}">
+                <a16:creationId xmlns:a16="http://schemas.microsoft.com/office/drawing/2014/main" id="{9A55DA5F-1835-79C0-3ADF-D51B07538E4F}"/>
+              </a:ext>
+            </a:extLst>
+          </p:cNvPr>
           <p:cNvSpPr>
             <a:spLocks noGrp="1"/>
           </p:cNvSpPr>
@@ -5087,181 +5750,117 @@
         </p:nvSpPr>
         <p:spPr/>
         <p:txBody>
-          <a:bodyPr vert="horz" lIns="91440" tIns="45720" rIns="91440" bIns="45720" rtlCol="0" anchor="t">
+          <a:bodyPr>
             <a:normAutofit/>
           </a:bodyPr>
           <a:lstStyle/>
           <a:p>
-            <a:pPr>
-              <a:buFont typeface="Calibri"/>
-              <a:buChar char="-"/>
+            <a:r>
+              <a:rPr lang="de-DE" sz="2400"/>
+              <a:t>Wiederholbare und standardisierte Prozesse</a:t>
+            </a:r>
+          </a:p>
+          <a:p>
+            <a:r>
+              <a:rPr lang="de-DE" sz="2400"/>
+              <a:t>Hilft wiederholende Schritte zu vermeiden</a:t>
+            </a:r>
+          </a:p>
+          <a:p>
+            <a:r>
+              <a:rPr lang="de-DE" sz="2400"/>
+              <a:t>Verbessert den Code</a:t>
+            </a:r>
+          </a:p>
+          <a:p>
+            <a:r>
+              <a:rPr lang="de-DE" sz="2400"/>
+              <a:t>Beispiele:</a:t>
+            </a:r>
+          </a:p>
+          <a:p>
+            <a:pPr marL="0" indent="0">
+              <a:buNone/>
             </a:pPr>
-            <a:endParaRPr lang="de-DE">
-              <a:ea typeface="Calibri"/>
-              <a:cs typeface="Calibri"/>
-            </a:endParaRPr>
-          </a:p>
-          <a:p>
-            <a:pPr>
-              <a:buFont typeface="Calibri"/>
-              <a:buChar char="-"/>
-              <a:defRPr sz="2000"/>
+            <a:r>
+              <a:rPr lang="de-DE" sz="2400"/>
+              <a:t>	- </a:t>
+            </a:r>
+            <a:r>
+              <a:rPr lang="de-DE" sz="2400" err="1"/>
+              <a:t>Testing</a:t>
+            </a:r>
+            <a:endParaRPr lang="de-DE" sz="2400"/>
+          </a:p>
+          <a:p>
+            <a:pPr marL="0" indent="0">
+              <a:buNone/>
             </a:pPr>
             <a:r>
-              <a:rPr err="1"/>
-              <a:t>Wiederholbare</a:t>
-            </a:r>
-            <a:r>
-              <a:rPr dirty="0"/>
-              <a:t> und </a:t>
-            </a:r>
-            <a:r>
-              <a:rPr err="1"/>
-              <a:t>standardisierte</a:t>
-            </a:r>
-            <a:r>
-              <a:rPr dirty="0"/>
-              <a:t> </a:t>
-            </a:r>
-            <a:r>
-              <a:rPr err="1"/>
-              <a:t>Prozesse</a:t>
-            </a:r>
-            <a:endParaRPr>
-              <a:ea typeface="Calibri"/>
-              <a:cs typeface="Calibri"/>
-            </a:endParaRPr>
-          </a:p>
-          <a:p>
-            <a:pPr>
-              <a:buFont typeface="Calibri"/>
-              <a:buChar char="-"/>
-              <a:defRPr sz="2000"/>
+              <a:rPr lang="de-DE" sz="2400"/>
+              <a:t>	- </a:t>
+            </a:r>
+            <a:r>
+              <a:rPr lang="de-DE" sz="2400" err="1"/>
+              <a:t>Linting</a:t>
+            </a:r>
+            <a:r>
+              <a:rPr lang="de-DE" sz="2400"/>
+              <a:t> (Überprüfung des Codes)</a:t>
+            </a:r>
+          </a:p>
+          <a:p>
+            <a:pPr marL="0" indent="0">
+              <a:buNone/>
             </a:pPr>
             <a:r>
-              <a:rPr lang="de-DE" dirty="0">
-                <a:ea typeface="Calibri"/>
-                <a:cs typeface="Calibri"/>
-              </a:rPr>
-              <a:t>Hilft wiederholende Schritte zu vermeiden</a:t>
-            </a:r>
-          </a:p>
-          <a:p>
-            <a:pPr>
-              <a:buFont typeface="Calibri"/>
-              <a:buChar char="-"/>
-              <a:defRPr sz="2000"/>
-            </a:pPr>
-            <a:r>
-              <a:rPr lang="de-DE" dirty="0">
-                <a:ea typeface="Calibri"/>
-                <a:cs typeface="Calibri"/>
-              </a:rPr>
-              <a:t>verbessert den Code</a:t>
-            </a:r>
-            <a:endParaRPr lang="de-DE" dirty="0"/>
-          </a:p>
-          <a:p>
-            <a:pPr>
-              <a:buFont typeface="Calibri"/>
-              <a:buChar char="-"/>
-              <a:defRPr sz="2000"/>
-            </a:pPr>
-            <a:r>
-              <a:rPr lang="de-DE" dirty="0">
-                <a:ea typeface="Calibri"/>
-                <a:cs typeface="Calibri"/>
-              </a:rPr>
-              <a:t>Beispiele:</a:t>
-            </a:r>
-          </a:p>
-          <a:p>
-            <a:pPr lvl="1">
-              <a:buFont typeface="Courier New"/>
-              <a:buChar char="o"/>
-              <a:defRPr sz="2000"/>
-            </a:pPr>
-            <a:r>
-              <a:rPr lang="de-DE" sz="1600" dirty="0" err="1">
-                <a:ea typeface="Calibri"/>
-                <a:cs typeface="Calibri"/>
-              </a:rPr>
-              <a:t>Testing</a:t>
-            </a:r>
-            <a:endParaRPr lang="de-DE" sz="1600" dirty="0">
-              <a:ea typeface="Calibri"/>
-              <a:cs typeface="Calibri"/>
-            </a:endParaRPr>
-          </a:p>
-          <a:p>
-            <a:pPr lvl="1">
-              <a:buFont typeface="Courier New"/>
-              <a:buChar char="o"/>
-              <a:defRPr sz="2000"/>
-            </a:pPr>
-            <a:r>
-              <a:rPr lang="de-DE" sz="1600" dirty="0" err="1">
-                <a:ea typeface="Calibri"/>
-                <a:cs typeface="Calibri"/>
-              </a:rPr>
-              <a:t>Linting</a:t>
-            </a:r>
-            <a:r>
-              <a:rPr lang="de-DE" sz="1600" dirty="0">
-                <a:ea typeface="Calibri"/>
-                <a:cs typeface="Calibri"/>
-              </a:rPr>
-              <a:t> (Überprüfen des Codes)</a:t>
-            </a:r>
-          </a:p>
-          <a:p>
-            <a:pPr lvl="1">
-              <a:buFont typeface="Courier New"/>
-              <a:buChar char="o"/>
-              <a:defRPr sz="2000"/>
-            </a:pPr>
-            <a:r>
-              <a:rPr lang="de-DE" sz="1600" dirty="0">
-                <a:ea typeface="Calibri"/>
-                <a:cs typeface="Calibri"/>
-              </a:rPr>
-              <a:t>Anpassung der Syntax</a:t>
-            </a:r>
-            <a:endParaRPr lang="de-DE" sz="1600" dirty="0"/>
-          </a:p>
-          <a:p>
-            <a:pPr marL="0" indent="0">
-              <a:buNone/>
-              <a:defRPr sz="2000"/>
-            </a:pPr>
-            <a:endParaRPr lang="de-DE" dirty="0">
-              <a:ea typeface="Calibri"/>
-              <a:cs typeface="Calibri"/>
-            </a:endParaRPr>
-          </a:p>
-          <a:p>
-            <a:pPr marL="0" indent="0">
-              <a:buNone/>
-              <a:defRPr sz="2000"/>
-            </a:pPr>
-            <a:endParaRPr lang="de-DE">
-              <a:ea typeface="Calibri"/>
-              <a:cs typeface="Calibri"/>
-            </a:endParaRPr>
-          </a:p>
-          <a:p>
-            <a:pPr marL="0" indent="0">
-              <a:buNone/>
-              <a:defRPr sz="2000"/>
-            </a:pPr>
-            <a:endParaRPr lang="de-DE">
-              <a:ea typeface="Calibri"/>
-              <a:cs typeface="Calibri"/>
-            </a:endParaRPr>
+              <a:rPr lang="de-DE" sz="2400"/>
+              <a:t>	- Anpassung der Syntax</a:t>
+            </a:r>
+          </a:p>
+        </p:txBody>
+      </p:sp>
+      <p:sp>
+        <p:nvSpPr>
+          <p:cNvPr id="4" name="Textfeld 3">
+            <a:extLst>
+              <a:ext uri="{FF2B5EF4-FFF2-40B4-BE49-F238E27FC236}">
+                <a16:creationId xmlns:a16="http://schemas.microsoft.com/office/drawing/2014/main" id="{032D659A-F9BA-D3CD-2299-9AA192DBE4E9}"/>
+              </a:ext>
+            </a:extLst>
+          </p:cNvPr>
+          <p:cNvSpPr txBox="1"/>
+          <p:nvPr/>
+        </p:nvSpPr>
+        <p:spPr>
+          <a:xfrm>
+            <a:off x="2176272" y="6222230"/>
+            <a:ext cx="4572000" cy="369332"/>
+          </a:xfrm>
+          <a:prstGeom prst="rect">
+            <a:avLst/>
+          </a:prstGeom>
+          <a:noFill/>
+        </p:spPr>
+        <p:txBody>
+          <a:bodyPr wrap="square">
+            <a:spAutoFit/>
+          </a:bodyPr>
+          <a:lstStyle/>
+          <a:p>
+            <a:r>
+              <a:rPr lang="en-GB" dirty="0"/>
+              <a:t>https://github.com/luw6256/Kapitel-12</a:t>
+            </a:r>
           </a:p>
         </p:txBody>
       </p:sp>
     </p:spTree>
+    <p:extLst>
+      <p:ext uri="{BB962C8B-B14F-4D97-AF65-F5344CB8AC3E}">
+        <p14:creationId xmlns:p14="http://schemas.microsoft.com/office/powerpoint/2010/main" val="2325429668"/>
+      </p:ext>
+    </p:extLst>
   </p:cSld>
   <p:clrMapOvr>
     <a:masterClrMapping/>
@@ -5307,6 +5906,7 @@
           <a:bodyPr/>
           <a:lstStyle/>
           <a:p>
+            <a:pPr algn="ctr"/>
             <a:r>
               <a:rPr lang="de-DE" err="1"/>
               <a:t>Deployment</a:t>
@@ -5340,15 +5940,15 @@
               <a:defRPr sz="2000"/>
             </a:pPr>
             <a:r>
-              <a:rPr lang="de-DE"/>
+              <a:rPr lang="de-DE" sz="2400"/>
               <a:t>Bereitstellung von Software ( </a:t>
             </a:r>
             <a:r>
-              <a:rPr lang="de-DE" err="1"/>
+              <a:rPr lang="de-DE" sz="2400" err="1"/>
               <a:t>z.B</a:t>
             </a:r>
             <a:r>
-              <a:rPr lang="de-DE"/>
+              <a:rPr lang="de-DE" sz="2400"/>
               <a:t> API, Updates, Bugfixes)</a:t>
             </a:r>
           </a:p>
@@ -5357,7 +5957,7 @@
               <a:defRPr sz="2000"/>
             </a:pPr>
             <a:r>
-              <a:rPr lang="de-DE"/>
+              <a:rPr lang="de-DE" sz="2400"/>
               <a:t>Unterscheidung: Entwicklung vs. Produktivcode</a:t>
             </a:r>
           </a:p>
@@ -5366,7 +5966,7 @@
               <a:defRPr sz="2000"/>
             </a:pPr>
             <a:r>
-              <a:rPr lang="de-DE"/>
+              <a:rPr lang="de-DE" sz="2400"/>
               <a:t>Ziel: Funktionsfähiger, getesteter Code </a:t>
             </a:r>
           </a:p>
@@ -5375,41 +5975,51 @@
               <a:defRPr sz="2000"/>
             </a:pPr>
             <a:r>
-              <a:rPr lang="de-DE"/>
-              <a:t>Umgebung: 	- </a:t>
-            </a:r>
-            <a:r>
-              <a:rPr lang="de-DE" err="1"/>
-              <a:t>Testing</a:t>
-            </a:r>
-            <a:r>
-              <a:rPr lang="de-DE"/>
-              <a:t>/</a:t>
-            </a:r>
-            <a:r>
-              <a:rPr lang="de-DE" err="1"/>
-              <a:t>Staging</a:t>
-            </a:r>
-            <a:r>
-              <a:rPr lang="de-DE"/>
-              <a:t>: Isolierte Testumgebung</a:t>
-            </a:r>
-          </a:p>
-          <a:p>
-            <a:pPr marL="1828800" lvl="4" indent="0">
+              <a:rPr lang="de-DE" sz="2400"/>
+              <a:t>Umgebung: 	</a:t>
+            </a:r>
+          </a:p>
+          <a:p>
+            <a:pPr marL="0" indent="0">
               <a:buNone/>
               <a:defRPr sz="2000"/>
             </a:pPr>
             <a:r>
-              <a:rPr lang="de-DE"/>
-              <a:t>- </a:t>
-            </a:r>
-            <a:r>
-              <a:rPr lang="de-DE" err="1"/>
+              <a:rPr lang="de-DE" sz="2400"/>
+              <a:t>	- </a:t>
+            </a:r>
+            <a:r>
+              <a:rPr lang="de-DE" sz="2400" err="1"/>
+              <a:t>Testing</a:t>
+            </a:r>
+            <a:r>
+              <a:rPr lang="de-DE" sz="2400"/>
+              <a:t>/</a:t>
+            </a:r>
+            <a:r>
+              <a:rPr lang="de-DE" sz="2400" err="1"/>
+              <a:t>Staging</a:t>
+            </a:r>
+            <a:r>
+              <a:rPr lang="de-DE" sz="2400"/>
+              <a:t>: Isolierte Testumgebung</a:t>
+            </a:r>
+          </a:p>
+          <a:p>
+            <a:pPr marL="0" indent="0">
+              <a:buNone/>
+              <a:defRPr sz="2000"/>
+            </a:pPr>
+            <a:r>
+              <a:rPr lang="de-DE" sz="2400"/>
+              <a:t>	- </a:t>
+            </a:r>
+            <a:r>
+              <a:rPr lang="de-DE" sz="2400" err="1"/>
               <a:t>Production</a:t>
             </a:r>
             <a:r>
-              <a:rPr lang="de-DE"/>
+              <a:rPr lang="de-DE" sz="2400"/>
               <a:t>: Live-System für Nutzer</a:t>
             </a:r>
           </a:p>
@@ -5418,6 +6028,41 @@
               <a:buNone/>
             </a:pPr>
             <a:endParaRPr lang="de-DE"/>
+          </a:p>
+        </p:txBody>
+      </p:sp>
+      <p:sp>
+        <p:nvSpPr>
+          <p:cNvPr id="4" name="Textfeld 3">
+            <a:extLst>
+              <a:ext uri="{FF2B5EF4-FFF2-40B4-BE49-F238E27FC236}">
+                <a16:creationId xmlns:a16="http://schemas.microsoft.com/office/drawing/2014/main" id="{9E507361-A29F-FCD4-6266-8C7256480D06}"/>
+              </a:ext>
+            </a:extLst>
+          </p:cNvPr>
+          <p:cNvSpPr txBox="1"/>
+          <p:nvPr/>
+        </p:nvSpPr>
+        <p:spPr>
+          <a:xfrm>
+            <a:off x="2176272" y="6222230"/>
+            <a:ext cx="4572000" cy="369332"/>
+          </a:xfrm>
+          <a:prstGeom prst="rect">
+            <a:avLst/>
+          </a:prstGeom>
+          <a:noFill/>
+        </p:spPr>
+        <p:txBody>
+          <a:bodyPr wrap="square">
+            <a:spAutoFit/>
+          </a:bodyPr>
+          <a:lstStyle/>
+          <a:p>
+            <a:r>
+              <a:rPr lang="en-GB" dirty="0"/>
+              <a:t>https://github.com/luw6256/Kapitel-12</a:t>
+            </a:r>
           </a:p>
         </p:txBody>
       </p:sp>
@@ -5466,8 +6111,13 @@
           <a:bodyPr/>
           <a:lstStyle/>
           <a:p>
-            <a:r>
-              <a:t>CI/CD – Überblick</a:t>
+            <a:pPr algn="ctr"/>
+            <a:r>
+              <a:t>Pre-Commit Hooks – </a:t>
+            </a:r>
+            <a:r>
+              <a:rPr err="1"/>
+              <a:t>Konzept</a:t>
             </a:r>
           </a:p>
         </p:txBody>
@@ -5485,468 +6135,68 @@
         <p:spPr/>
         <p:txBody>
           <a:bodyPr vert="horz" lIns="91440" tIns="45720" rIns="91440" bIns="45720" rtlCol="0" anchor="t">
-            <a:noAutofit/>
+            <a:normAutofit/>
           </a:bodyPr>
           <a:lstStyle/>
           <a:p>
+            <a:endParaRPr/>
+          </a:p>
+          <a:p>
             <a:pPr>
-              <a:defRPr sz="1800"/>
+              <a:defRPr sz="2000"/>
             </a:pPr>
             <a:r>
-              <a:rPr lang="de-DE" sz="1600" dirty="0">
-                <a:latin typeface="Aptos"/>
-                <a:cs typeface="Arial"/>
-              </a:rPr>
-              <a:t>CI/CD  – Automatisierung im Überblick:</a:t>
-            </a:r>
-          </a:p>
-          <a:p>
-            <a:pPr marL="0" indent="0">
-              <a:buNone/>
-              <a:defRPr sz="1800"/>
+              <a:rPr lang="de-DE"/>
+              <a:t>testet vor dem </a:t>
+            </a:r>
+            <a:r>
+              <a:rPr lang="de-DE" err="1"/>
+              <a:t>commit</a:t>
+            </a:r>
+            <a:r>
+              <a:rPr lang="de-DE"/>
+              <a:t> </a:t>
+            </a:r>
+            <a:endParaRPr/>
+          </a:p>
+          <a:p>
+            <a:pPr>
+              <a:defRPr sz="2000"/>
             </a:pPr>
             <a:r>
-              <a:rPr lang="de-DE" sz="1600" dirty="0">
-                <a:latin typeface="Aptos"/>
-                <a:cs typeface="Arial"/>
-              </a:rPr>
-              <a:t>	 – CI (</a:t>
-            </a:r>
-            <a:r>
-              <a:rPr lang="de-DE" sz="1600" err="1">
-                <a:latin typeface="Aptos"/>
-                <a:cs typeface="Arial"/>
-              </a:rPr>
-              <a:t>Continuous</a:t>
-            </a:r>
-            <a:r>
-              <a:rPr lang="de-DE" sz="1600" dirty="0">
-                <a:latin typeface="Aptos"/>
-                <a:cs typeface="Arial"/>
-              </a:rPr>
-              <a:t> Integration): </a:t>
-            </a:r>
-            <a:r>
-              <a:rPr lang="de-DE" sz="1600" err="1">
-                <a:latin typeface="Aptos"/>
-                <a:cs typeface="Arial"/>
-              </a:rPr>
-              <a:t>Build</a:t>
-            </a:r>
-            <a:r>
-              <a:rPr lang="de-DE" sz="1600" dirty="0">
-                <a:latin typeface="Aptos"/>
-                <a:cs typeface="Arial"/>
-              </a:rPr>
-              <a:t> &amp; Test bei jedem Commit</a:t>
-            </a:r>
-            <a:endParaRPr lang="de-DE" sz="1600">
-              <a:latin typeface="Aptos"/>
+              <a:rPr err="1"/>
+              <a:t>Frühe</a:t>
+            </a:r>
+            <a:r>
+              <a:t> </a:t>
+            </a:r>
+            <a:r>
+              <a:rPr err="1"/>
+              <a:t>Fehlererkennung</a:t>
+            </a:r>
+            <a:r>
+              <a:t> </a:t>
+            </a:r>
+            <a:r>
+              <a:rPr err="1"/>
+              <a:t>im</a:t>
+            </a:r>
+            <a:r>
+              <a:t> Workflow</a:t>
+            </a:r>
+            <a:endParaRPr>
               <a:ea typeface="Calibri"/>
               <a:cs typeface="Calibri"/>
             </a:endParaRPr>
           </a:p>
           <a:p>
-            <a:pPr marL="0" indent="0">
-              <a:buNone/>
-              <a:defRPr sz="1800"/>
-            </a:pPr>
-            <a:r>
-              <a:rPr lang="de-DE" sz="1600" dirty="0">
-                <a:latin typeface="Aptos"/>
-                <a:cs typeface="Arial"/>
-              </a:rPr>
-              <a:t>  		 – CD (</a:t>
-            </a:r>
-            <a:r>
-              <a:rPr lang="de-DE" sz="1600" err="1">
-                <a:latin typeface="Aptos"/>
-                <a:cs typeface="Arial"/>
-              </a:rPr>
-              <a:t>Delivery</a:t>
-            </a:r>
-            <a:r>
-              <a:rPr lang="de-DE" sz="1600" dirty="0">
-                <a:latin typeface="Aptos"/>
-                <a:cs typeface="Arial"/>
-              </a:rPr>
-              <a:t>): Manuelle Freigabe nach Tests</a:t>
-            </a:r>
-            <a:endParaRPr lang="de-DE" sz="1600">
-              <a:latin typeface="Aptos"/>
-              <a:ea typeface="Calibri"/>
-              <a:cs typeface="Calibri"/>
-            </a:endParaRPr>
-          </a:p>
-          <a:p>
-            <a:pPr marL="0" indent="0">
-              <a:buNone/>
-              <a:defRPr sz="1800"/>
-            </a:pPr>
-            <a:r>
-              <a:rPr lang="de-DE" sz="1600" dirty="0">
-                <a:latin typeface="Aptos"/>
-                <a:cs typeface="Arial"/>
-              </a:rPr>
-              <a:t>                 – CD (</a:t>
-            </a:r>
-            <a:r>
-              <a:rPr lang="de-DE" sz="1600" err="1">
-                <a:latin typeface="Aptos"/>
-                <a:cs typeface="Arial"/>
-              </a:rPr>
-              <a:t>Deployment</a:t>
-            </a:r>
-            <a:r>
-              <a:rPr lang="de-DE" sz="1600" dirty="0">
-                <a:latin typeface="Aptos"/>
-                <a:cs typeface="Arial"/>
-              </a:rPr>
-              <a:t>): Vollautomatischer Integration</a:t>
-            </a:r>
-            <a:endParaRPr lang="de-DE" sz="1600">
-              <a:latin typeface="Aptos"/>
-              <a:ea typeface="Calibri"/>
-              <a:cs typeface="Calibri"/>
-            </a:endParaRPr>
-          </a:p>
-          <a:p>
-            <a:pPr>
-              <a:defRPr sz="1800"/>
-            </a:pPr>
-            <a:endParaRPr lang="de-DE" sz="1600" dirty="0">
-              <a:latin typeface="Aptos"/>
-              <a:cs typeface="Arial"/>
-            </a:endParaRPr>
-          </a:p>
-          <a:p>
-            <a:pPr>
-              <a:defRPr sz="1800"/>
-            </a:pPr>
-            <a:r>
-              <a:rPr lang="de-DE" sz="1600" dirty="0">
-                <a:latin typeface="Aptos"/>
-                <a:cs typeface="Arial"/>
-              </a:rPr>
-              <a:t> Voraussetzungen &amp; Tools:</a:t>
-            </a:r>
-            <a:endParaRPr lang="de-DE" sz="1600">
-              <a:latin typeface="Aptos"/>
-              <a:ea typeface="Calibri"/>
-              <a:cs typeface="Calibri"/>
-            </a:endParaRPr>
-          </a:p>
-          <a:p>
-            <a:pPr marL="0" indent="0">
-              <a:buNone/>
-              <a:defRPr sz="1800"/>
-            </a:pPr>
-            <a:r>
-              <a:rPr lang="de-DE" sz="1600" dirty="0">
-                <a:latin typeface="Aptos"/>
-                <a:cs typeface="Arial"/>
-              </a:rPr>
-              <a:t>		– Version Control (z. B. </a:t>
-            </a:r>
-            <a:r>
-              <a:rPr lang="de-DE" sz="1600" err="1">
-                <a:latin typeface="Aptos"/>
-                <a:cs typeface="Arial"/>
-              </a:rPr>
-              <a:t>Git</a:t>
-            </a:r>
-            <a:r>
-              <a:rPr lang="de-DE" sz="1600" dirty="0">
-                <a:latin typeface="Aptos"/>
-                <a:cs typeface="Arial"/>
-              </a:rPr>
-              <a:t>)</a:t>
-            </a:r>
-            <a:endParaRPr lang="de-DE" sz="1600">
-              <a:latin typeface="Aptos"/>
-              <a:ea typeface="Calibri"/>
-              <a:cs typeface="Calibri"/>
-            </a:endParaRPr>
-          </a:p>
-          <a:p>
-            <a:pPr marL="0" indent="0">
-              <a:buNone/>
-              <a:defRPr sz="1800"/>
-            </a:pPr>
-            <a:r>
-              <a:rPr lang="de-DE" sz="1600" dirty="0">
-                <a:latin typeface="Aptos"/>
-                <a:cs typeface="Arial"/>
-              </a:rPr>
-              <a:t>		– Gute Testabdeckung</a:t>
-            </a:r>
-            <a:endParaRPr lang="de-DE" sz="1600">
-              <a:latin typeface="Aptos"/>
-              <a:ea typeface="Calibri"/>
-              <a:cs typeface="Calibri"/>
-            </a:endParaRPr>
-          </a:p>
-          <a:p>
-            <a:pPr marL="0" indent="0">
-              <a:buNone/>
-              <a:defRPr sz="1800"/>
-            </a:pPr>
-            <a:r>
-              <a:rPr lang="de-DE" sz="1600" dirty="0">
-                <a:latin typeface="Aptos"/>
-                <a:cs typeface="Arial"/>
-              </a:rPr>
-              <a:t>		– Teamabstimmung auf Automatisierung</a:t>
-            </a:r>
-            <a:endParaRPr lang="de-DE" sz="1600">
-              <a:latin typeface="Aptos"/>
-              <a:ea typeface="Calibri"/>
-              <a:cs typeface="Calibri"/>
-            </a:endParaRPr>
-          </a:p>
-          <a:p>
-            <a:pPr marL="0" indent="0">
-              <a:buNone/>
-              <a:defRPr sz="1800"/>
-            </a:pPr>
-            <a:r>
-              <a:rPr lang="de-DE" sz="1600" dirty="0">
-                <a:latin typeface="Aptos"/>
-                <a:cs typeface="Arial"/>
-              </a:rPr>
-              <a:t>		– Tools: Jenkins, Travis CI, </a:t>
-            </a:r>
-            <a:r>
-              <a:rPr lang="de-DE" sz="1600" err="1">
-                <a:latin typeface="Aptos"/>
-                <a:cs typeface="Arial"/>
-              </a:rPr>
-              <a:t>CircleCI</a:t>
-            </a:r>
-            <a:r>
-              <a:rPr lang="de-DE" sz="1600" dirty="0">
-                <a:latin typeface="Aptos"/>
-                <a:cs typeface="Arial"/>
-              </a:rPr>
-              <a:t>, GitHub Actions</a:t>
-            </a:r>
-            <a:endParaRPr lang="de-DE" sz="1600">
-              <a:latin typeface="Aptos"/>
-              <a:ea typeface="Calibri"/>
-              <a:cs typeface="Calibri"/>
-            </a:endParaRPr>
-          </a:p>
-          <a:p>
-            <a:pPr>
-              <a:defRPr sz="1800"/>
-            </a:pPr>
-            <a:endParaRPr lang="de-DE" sz="1600" dirty="0">
-              <a:latin typeface="Aptos"/>
-              <a:cs typeface="Arial"/>
-            </a:endParaRPr>
-          </a:p>
-          <a:p>
-            <a:pPr>
-              <a:defRPr sz="1800"/>
-            </a:pPr>
-            <a:r>
-              <a:rPr lang="de-DE" sz="1600" dirty="0">
-                <a:latin typeface="Aptos"/>
-                <a:cs typeface="Arial"/>
-              </a:rPr>
-              <a:t>CI/CD in </a:t>
-            </a:r>
-            <a:r>
-              <a:rPr lang="de-DE" sz="1600" err="1">
-                <a:latin typeface="Aptos"/>
-                <a:cs typeface="Arial"/>
-              </a:rPr>
-              <a:t>Machine</a:t>
-            </a:r>
-            <a:r>
-              <a:rPr lang="de-DE" sz="1600" dirty="0">
-                <a:latin typeface="Aptos"/>
-                <a:cs typeface="Arial"/>
-              </a:rPr>
-              <a:t> Learning:</a:t>
-            </a:r>
-            <a:endParaRPr lang="de-DE" sz="1600">
-              <a:latin typeface="Aptos"/>
-              <a:ea typeface="Calibri"/>
-              <a:cs typeface="Calibri"/>
-            </a:endParaRPr>
-          </a:p>
-          <a:p>
-            <a:pPr marL="0" indent="0">
-              <a:buNone/>
-              <a:defRPr sz="1800"/>
-            </a:pPr>
-            <a:r>
-              <a:rPr lang="de-DE" sz="1600" dirty="0">
-                <a:latin typeface="Aptos"/>
-                <a:cs typeface="Arial"/>
-              </a:rPr>
-              <a:t>		– Trigger: Neue Daten / Leistungsabfall</a:t>
-            </a:r>
-            <a:endParaRPr lang="de-DE" sz="1600">
-              <a:latin typeface="Aptos"/>
-              <a:ea typeface="Calibri"/>
-              <a:cs typeface="Calibri"/>
-            </a:endParaRPr>
-          </a:p>
-          <a:p>
-            <a:pPr marL="0" indent="0">
-              <a:buNone/>
-              <a:defRPr sz="1800"/>
-            </a:pPr>
-            <a:r>
-              <a:rPr lang="de-DE" sz="1600" dirty="0">
-                <a:latin typeface="Aptos"/>
-                <a:cs typeface="Arial"/>
-              </a:rPr>
-              <a:t>		– kann u.a. die KI neu trainieren  </a:t>
-            </a:r>
-            <a:endParaRPr lang="de-DE" sz="1800">
-              <a:latin typeface="Aptos"/>
-              <a:ea typeface="Calibri"/>
-              <a:cs typeface="Calibri"/>
-            </a:endParaRPr>
-          </a:p>
-          <a:p>
-            <a:endParaRPr/>
-          </a:p>
-        </p:txBody>
-      </p:sp>
-    </p:spTree>
-  </p:cSld>
-  <p:clrMapOvr>
-    <a:masterClrMapping/>
-  </p:clrMapOvr>
-</p:sld>
-</file>
-
-<file path=ppt/slides/slide5.xml><?xml version="1.0" encoding="utf-8"?>
-<p:sld xmlns:a="http://schemas.openxmlformats.org/drawingml/2006/main" xmlns:r="http://schemas.openxmlformats.org/officeDocument/2006/relationships" xmlns:p="http://schemas.openxmlformats.org/presentationml/2006/main">
-  <p:cSld>
-    <p:spTree>
-      <p:nvGrpSpPr>
-        <p:cNvPr id="1" name=""/>
-        <p:cNvGrpSpPr/>
-        <p:nvPr/>
-      </p:nvGrpSpPr>
-      <p:grpSpPr>
-        <a:xfrm>
-          <a:off x="0" y="0"/>
-          <a:ext cx="0" cy="0"/>
-          <a:chOff x="0" y="0"/>
-          <a:chExt cx="0" cy="0"/>
-        </a:xfrm>
-      </p:grpSpPr>
-      <p:sp>
-        <p:nvSpPr>
-          <p:cNvPr id="2" name="Title 1"/>
-          <p:cNvSpPr>
-            <a:spLocks noGrp="1"/>
-          </p:cNvSpPr>
-          <p:nvPr>
-            <p:ph type="title"/>
-          </p:nvPr>
-        </p:nvSpPr>
-        <p:spPr/>
-        <p:txBody>
-          <a:bodyPr/>
-          <a:lstStyle/>
-          <a:p>
-            <a:r>
-              <a:rPr dirty="0"/>
-              <a:t>Pre-Commit Hooks – </a:t>
-            </a:r>
-            <a:r>
-              <a:rPr dirty="0" err="1"/>
-              <a:t>Konzept</a:t>
-            </a:r>
-          </a:p>
-        </p:txBody>
-      </p:sp>
-      <p:sp>
-        <p:nvSpPr>
-          <p:cNvPr id="3" name="Content Placeholder 2"/>
-          <p:cNvSpPr>
-            <a:spLocks noGrp="1"/>
-          </p:cNvSpPr>
-          <p:nvPr>
-            <p:ph idx="1"/>
-          </p:nvPr>
-        </p:nvSpPr>
-        <p:spPr/>
-        <p:txBody>
-          <a:bodyPr vert="horz" lIns="91440" tIns="45720" rIns="91440" bIns="45720" rtlCol="0" anchor="t">
-            <a:normAutofit/>
-          </a:bodyPr>
-          <a:lstStyle/>
-          <a:p>
-            <a:endParaRPr/>
-          </a:p>
-          <a:p>
             <a:pPr>
               <a:defRPr sz="2000"/>
             </a:pPr>
             <a:r>
-              <a:rPr lang="de-DE" dirty="0"/>
-              <a:t>testet vor dem </a:t>
-            </a:r>
-            <a:r>
-              <a:rPr lang="de-DE" dirty="0" err="1"/>
-              <a:t>commit</a:t>
-            </a:r>
-            <a:r>
-              <a:rPr lang="de-DE" dirty="0"/>
-              <a:t> </a:t>
-            </a:r>
-            <a:endParaRPr dirty="0"/>
-          </a:p>
-          <a:p>
-            <a:pPr>
-              <a:defRPr sz="2000"/>
-            </a:pPr>
-            <a:r>
-              <a:rPr dirty="0" err="1"/>
-              <a:t>Frühe</a:t>
-            </a:r>
-            <a:r>
-              <a:rPr dirty="0"/>
-              <a:t> </a:t>
-            </a:r>
-            <a:r>
-              <a:rPr dirty="0" err="1"/>
-              <a:t>Fehlererkennung</a:t>
-            </a:r>
-            <a:r>
-              <a:rPr dirty="0"/>
-              <a:t> </a:t>
-            </a:r>
-            <a:r>
-              <a:rPr dirty="0" err="1"/>
-              <a:t>im</a:t>
-            </a:r>
-            <a:r>
-              <a:rPr dirty="0"/>
-              <a:t> Workflow</a:t>
-            </a:r>
-            <a:endParaRPr dirty="0">
-              <a:ea typeface="Calibri"/>
-              <a:cs typeface="Calibri"/>
-            </a:endParaRPr>
-          </a:p>
-          <a:p>
-            <a:pPr>
-              <a:defRPr sz="2000"/>
-            </a:pPr>
-            <a:r>
-              <a:rPr dirty="0"/>
               <a:t>Nützlich für kleinere Projekte</a:t>
             </a:r>
-            <a:endParaRPr lang="de-DE" dirty="0"/>
+            <a:endParaRPr lang="de-DE"/>
           </a:p>
           <a:p>
             <a:pPr>
@@ -5965,18 +6215,18 @@
               <a:defRPr sz="2000"/>
             </a:pPr>
             <a:r>
-              <a:rPr lang="de-DE" dirty="0"/>
+              <a:rPr lang="de-DE"/>
               <a:t>Erstellung einer .</a:t>
             </a:r>
             <a:r>
-              <a:rPr lang="de-DE" dirty="0" err="1"/>
+              <a:rPr lang="de-DE" err="1"/>
               <a:t>yaml</a:t>
             </a:r>
             <a:r>
-              <a:rPr lang="de-DE" dirty="0"/>
+              <a:rPr lang="de-DE"/>
               <a:t> Datei</a:t>
             </a:r>
-            <a:endParaRPr lang="de-DE" dirty="0">
+            <a:endParaRPr lang="de-DE">
               <a:ea typeface="Calibri"/>
               <a:cs typeface="Calibri"/>
             </a:endParaRPr>
@@ -6005,7 +6255,7 @@
           <p:nvPr/>
         </p:nvPicPr>
         <p:blipFill>
-          <a:blip r:embed="rId2"/>
+          <a:blip r:embed="rId3"/>
           <a:stretch>
             <a:fillRect/>
           </a:stretch>
@@ -6035,7 +6285,7 @@
           <p:nvPr/>
         </p:nvPicPr>
         <p:blipFill>
-          <a:blip r:embed="rId3"/>
+          <a:blip r:embed="rId4"/>
           <a:stretch>
             <a:fillRect/>
           </a:stretch>
@@ -6050,6 +6300,41 @@
           </a:prstGeom>
         </p:spPr>
       </p:pic>
+      <p:sp>
+        <p:nvSpPr>
+          <p:cNvPr id="4" name="Textfeld 3">
+            <a:extLst>
+              <a:ext uri="{FF2B5EF4-FFF2-40B4-BE49-F238E27FC236}">
+                <a16:creationId xmlns:a16="http://schemas.microsoft.com/office/drawing/2014/main" id="{CBC18AB0-F679-C583-5FFA-933CD6BED27F}"/>
+              </a:ext>
+            </a:extLst>
+          </p:cNvPr>
+          <p:cNvSpPr txBox="1"/>
+          <p:nvPr/>
+        </p:nvSpPr>
+        <p:spPr>
+          <a:xfrm>
+            <a:off x="2176272" y="6222230"/>
+            <a:ext cx="4572000" cy="369332"/>
+          </a:xfrm>
+          <a:prstGeom prst="rect">
+            <a:avLst/>
+          </a:prstGeom>
+          <a:noFill/>
+        </p:spPr>
+        <p:txBody>
+          <a:bodyPr wrap="square">
+            <a:spAutoFit/>
+          </a:bodyPr>
+          <a:lstStyle/>
+          <a:p>
+            <a:r>
+              <a:rPr lang="en-GB" dirty="0"/>
+              <a:t>https://github.com/luw6256/Kapitel-12</a:t>
+            </a:r>
+          </a:p>
+        </p:txBody>
+      </p:sp>
     </p:spTree>
   </p:cSld>
   <p:clrMapOvr>
@@ -6058,8 +6343,8 @@
 </p:sld>
 </file>
 
-<file path=ppt/slides/slide6.xml><?xml version="1.0" encoding="utf-8"?>
-<p:sld xmlns:a="http://schemas.openxmlformats.org/drawingml/2006/main" xmlns:r="http://schemas.openxmlformats.org/officeDocument/2006/relationships" xmlns:p="http://schemas.openxmlformats.org/presentationml/2006/main" show="0">
+<file path=ppt/slides/slide5.xml><?xml version="1.0" encoding="utf-8"?>
+<p:sld xmlns:a="http://schemas.openxmlformats.org/drawingml/2006/main" xmlns:r="http://schemas.openxmlformats.org/officeDocument/2006/relationships" xmlns:p="http://schemas.openxmlformats.org/presentationml/2006/main">
   <p:cSld>
     <p:spTree>
       <p:nvGrpSpPr>
@@ -6091,11 +6376,17 @@
             <p:ph type="title"/>
           </p:nvPr>
         </p:nvSpPr>
-        <p:spPr/>
-        <p:txBody>
-          <a:bodyPr/>
-          <a:lstStyle/>
-          <a:p>
+        <p:spPr>
+          <a:xfrm>
+            <a:off x="628650" y="2766218"/>
+            <a:ext cx="7886700" cy="1325563"/>
+          </a:xfrm>
+        </p:spPr>
+        <p:txBody>
+          <a:bodyPr/>
+          <a:lstStyle/>
+          <a:p>
+            <a:pPr algn="ctr"/>
             <a:r>
               <a:rPr lang="de-DE"/>
               <a:t>Aufgabe 1</a:t>
@@ -6124,89 +6415,6 @@
           <a:bodyPr/>
           <a:lstStyle/>
           <a:p>
-            <a:r>
-              <a:rPr lang="de-DE"/>
-              <a:t>Black als Hook einrichten:</a:t>
-            </a:r>
-          </a:p>
-          <a:p>
-            <a:pPr marL="0" indent="0">
-              <a:buNone/>
-            </a:pPr>
-            <a:r>
-              <a:rPr lang="de-DE"/>
-              <a:t>	</a:t>
-            </a:r>
-            <a:r>
-              <a:rPr lang="de-DE" err="1"/>
-              <a:t>pip</a:t>
-            </a:r>
-            <a:r>
-              <a:rPr lang="de-DE"/>
-              <a:t> </a:t>
-            </a:r>
-            <a:r>
-              <a:rPr lang="de-DE" err="1"/>
-              <a:t>install</a:t>
-            </a:r>
-            <a:r>
-              <a:rPr lang="de-DE"/>
-              <a:t> </a:t>
-            </a:r>
-            <a:r>
-              <a:rPr lang="de-DE" err="1"/>
-              <a:t>black</a:t>
-            </a:r>
-            <a:endParaRPr lang="de-DE"/>
-          </a:p>
-          <a:p>
-            <a:pPr marL="0" indent="0">
-              <a:buNone/>
-            </a:pPr>
-            <a:r>
-              <a:rPr lang="de-DE"/>
-              <a:t>	</a:t>
-            </a:r>
-            <a:r>
-              <a:rPr lang="de-DE" err="1"/>
-              <a:t>pip</a:t>
-            </a:r>
-            <a:r>
-              <a:rPr lang="de-DE"/>
-              <a:t> </a:t>
-            </a:r>
-            <a:r>
-              <a:rPr lang="de-DE" err="1"/>
-              <a:t>install</a:t>
-            </a:r>
-            <a:r>
-              <a:rPr lang="de-DE"/>
-              <a:t> </a:t>
-            </a:r>
-            <a:r>
-              <a:rPr lang="de-DE" err="1"/>
-              <a:t>pre-commit</a:t>
-            </a:r>
-            <a:endParaRPr lang="de-DE"/>
-          </a:p>
-          <a:p>
-            <a:pPr marL="0" indent="0">
-              <a:buNone/>
-            </a:pPr>
-            <a:r>
-              <a:rPr lang="de-DE"/>
-              <a:t>	.</a:t>
-            </a:r>
-            <a:r>
-              <a:rPr lang="de-DE" err="1"/>
-              <a:t>pre-commit-config.yaml</a:t>
-            </a:r>
-            <a:r>
-              <a:rPr lang="de-DE"/>
-              <a:t> erstellen</a:t>
-            </a:r>
-          </a:p>
-          <a:p>
             <a:pPr marL="0" indent="0">
               <a:buNone/>
             </a:pPr>
@@ -6217,6 +6425,41 @@
               <a:buNone/>
             </a:pPr>
             <a:endParaRPr lang="de-DE"/>
+          </a:p>
+        </p:txBody>
+      </p:sp>
+      <p:sp>
+        <p:nvSpPr>
+          <p:cNvPr id="4" name="Textfeld 3">
+            <a:extLst>
+              <a:ext uri="{FF2B5EF4-FFF2-40B4-BE49-F238E27FC236}">
+                <a16:creationId xmlns:a16="http://schemas.microsoft.com/office/drawing/2014/main" id="{3FF94E6D-BF7C-2022-1BEF-F8020D244640}"/>
+              </a:ext>
+            </a:extLst>
+          </p:cNvPr>
+          <p:cNvSpPr txBox="1"/>
+          <p:nvPr/>
+        </p:nvSpPr>
+        <p:spPr>
+          <a:xfrm>
+            <a:off x="2176272" y="6222230"/>
+            <a:ext cx="4572000" cy="369332"/>
+          </a:xfrm>
+          <a:prstGeom prst="rect">
+            <a:avLst/>
+          </a:prstGeom>
+          <a:noFill/>
+        </p:spPr>
+        <p:txBody>
+          <a:bodyPr wrap="square">
+            <a:spAutoFit/>
+          </a:bodyPr>
+          <a:lstStyle/>
+          <a:p>
+            <a:r>
+              <a:rPr lang="en-GB" dirty="0"/>
+              <a:t>https://github.com/luw6256/Kapitel-12</a:t>
+            </a:r>
           </a:p>
         </p:txBody>
       </p:sp>
@@ -6226,6 +6469,405 @@
         <p14:creationId xmlns:p14="http://schemas.microsoft.com/office/powerpoint/2010/main" val="917705087"/>
       </p:ext>
     </p:extLst>
+  </p:cSld>
+  <p:clrMapOvr>
+    <a:masterClrMapping/>
+  </p:clrMapOvr>
+</p:sld>
+</file>
+
+<file path=ppt/slides/slide6.xml><?xml version="1.0" encoding="utf-8"?>
+<p:sld xmlns:a="http://schemas.openxmlformats.org/drawingml/2006/main" xmlns:r="http://schemas.openxmlformats.org/officeDocument/2006/relationships" xmlns:p="http://schemas.openxmlformats.org/presentationml/2006/main">
+  <p:cSld>
+    <p:spTree>
+      <p:nvGrpSpPr>
+        <p:cNvPr id="1" name=""/>
+        <p:cNvGrpSpPr/>
+        <p:nvPr/>
+      </p:nvGrpSpPr>
+      <p:grpSpPr>
+        <a:xfrm>
+          <a:off x="0" y="0"/>
+          <a:ext cx="0" cy="0"/>
+          <a:chOff x="0" y="0"/>
+          <a:chExt cx="0" cy="0"/>
+        </a:xfrm>
+      </p:grpSpPr>
+      <p:sp>
+        <p:nvSpPr>
+          <p:cNvPr id="2" name="Title 1"/>
+          <p:cNvSpPr>
+            <a:spLocks noGrp="1"/>
+          </p:cNvSpPr>
+          <p:nvPr>
+            <p:ph type="title"/>
+          </p:nvPr>
+        </p:nvSpPr>
+        <p:spPr/>
+        <p:txBody>
+          <a:bodyPr/>
+          <a:lstStyle/>
+          <a:p>
+            <a:pPr algn="ctr"/>
+            <a:r>
+              <a:t>CI/CD – </a:t>
+            </a:r>
+            <a:r>
+              <a:rPr err="1"/>
+              <a:t>Überblick</a:t>
+            </a:r>
+            <a:endParaRPr/>
+          </a:p>
+        </p:txBody>
+      </p:sp>
+      <p:sp>
+        <p:nvSpPr>
+          <p:cNvPr id="3" name="Content Placeholder 2"/>
+          <p:cNvSpPr>
+            <a:spLocks noGrp="1"/>
+          </p:cNvSpPr>
+          <p:nvPr>
+            <p:ph idx="1"/>
+          </p:nvPr>
+        </p:nvSpPr>
+        <p:spPr/>
+        <p:txBody>
+          <a:bodyPr vert="horz" lIns="91440" tIns="45720" rIns="91440" bIns="45720" rtlCol="0" anchor="t">
+            <a:noAutofit/>
+          </a:bodyPr>
+          <a:lstStyle/>
+          <a:p>
+            <a:pPr>
+              <a:defRPr sz="1800"/>
+            </a:pPr>
+            <a:r>
+              <a:rPr lang="de-DE" sz="1600">
+                <a:latin typeface="Aptos"/>
+                <a:cs typeface="Arial"/>
+              </a:rPr>
+              <a:t>CI/CD Automatisierung im Überblick:</a:t>
+            </a:r>
+          </a:p>
+          <a:p>
+            <a:pPr marL="0" indent="0">
+              <a:buNone/>
+              <a:defRPr sz="1800"/>
+            </a:pPr>
+            <a:r>
+              <a:rPr lang="de-DE" sz="1600">
+                <a:latin typeface="Aptos"/>
+                <a:cs typeface="Arial"/>
+              </a:rPr>
+              <a:t>	– CI (</a:t>
+            </a:r>
+            <a:r>
+              <a:rPr lang="de-DE" sz="1600" err="1">
+                <a:latin typeface="Aptos"/>
+                <a:cs typeface="Arial"/>
+              </a:rPr>
+              <a:t>Continuous</a:t>
+            </a:r>
+            <a:r>
+              <a:rPr lang="de-DE" sz="1600">
+                <a:latin typeface="Aptos"/>
+                <a:cs typeface="Arial"/>
+              </a:rPr>
+              <a:t> Integration): </a:t>
+            </a:r>
+            <a:r>
+              <a:rPr lang="de-DE" sz="1600" err="1">
+                <a:latin typeface="Aptos"/>
+                <a:cs typeface="Arial"/>
+              </a:rPr>
+              <a:t>Build</a:t>
+            </a:r>
+            <a:r>
+              <a:rPr lang="de-DE" sz="1600">
+                <a:latin typeface="Aptos"/>
+                <a:cs typeface="Arial"/>
+              </a:rPr>
+              <a:t> &amp; Test bei jedem Commit</a:t>
+            </a:r>
+            <a:endParaRPr lang="de-DE" sz="1600">
+              <a:latin typeface="Aptos"/>
+              <a:ea typeface="Calibri"/>
+              <a:cs typeface="Calibri"/>
+            </a:endParaRPr>
+          </a:p>
+          <a:p>
+            <a:pPr marL="0" indent="0">
+              <a:buNone/>
+              <a:defRPr sz="1800"/>
+            </a:pPr>
+            <a:r>
+              <a:rPr lang="de-DE" sz="1600">
+                <a:latin typeface="Aptos"/>
+                <a:cs typeface="Arial"/>
+              </a:rPr>
+              <a:t>  	– CD (</a:t>
+            </a:r>
+            <a:r>
+              <a:rPr lang="de-DE" sz="1600" err="1">
+                <a:latin typeface="Aptos"/>
+                <a:cs typeface="Arial"/>
+              </a:rPr>
+              <a:t>Delivery</a:t>
+            </a:r>
+            <a:r>
+              <a:rPr lang="de-DE" sz="1600">
+                <a:latin typeface="Aptos"/>
+                <a:cs typeface="Arial"/>
+              </a:rPr>
+              <a:t>): Manuelle Freigabe nach Tests</a:t>
+            </a:r>
+            <a:endParaRPr lang="de-DE" sz="1600">
+              <a:latin typeface="Aptos"/>
+              <a:ea typeface="Calibri"/>
+              <a:cs typeface="Calibri"/>
+            </a:endParaRPr>
+          </a:p>
+          <a:p>
+            <a:pPr marL="0" indent="0">
+              <a:buNone/>
+              <a:defRPr sz="1800"/>
+            </a:pPr>
+            <a:r>
+              <a:rPr lang="de-DE" sz="1600">
+                <a:latin typeface="Aptos"/>
+                <a:cs typeface="Arial"/>
+              </a:rPr>
+              <a:t>                 	– CD (</a:t>
+            </a:r>
+            <a:r>
+              <a:rPr lang="de-DE" sz="1600" err="1">
+                <a:latin typeface="Aptos"/>
+                <a:cs typeface="Arial"/>
+              </a:rPr>
+              <a:t>Deployment</a:t>
+            </a:r>
+            <a:r>
+              <a:rPr lang="de-DE" sz="1600">
+                <a:latin typeface="Aptos"/>
+                <a:cs typeface="Arial"/>
+              </a:rPr>
+              <a:t>): Vollautomatischer Integration</a:t>
+            </a:r>
+          </a:p>
+          <a:p>
+            <a:pPr>
+              <a:defRPr sz="1800"/>
+            </a:pPr>
+            <a:r>
+              <a:rPr lang="de-DE" sz="1600">
+                <a:latin typeface="Aptos"/>
+                <a:cs typeface="Arial"/>
+              </a:rPr>
+              <a:t> Voraussetzungen &amp; Tools:</a:t>
+            </a:r>
+            <a:endParaRPr lang="de-DE" sz="1600">
+              <a:latin typeface="Aptos"/>
+              <a:ea typeface="Calibri"/>
+              <a:cs typeface="Calibri"/>
+            </a:endParaRPr>
+          </a:p>
+          <a:p>
+            <a:pPr marL="0" indent="0">
+              <a:buNone/>
+              <a:defRPr sz="1800"/>
+            </a:pPr>
+            <a:r>
+              <a:rPr lang="de-DE" sz="1600">
+                <a:latin typeface="Aptos"/>
+                <a:cs typeface="Arial"/>
+              </a:rPr>
+              <a:t>	– Version Control (z. B. </a:t>
+            </a:r>
+            <a:r>
+              <a:rPr lang="de-DE" sz="1600" err="1">
+                <a:latin typeface="Aptos"/>
+                <a:cs typeface="Arial"/>
+              </a:rPr>
+              <a:t>Git</a:t>
+            </a:r>
+            <a:r>
+              <a:rPr lang="de-DE" sz="1600">
+                <a:latin typeface="Aptos"/>
+                <a:cs typeface="Arial"/>
+              </a:rPr>
+              <a:t>)</a:t>
+            </a:r>
+            <a:endParaRPr lang="de-DE" sz="1600">
+              <a:latin typeface="Aptos"/>
+              <a:ea typeface="Calibri"/>
+              <a:cs typeface="Calibri"/>
+            </a:endParaRPr>
+          </a:p>
+          <a:p>
+            <a:pPr marL="0" indent="0">
+              <a:buNone/>
+              <a:defRPr sz="1800"/>
+            </a:pPr>
+            <a:r>
+              <a:rPr lang="de-DE" sz="1600">
+                <a:latin typeface="Aptos"/>
+                <a:cs typeface="Arial"/>
+              </a:rPr>
+              <a:t>	– Gute Testabdeckung</a:t>
+            </a:r>
+            <a:endParaRPr lang="de-DE" sz="1600">
+              <a:latin typeface="Aptos"/>
+              <a:ea typeface="Calibri"/>
+              <a:cs typeface="Calibri"/>
+            </a:endParaRPr>
+          </a:p>
+          <a:p>
+            <a:pPr marL="0" indent="0">
+              <a:buNone/>
+              <a:defRPr sz="1800"/>
+            </a:pPr>
+            <a:r>
+              <a:rPr lang="de-DE" sz="1600">
+                <a:latin typeface="Aptos"/>
+                <a:cs typeface="Arial"/>
+              </a:rPr>
+              <a:t>	– Teamabstimmung auf Automatisierung		</a:t>
+            </a:r>
+          </a:p>
+          <a:p>
+            <a:pPr marL="0" indent="0">
+              <a:buNone/>
+              <a:defRPr sz="1800"/>
+            </a:pPr>
+            <a:r>
+              <a:rPr lang="de-DE" sz="1600">
+                <a:latin typeface="Aptos"/>
+                <a:cs typeface="Arial"/>
+              </a:rPr>
+              <a:t>	– Tools: Jenkins, Travis CI, </a:t>
+            </a:r>
+            <a:r>
+              <a:rPr lang="de-DE" sz="1600" err="1">
+                <a:latin typeface="Aptos"/>
+                <a:cs typeface="Arial"/>
+              </a:rPr>
+              <a:t>CircleCI</a:t>
+            </a:r>
+            <a:r>
+              <a:rPr lang="de-DE" sz="1600">
+                <a:latin typeface="Aptos"/>
+                <a:cs typeface="Arial"/>
+              </a:rPr>
+              <a:t>, GitHub Actions</a:t>
+            </a:r>
+          </a:p>
+          <a:p>
+            <a:pPr>
+              <a:defRPr sz="1800"/>
+            </a:pPr>
+            <a:r>
+              <a:rPr lang="de-DE" sz="1600">
+                <a:latin typeface="Aptos"/>
+                <a:cs typeface="Arial"/>
+              </a:rPr>
+              <a:t>CI/CD in </a:t>
+            </a:r>
+            <a:r>
+              <a:rPr lang="de-DE" sz="1600" err="1">
+                <a:latin typeface="Aptos"/>
+                <a:cs typeface="Arial"/>
+              </a:rPr>
+              <a:t>Machine</a:t>
+            </a:r>
+            <a:r>
+              <a:rPr lang="de-DE" sz="1600">
+                <a:latin typeface="Aptos"/>
+                <a:cs typeface="Arial"/>
+              </a:rPr>
+              <a:t> Learning:</a:t>
+            </a:r>
+            <a:endParaRPr lang="de-DE" sz="1600">
+              <a:latin typeface="Aptos"/>
+              <a:ea typeface="Calibri"/>
+              <a:cs typeface="Calibri"/>
+            </a:endParaRPr>
+          </a:p>
+          <a:p>
+            <a:pPr marL="0" indent="0">
+              <a:buNone/>
+              <a:defRPr sz="1800"/>
+            </a:pPr>
+            <a:r>
+              <a:rPr lang="de-DE" sz="1600">
+                <a:latin typeface="Aptos"/>
+                <a:cs typeface="Arial"/>
+              </a:rPr>
+              <a:t>	– Trigger: Neue Daten / Leistungsabfall</a:t>
+            </a:r>
+            <a:endParaRPr lang="de-DE" sz="1600">
+              <a:latin typeface="Aptos"/>
+              <a:ea typeface="Calibri"/>
+              <a:cs typeface="Calibri"/>
+            </a:endParaRPr>
+          </a:p>
+          <a:p>
+            <a:pPr marL="0" indent="0">
+              <a:buNone/>
+              <a:defRPr sz="1800"/>
+            </a:pPr>
+            <a:r>
+              <a:rPr lang="de-DE" sz="1600">
+                <a:latin typeface="Aptos"/>
+                <a:cs typeface="Arial"/>
+              </a:rPr>
+              <a:t>	– kann u.a. die KI neu trainieren  </a:t>
+            </a:r>
+            <a:endParaRPr lang="de-DE" sz="1800">
+              <a:latin typeface="Aptos"/>
+              <a:ea typeface="Calibri"/>
+              <a:cs typeface="Calibri"/>
+            </a:endParaRPr>
+          </a:p>
+          <a:p>
+            <a:endParaRPr/>
+          </a:p>
+        </p:txBody>
+      </p:sp>
+      <p:sp>
+        <p:nvSpPr>
+          <p:cNvPr id="4" name="Textfeld 3">
+            <a:extLst>
+              <a:ext uri="{FF2B5EF4-FFF2-40B4-BE49-F238E27FC236}">
+                <a16:creationId xmlns:a16="http://schemas.microsoft.com/office/drawing/2014/main" id="{EA7CA593-E467-498F-BA9D-523B4D916A10}"/>
+              </a:ext>
+            </a:extLst>
+          </p:cNvPr>
+          <p:cNvSpPr txBox="1"/>
+          <p:nvPr/>
+        </p:nvSpPr>
+        <p:spPr>
+          <a:xfrm>
+            <a:off x="2176272" y="6222230"/>
+            <a:ext cx="4572000" cy="369332"/>
+          </a:xfrm>
+          <a:prstGeom prst="rect">
+            <a:avLst/>
+          </a:prstGeom>
+          <a:noFill/>
+        </p:spPr>
+        <p:txBody>
+          <a:bodyPr wrap="square">
+            <a:spAutoFit/>
+          </a:bodyPr>
+          <a:lstStyle/>
+          <a:p>
+            <a:r>
+              <a:rPr lang="en-GB" dirty="0"/>
+              <a:t>https://github.com/luw6256/Kapitel-12</a:t>
+            </a:r>
+          </a:p>
+        </p:txBody>
+      </p:sp>
+    </p:spTree>
   </p:cSld>
   <p:clrMapOvr>
     <a:masterClrMapping/>
@@ -6265,6 +6907,7 @@
           <a:bodyPr/>
           <a:lstStyle/>
           <a:p>
+            <a:pPr algn="ctr"/>
             <a:r>
               <a:t>GitHub Actions</a:t>
             </a:r>
@@ -6295,91 +6938,91 @@
               <a:defRPr sz="2000"/>
             </a:pPr>
             <a:r>
-              <a:rPr lang="de-DE" dirty="0">
+              <a:rPr lang="de-DE" sz="2400">
                 <a:ea typeface="Calibri"/>
                 <a:cs typeface="Calibri"/>
               </a:rPr>
               <a:t>CI/CD findet über </a:t>
             </a:r>
             <a:r>
-              <a:rPr lang="de-DE" dirty="0" err="1">
+              <a:rPr lang="de-DE" sz="2400" err="1">
                 <a:ea typeface="Calibri"/>
                 <a:cs typeface="Calibri"/>
               </a:rPr>
               <a:t>github</a:t>
             </a:r>
             <a:r>
-              <a:rPr lang="de-DE" dirty="0">
+              <a:rPr lang="de-DE" sz="2400">
                 <a:ea typeface="Calibri"/>
                 <a:cs typeface="Calibri"/>
               </a:rPr>
               <a:t> </a:t>
             </a:r>
             <a:r>
-              <a:rPr lang="de-DE" dirty="0" err="1">
+              <a:rPr lang="de-DE" sz="2400" err="1">
                 <a:ea typeface="Calibri"/>
                 <a:cs typeface="Calibri"/>
               </a:rPr>
               <a:t>server</a:t>
             </a:r>
             <a:r>
-              <a:rPr lang="de-DE" dirty="0">
+              <a:rPr lang="de-DE" sz="2400">
                 <a:ea typeface="Calibri"/>
                 <a:cs typeface="Calibri"/>
               </a:rPr>
               <a:t> statt</a:t>
             </a:r>
-            <a:endParaRPr lang="de-DE" dirty="0"/>
+            <a:endParaRPr lang="de-DE" sz="2400"/>
           </a:p>
           <a:p>
             <a:pPr>
               <a:defRPr sz="2000"/>
             </a:pPr>
             <a:r>
-              <a:rPr lang="de-DE" dirty="0"/>
-              <a:t>wird wie</a:t>
-            </a:r>
-            <a:r>
-              <a:rPr dirty="0"/>
+              <a:rPr lang="de-DE" sz="2400"/>
+              <a:t>wie</a:t>
+            </a:r>
+            <a:r>
+              <a:rPr sz="2400"/>
               <a:t> </a:t>
             </a:r>
             <a:r>
-              <a:rPr lang="de-DE" dirty="0"/>
+              <a:rPr lang="de-DE" sz="2400"/>
               <a:t>bei </a:t>
             </a:r>
             <a:r>
-              <a:rPr lang="de-DE" dirty="0" err="1"/>
+              <a:rPr lang="de-DE" sz="2400" err="1"/>
               <a:t>pre-commit</a:t>
             </a:r>
             <a:r>
-              <a:rPr lang="de-DE" dirty="0"/>
+              <a:rPr lang="de-DE" sz="2400"/>
               <a:t> </a:t>
             </a:r>
             <a:r>
-              <a:rPr lang="de-DE" dirty="0" err="1"/>
+              <a:rPr lang="de-DE" sz="2400" err="1"/>
               <a:t>hooks</a:t>
             </a:r>
             <a:r>
-              <a:rPr lang="de-DE" dirty="0"/>
-              <a:t> über eine </a:t>
-            </a:r>
-            <a:r>
-              <a:rPr lang="de-DE" dirty="0" err="1"/>
+              <a:rPr lang="de-DE" sz="2400"/>
+              <a:t> über </a:t>
+            </a:r>
+            <a:r>
+              <a:rPr lang="de-DE" sz="2400" err="1"/>
               <a:t>yaml</a:t>
             </a:r>
             <a:r>
-              <a:rPr lang="de-DE" dirty="0"/>
+              <a:rPr lang="de-DE" sz="2400"/>
               <a:t> </a:t>
             </a:r>
             <a:r>
-              <a:rPr lang="de-DE" dirty="0" err="1"/>
+              <a:rPr lang="de-DE" sz="2400" err="1"/>
               <a:t>datei</a:t>
             </a:r>
             <a:r>
-              <a:rPr lang="de-DE" dirty="0"/>
+              <a:rPr lang="de-DE" sz="2400"/>
               <a:t> eingestellt </a:t>
             </a:r>
-            <a:endParaRPr dirty="0">
+            <a:endParaRPr sz="2400">
               <a:ea typeface="Calibri"/>
               <a:cs typeface="Calibri"/>
             </a:endParaRPr>
@@ -6389,13 +7032,78 @@
               <a:defRPr sz="2000"/>
             </a:pPr>
             <a:r>
-              <a:rPr lang="de-DE" dirty="0"/>
+              <a:rPr lang="de-DE" sz="2400"/>
               <a:t>kann über verschiedene Aktionen getriggert werden</a:t>
             </a:r>
-            <a:endParaRPr lang="de-DE" dirty="0">
+            <a:endParaRPr lang="de-DE" sz="2400">
               <a:ea typeface="Calibri"/>
               <a:cs typeface="Calibri"/>
             </a:endParaRPr>
+          </a:p>
+        </p:txBody>
+      </p:sp>
+      <p:pic>
+        <p:nvPicPr>
+          <p:cNvPr id="5" name="Grafik 4" descr="Ein Bild, das Text, Screenshot, Software, Multimedia-Software enthält.&#10;&#10;KI-generierte Inhalte können fehlerhaft sein.">
+            <a:extLst>
+              <a:ext uri="{FF2B5EF4-FFF2-40B4-BE49-F238E27FC236}">
+                <a16:creationId xmlns:a16="http://schemas.microsoft.com/office/drawing/2014/main" id="{A1B6633D-C672-9221-846D-9060CA8A3221}"/>
+              </a:ext>
+            </a:extLst>
+          </p:cNvPr>
+          <p:cNvPicPr>
+            <a:picLocks noChangeAspect="1"/>
+          </p:cNvPicPr>
+          <p:nvPr/>
+        </p:nvPicPr>
+        <p:blipFill>
+          <a:blip r:embed="rId3"/>
+          <a:stretch>
+            <a:fillRect/>
+          </a:stretch>
+        </p:blipFill>
+        <p:spPr>
+          <a:xfrm>
+            <a:off x="1236453" y="3739322"/>
+            <a:ext cx="6671095" cy="3117468"/>
+          </a:xfrm>
+          <a:prstGeom prst="rect">
+            <a:avLst/>
+          </a:prstGeom>
+        </p:spPr>
+      </p:pic>
+      <p:sp>
+        <p:nvSpPr>
+          <p:cNvPr id="4" name="Textfeld 3">
+            <a:extLst>
+              <a:ext uri="{FF2B5EF4-FFF2-40B4-BE49-F238E27FC236}">
+                <a16:creationId xmlns:a16="http://schemas.microsoft.com/office/drawing/2014/main" id="{FE04B7DD-B835-C2B9-8BA8-A0EE0C40A3A9}"/>
+              </a:ext>
+            </a:extLst>
+          </p:cNvPr>
+          <p:cNvSpPr txBox="1"/>
+          <p:nvPr/>
+        </p:nvSpPr>
+        <p:spPr>
+          <a:xfrm>
+            <a:off x="2286000" y="180460"/>
+            <a:ext cx="4572000" cy="369332"/>
+          </a:xfrm>
+          <a:prstGeom prst="rect">
+            <a:avLst/>
+          </a:prstGeom>
+          <a:noFill/>
+        </p:spPr>
+        <p:txBody>
+          <a:bodyPr wrap="square">
+            <a:spAutoFit/>
+          </a:bodyPr>
+          <a:lstStyle/>
+          <a:p>
+            <a:r>
+              <a:rPr lang="en-GB" dirty="0"/>
+              <a:t>https://github.com/luw6256/Kapitel-12</a:t>
+            </a:r>
           </a:p>
         </p:txBody>
       </p:sp>
@@ -6429,7 +7137,7 @@
           <p:cNvPr id="2" name="Titel 1">
             <a:extLst>
               <a:ext uri="{FF2B5EF4-FFF2-40B4-BE49-F238E27FC236}">
-                <a16:creationId xmlns:a16="http://schemas.microsoft.com/office/drawing/2014/main" id="{0D549061-721F-7767-1395-B9BF5401B9DE}"/>
+                <a16:creationId xmlns:a16="http://schemas.microsoft.com/office/drawing/2014/main" id="{74F3E3A7-E71B-B4ED-F66E-EFC45902C17C}"/>
               </a:ext>
             </a:extLst>
           </p:cNvPr>
@@ -6440,222 +7148,63 @@
             <p:ph type="title"/>
           </p:nvPr>
         </p:nvSpPr>
-        <p:spPr/>
-        <p:txBody>
-          <a:bodyPr/>
-          <a:lstStyle/>
-          <a:p>
+        <p:spPr>
+          <a:xfrm>
+            <a:off x="628650" y="2766218"/>
+            <a:ext cx="7886700" cy="1325563"/>
+          </a:xfrm>
+        </p:spPr>
+        <p:txBody>
+          <a:bodyPr/>
+          <a:lstStyle/>
+          <a:p>
+            <a:pPr algn="ctr"/>
             <a:r>
               <a:rPr lang="de-DE"/>
-              <a:t>Containers &amp; Docker</a:t>
-            </a:r>
-          </a:p>
-        </p:txBody>
-      </p:sp>
-      <p:sp>
-        <p:nvSpPr>
-          <p:cNvPr id="3" name="Inhaltsplatzhalter 2">
+              <a:t>Aufgabe 2</a:t>
+            </a:r>
+          </a:p>
+        </p:txBody>
+      </p:sp>
+      <p:sp>
+        <p:nvSpPr>
+          <p:cNvPr id="3" name="Textfeld 2">
             <a:extLst>
               <a:ext uri="{FF2B5EF4-FFF2-40B4-BE49-F238E27FC236}">
-                <a16:creationId xmlns:a16="http://schemas.microsoft.com/office/drawing/2014/main" id="{B53FAEB0-8DBE-2111-6915-9382CAA54D75}"/>
+                <a16:creationId xmlns:a16="http://schemas.microsoft.com/office/drawing/2014/main" id="{A6A058A3-0F38-86AD-D03A-B353C6079F19}"/>
               </a:ext>
             </a:extLst>
           </p:cNvPr>
-          <p:cNvSpPr>
-            <a:spLocks noGrp="1"/>
-          </p:cNvSpPr>
-          <p:nvPr>
-            <p:ph idx="1"/>
-          </p:nvPr>
-        </p:nvSpPr>
-        <p:spPr/>
-        <p:txBody>
-          <a:bodyPr vert="horz" lIns="91440" tIns="45720" rIns="91440" bIns="45720" rtlCol="0" anchor="t">
-            <a:normAutofit/>
+          <p:cNvSpPr txBox="1"/>
+          <p:nvPr/>
+        </p:nvSpPr>
+        <p:spPr>
+          <a:xfrm>
+            <a:off x="2176272" y="6222230"/>
+            <a:ext cx="4572000" cy="369332"/>
+          </a:xfrm>
+          <a:prstGeom prst="rect">
+            <a:avLst/>
+          </a:prstGeom>
+          <a:noFill/>
+        </p:spPr>
+        <p:txBody>
+          <a:bodyPr wrap="square">
+            <a:spAutoFit/>
           </a:bodyPr>
           <a:lstStyle/>
           <a:p>
-            <a:pPr>
-              <a:defRPr sz="1800"/>
-            </a:pPr>
-            <a:r>
-              <a:rPr lang="de-DE" dirty="0"/>
-              <a:t>Container = isolierte Umgebung für Anwendungen</a:t>
-            </a:r>
-          </a:p>
-          <a:p>
-            <a:pPr>
-              <a:defRPr sz="1800"/>
-            </a:pPr>
-            <a:r>
-              <a:rPr lang="de-DE" dirty="0"/>
-              <a:t>Vorteile:</a:t>
-            </a:r>
-            <a:endParaRPr lang="de-DE" dirty="0">
-              <a:ea typeface="Calibri"/>
-              <a:cs typeface="Calibri"/>
-            </a:endParaRPr>
-          </a:p>
-          <a:p>
-            <a:pPr marL="0" indent="0">
-              <a:buNone/>
-              <a:defRPr sz="1800"/>
-            </a:pPr>
-            <a:r>
-              <a:rPr lang="de-DE" dirty="0"/>
-              <a:t>	– Reproduzierbares Setup (inkl. Bibliotheken)</a:t>
-            </a:r>
-            <a:endParaRPr lang="de-DE" dirty="0">
-              <a:ea typeface="Calibri"/>
-              <a:cs typeface="Calibri"/>
-            </a:endParaRPr>
-          </a:p>
-          <a:p>
-            <a:pPr marL="0" indent="0">
-              <a:buNone/>
-              <a:defRPr sz="1800"/>
-            </a:pPr>
-            <a:r>
-              <a:rPr lang="de-DE" dirty="0"/>
-              <a:t>	– Unabhängig vom Host-System</a:t>
-            </a:r>
-            <a:endParaRPr lang="de-DE" dirty="0">
-              <a:ea typeface="Calibri"/>
-              <a:cs typeface="Calibri"/>
-            </a:endParaRPr>
-          </a:p>
-          <a:p>
-            <a:pPr marL="0" indent="0">
-              <a:buNone/>
-              <a:defRPr sz="1800"/>
-            </a:pPr>
-            <a:r>
-              <a:rPr lang="de-DE" dirty="0"/>
-              <a:t>	– Ideal für </a:t>
-            </a:r>
-            <a:r>
-              <a:rPr lang="de-DE" dirty="0" err="1"/>
-              <a:t>Deployment</a:t>
-            </a:r>
-            <a:r>
-              <a:rPr lang="de-DE" dirty="0"/>
-              <a:t> &amp; Skalierung</a:t>
-            </a:r>
-            <a:endParaRPr lang="de-DE" dirty="0">
-              <a:ea typeface="Calibri"/>
-              <a:cs typeface="Calibri"/>
-            </a:endParaRPr>
-          </a:p>
-          <a:p>
-            <a:pPr>
-              <a:defRPr sz="1800"/>
-            </a:pPr>
-            <a:endParaRPr lang="de-DE"/>
-          </a:p>
-          <a:p>
-            <a:pPr>
-              <a:defRPr sz="1800"/>
-            </a:pPr>
-            <a:r>
-              <a:rPr lang="de-DE" dirty="0"/>
-              <a:t>Docker – Tool zur Container-Verwaltung:</a:t>
-            </a:r>
-            <a:endParaRPr lang="de-DE" dirty="0">
-              <a:ea typeface="Calibri"/>
-              <a:cs typeface="Calibri"/>
-            </a:endParaRPr>
-          </a:p>
-          <a:p>
-            <a:pPr marL="0" indent="0">
-              <a:buNone/>
-              <a:defRPr sz="1800"/>
-            </a:pPr>
-            <a:r>
-              <a:rPr lang="de-DE" dirty="0"/>
-              <a:t>	– vereinfacht die Bereitstellung von Programmen</a:t>
-            </a:r>
-            <a:endParaRPr lang="de-DE" dirty="0">
-              <a:ea typeface="Calibri"/>
-              <a:cs typeface="Calibri"/>
-            </a:endParaRPr>
-          </a:p>
-          <a:p>
-            <a:pPr marL="0" indent="0">
-              <a:buNone/>
-              <a:defRPr sz="1800"/>
-            </a:pPr>
-            <a:r>
-              <a:rPr lang="de-DE" dirty="0"/>
-              <a:t>	– </a:t>
-            </a:r>
-            <a:r>
-              <a:rPr lang="de-DE" dirty="0" err="1"/>
-              <a:t>Dockerfile</a:t>
-            </a:r>
-            <a:r>
-              <a:rPr lang="de-DE" dirty="0"/>
-              <a:t>: definiert das ein eigen erstelltes Image</a:t>
-            </a:r>
-            <a:endParaRPr lang="de-DE" dirty="0">
-              <a:ea typeface="Calibri"/>
-              <a:cs typeface="Calibri"/>
-            </a:endParaRPr>
-          </a:p>
-          <a:p>
-            <a:pPr>
-              <a:defRPr sz="1800"/>
-            </a:pPr>
-            <a:endParaRPr lang="de-DE"/>
-          </a:p>
-          <a:p>
-            <a:pPr>
-              <a:defRPr sz="1800"/>
-            </a:pPr>
-            <a:r>
-              <a:rPr lang="de-DE" dirty="0" err="1"/>
-              <a:t>Prebuilt</a:t>
-            </a:r>
-            <a:r>
-              <a:rPr lang="de-DE" dirty="0"/>
-              <a:t> Images als Basis nutzbar:</a:t>
-            </a:r>
-            <a:endParaRPr lang="de-DE" dirty="0">
-              <a:ea typeface="Calibri"/>
-              <a:cs typeface="Calibri"/>
-            </a:endParaRPr>
-          </a:p>
-          <a:p>
-            <a:pPr marL="0" indent="0">
-              <a:buNone/>
-              <a:defRPr sz="1800"/>
-            </a:pPr>
-            <a:r>
-              <a:rPr lang="de-DE" dirty="0"/>
-              <a:t>	– z. B. für Python,  </a:t>
-            </a:r>
-            <a:r>
-              <a:rPr lang="de-DE" dirty="0" err="1"/>
-              <a:t>mysql</a:t>
-            </a:r>
-            <a:r>
-              <a:rPr lang="de-DE" dirty="0"/>
-              <a:t>, </a:t>
-            </a:r>
-            <a:r>
-              <a:rPr lang="de-DE" dirty="0" err="1"/>
-              <a:t>prometheus</a:t>
-            </a:r>
-            <a:endParaRPr lang="de-DE" dirty="0" err="1">
-              <a:ea typeface="Calibri"/>
-              <a:cs typeface="Calibri"/>
-            </a:endParaRPr>
+            <a:r>
+              <a:rPr lang="en-GB" dirty="0"/>
+              <a:t>https://github.com/luw6256/Kapitel-12</a:t>
+            </a:r>
           </a:p>
         </p:txBody>
       </p:sp>
     </p:spTree>
     <p:extLst>
       <p:ext uri="{BB962C8B-B14F-4D97-AF65-F5344CB8AC3E}">
-        <p14:creationId xmlns:p14="http://schemas.microsoft.com/office/powerpoint/2010/main" val="2423184082"/>
+        <p14:creationId xmlns:p14="http://schemas.microsoft.com/office/powerpoint/2010/main" val="2336305940"/>
       </p:ext>
     </p:extLst>
   </p:cSld>
@@ -6668,14 +7217,6 @@
 <file path=ppt/slides/slide9.xml><?xml version="1.0" encoding="utf-8"?>
 <p:sld xmlns:a="http://schemas.openxmlformats.org/drawingml/2006/main" xmlns:r="http://schemas.openxmlformats.org/officeDocument/2006/relationships" xmlns:p="http://schemas.openxmlformats.org/presentationml/2006/main">
   <p:cSld>
-    <p:bg>
-      <p:bgPr>
-        <a:solidFill>
-          <a:schemeClr val="bg1"/>
-        </a:solidFill>
-        <a:effectLst/>
-      </p:bgPr>
-    </p:bg>
     <p:spTree>
       <p:nvGrpSpPr>
         <p:cNvPr id="1" name=""/>
@@ -6695,7 +7236,7 @@
           <p:cNvPr id="2" name="Titel 1">
             <a:extLst>
               <a:ext uri="{FF2B5EF4-FFF2-40B4-BE49-F238E27FC236}">
-                <a16:creationId xmlns:a16="http://schemas.microsoft.com/office/drawing/2014/main" id="{5B146968-16B8-5AF8-64E3-4E29FAFEF910}"/>
+                <a16:creationId xmlns:a16="http://schemas.microsoft.com/office/drawing/2014/main" id="{0D549061-721F-7767-1395-B9BF5401B9DE}"/>
               </a:ext>
             </a:extLst>
           </p:cNvPr>
@@ -6706,21 +7247,15 @@
             <p:ph type="title"/>
           </p:nvPr>
         </p:nvSpPr>
-        <p:spPr>
-          <a:xfrm>
-            <a:off x="571380" y="1138265"/>
-            <a:ext cx="3408571" cy="1401183"/>
-          </a:xfrm>
-        </p:spPr>
-        <p:txBody>
-          <a:bodyPr anchor="t">
-            <a:normAutofit/>
-          </a:bodyPr>
-          <a:lstStyle/>
-          <a:p>
-            <a:r>
-              <a:rPr lang="de-DE" sz="2800"/>
-              <a:t>Building a Docker Container</a:t>
+        <p:spPr/>
+        <p:txBody>
+          <a:bodyPr/>
+          <a:lstStyle/>
+          <a:p>
+            <a:pPr algn="ctr"/>
+            <a:r>
+              <a:rPr lang="de-DE"/>
+              <a:t>Containers &amp; Docker</a:t>
             </a:r>
           </a:p>
         </p:txBody>
@@ -6730,7 +7265,7 @@
           <p:cNvPr id="3" name="Inhaltsplatzhalter 2">
             <a:extLst>
               <a:ext uri="{FF2B5EF4-FFF2-40B4-BE49-F238E27FC236}">
-                <a16:creationId xmlns:a16="http://schemas.microsoft.com/office/drawing/2014/main" id="{918E9068-EAF9-06E8-09CD-643697956EC9}"/>
+                <a16:creationId xmlns:a16="http://schemas.microsoft.com/office/drawing/2014/main" id="{B53FAEB0-8DBE-2111-6915-9382CAA54D75}"/>
               </a:ext>
             </a:extLst>
           </p:cNvPr>
@@ -6741,81 +7276,229 @@
             <p:ph idx="1"/>
           </p:nvPr>
         </p:nvSpPr>
-        <p:spPr>
-          <a:xfrm>
-            <a:off x="571380" y="2551176"/>
-            <a:ext cx="3408571" cy="3602935"/>
-          </a:xfrm>
-        </p:spPr>
+        <p:spPr/>
         <p:txBody>
           <a:bodyPr vert="horz" lIns="91440" tIns="45720" rIns="91440" bIns="45720" rtlCol="0" anchor="t">
-            <a:normAutofit/>
+            <a:normAutofit lnSpcReduction="10000"/>
           </a:bodyPr>
           <a:lstStyle/>
           <a:p>
-            <a:r>
-              <a:rPr lang="de-DE" sz="1700" dirty="0"/>
-              <a:t>Docker installieren &amp; starten (Docker Desktop)</a:t>
-            </a:r>
-          </a:p>
-          <a:p>
-            <a:pPr marL="0" indent="0">
-              <a:buNone/>
+            <a:pPr>
+              <a:defRPr sz="1800"/>
             </a:pPr>
-            <a:endParaRPr lang="de-DE" sz="1700">
+            <a:r>
+              <a:rPr lang="de-DE"/>
+              <a:t>Container = isolierte Umgebung für Anwendungen</a:t>
+            </a:r>
+          </a:p>
+          <a:p>
+            <a:pPr>
+              <a:defRPr sz="1800"/>
+            </a:pPr>
+            <a:r>
+              <a:rPr lang="de-DE"/>
+              <a:t>Vorteile:</a:t>
+            </a:r>
+            <a:endParaRPr lang="de-DE">
               <a:ea typeface="Calibri"/>
               <a:cs typeface="Calibri"/>
             </a:endParaRPr>
           </a:p>
           <a:p>
-            <a:r>
-              <a:rPr lang="de-DE" sz="1700" dirty="0"/>
-              <a:t>Image erstellen &amp; Container starten:</a:t>
-            </a:r>
-            <a:endParaRPr lang="de-DE" sz="1700" dirty="0">
+            <a:pPr marL="0" indent="0">
+              <a:buNone/>
+              <a:defRPr sz="1800"/>
+            </a:pPr>
+            <a:r>
+              <a:rPr lang="de-DE"/>
+              <a:t>	– Reproduzierbares Setup (inkl. Bibliotheken)</a:t>
+            </a:r>
+            <a:endParaRPr lang="de-DE">
               <a:ea typeface="Calibri"/>
               <a:cs typeface="Calibri"/>
             </a:endParaRPr>
           </a:p>
           <a:p>
-            <a:endParaRPr lang="de-DE" sz="1700"/>
-          </a:p>
-        </p:txBody>
-      </p:sp>
-      <p:pic>
-        <p:nvPicPr>
-          <p:cNvPr id="4" name="Grafik 3" descr="Ein Bild, das Text, Screenshot, Software, Betriebssystem enthält.&#10;&#10;KI-generierte Inhalte können fehlerhaft sein.">
+            <a:pPr marL="0" indent="0">
+              <a:buNone/>
+              <a:defRPr sz="1800"/>
+            </a:pPr>
+            <a:r>
+              <a:rPr lang="de-DE"/>
+              <a:t>	– Unabhängig vom Host-System</a:t>
+            </a:r>
+            <a:endParaRPr lang="de-DE">
+              <a:ea typeface="Calibri"/>
+              <a:cs typeface="Calibri"/>
+            </a:endParaRPr>
+          </a:p>
+          <a:p>
+            <a:pPr marL="0" indent="0">
+              <a:buNone/>
+              <a:defRPr sz="1800"/>
+            </a:pPr>
+            <a:r>
+              <a:rPr lang="de-DE"/>
+              <a:t>	– Ideal für </a:t>
+            </a:r>
+            <a:r>
+              <a:rPr lang="de-DE" err="1"/>
+              <a:t>Deployment</a:t>
+            </a:r>
+            <a:r>
+              <a:rPr lang="de-DE"/>
+              <a:t> &amp; Skalierung</a:t>
+            </a:r>
+            <a:endParaRPr lang="de-DE">
+              <a:ea typeface="Calibri"/>
+              <a:cs typeface="Calibri"/>
+            </a:endParaRPr>
+          </a:p>
+          <a:p>
+            <a:pPr>
+              <a:defRPr sz="1800"/>
+            </a:pPr>
+            <a:endParaRPr lang="de-DE"/>
+          </a:p>
+          <a:p>
+            <a:pPr>
+              <a:defRPr sz="1800"/>
+            </a:pPr>
+            <a:r>
+              <a:rPr lang="de-DE"/>
+              <a:t>Docker, Tool zur Container-Verwaltung:</a:t>
+            </a:r>
+            <a:endParaRPr lang="de-DE">
+              <a:ea typeface="Calibri"/>
+              <a:cs typeface="Calibri"/>
+            </a:endParaRPr>
+          </a:p>
+          <a:p>
+            <a:pPr marL="0" indent="0">
+              <a:buNone/>
+              <a:defRPr sz="1800"/>
+            </a:pPr>
+            <a:r>
+              <a:rPr lang="de-DE"/>
+              <a:t>	– vereinfacht die Bereitstellung von Programmen</a:t>
+            </a:r>
+            <a:endParaRPr lang="de-DE">
+              <a:ea typeface="Calibri"/>
+              <a:cs typeface="Calibri"/>
+            </a:endParaRPr>
+          </a:p>
+          <a:p>
+            <a:pPr marL="0" indent="0">
+              <a:buNone/>
+              <a:defRPr sz="1800"/>
+            </a:pPr>
+            <a:r>
+              <a:rPr lang="de-DE"/>
+              <a:t>	– </a:t>
+            </a:r>
+            <a:r>
+              <a:rPr lang="de-DE" err="1"/>
+              <a:t>Dockerfile</a:t>
+            </a:r>
+            <a:r>
+              <a:rPr lang="de-DE"/>
+              <a:t>: definiert das ein eigen erstelltes Image</a:t>
+            </a:r>
+            <a:endParaRPr lang="de-DE">
+              <a:ea typeface="Calibri"/>
+              <a:cs typeface="Calibri"/>
+            </a:endParaRPr>
+          </a:p>
+          <a:p>
+            <a:pPr>
+              <a:defRPr sz="1800"/>
+            </a:pPr>
+            <a:endParaRPr lang="de-DE"/>
+          </a:p>
+          <a:p>
+            <a:pPr>
+              <a:defRPr sz="1800"/>
+            </a:pPr>
+            <a:r>
+              <a:rPr lang="de-DE" err="1"/>
+              <a:t>Prebuilt</a:t>
+            </a:r>
+            <a:r>
+              <a:rPr lang="de-DE"/>
+              <a:t> Images als Basis nutzbar:</a:t>
+            </a:r>
+            <a:endParaRPr lang="de-DE">
+              <a:ea typeface="Calibri"/>
+              <a:cs typeface="Calibri"/>
+            </a:endParaRPr>
+          </a:p>
+          <a:p>
+            <a:pPr marL="0" indent="0">
+              <a:buNone/>
+              <a:defRPr sz="1800"/>
+            </a:pPr>
+            <a:r>
+              <a:rPr lang="de-DE"/>
+              <a:t>	– z. B. für Python,  </a:t>
+            </a:r>
+            <a:r>
+              <a:rPr lang="de-DE" err="1"/>
+              <a:t>mysql</a:t>
+            </a:r>
+            <a:r>
+              <a:rPr lang="de-DE"/>
+              <a:t>, </a:t>
+            </a:r>
+            <a:r>
+              <a:rPr lang="de-DE" err="1"/>
+              <a:t>prometheus</a:t>
+            </a:r>
+            <a:endParaRPr lang="de-DE" err="1">
+              <a:ea typeface="Calibri"/>
+              <a:cs typeface="Calibri"/>
+            </a:endParaRPr>
+          </a:p>
+        </p:txBody>
+      </p:sp>
+      <p:sp>
+        <p:nvSpPr>
+          <p:cNvPr id="4" name="Textfeld 3">
             <a:extLst>
               <a:ext uri="{FF2B5EF4-FFF2-40B4-BE49-F238E27FC236}">
-                <a16:creationId xmlns:a16="http://schemas.microsoft.com/office/drawing/2014/main" id="{9B8CDE0E-69A7-B460-C1AD-62E16D63C41B}"/>
+                <a16:creationId xmlns:a16="http://schemas.microsoft.com/office/drawing/2014/main" id="{62E7F411-2EAA-6491-23EF-919305871ABF}"/>
               </a:ext>
             </a:extLst>
           </p:cNvPr>
-          <p:cNvPicPr>
-            <a:picLocks noChangeAspect="1"/>
-          </p:cNvPicPr>
+          <p:cNvSpPr txBox="1"/>
           <p:nvPr/>
-        </p:nvPicPr>
-        <p:blipFill>
-          <a:blip r:embed="rId2"/>
-          <a:stretch>
-            <a:fillRect/>
-          </a:stretch>
-        </p:blipFill>
+        </p:nvSpPr>
         <p:spPr>
           <a:xfrm>
-            <a:off x="4562061" y="1303007"/>
-            <a:ext cx="4000620" cy="4253586"/>
+            <a:off x="2176272" y="6222230"/>
+            <a:ext cx="4572000" cy="369332"/>
           </a:xfrm>
           <a:prstGeom prst="rect">
             <a:avLst/>
           </a:prstGeom>
+          <a:noFill/>
         </p:spPr>
-      </p:pic>
+        <p:txBody>
+          <a:bodyPr wrap="square">
+            <a:spAutoFit/>
+          </a:bodyPr>
+          <a:lstStyle/>
+          <a:p>
+            <a:r>
+              <a:rPr lang="en-GB" dirty="0"/>
+              <a:t>https://github.com/luw6256/Kapitel-12</a:t>
+            </a:r>
+          </a:p>
+        </p:txBody>
+      </p:sp>
     </p:spTree>
     <p:extLst>
       <p:ext uri="{BB962C8B-B14F-4D97-AF65-F5344CB8AC3E}">
-        <p14:creationId xmlns:p14="http://schemas.microsoft.com/office/powerpoint/2010/main" val="4185668292"/>
+        <p14:creationId xmlns:p14="http://schemas.microsoft.com/office/powerpoint/2010/main" val="2423184082"/>
       </p:ext>
     </p:extLst>
   </p:cSld>
